--- a/Диссертация/Мансуров Презентация.pptx
+++ b/Диссертация/Мансуров Презентация.pptx
@@ -234,7 +234,7 @@
             <a:fld id="{8A2956D5-2046-4B16-B158-28749009537F}" type="datetimeFigureOut">
               <a:rPr lang="ru-RU" smtClean="0"/>
               <a:pPr/>
-              <a:t>30.05.2023</a:t>
+              <a:t>31.05.2023</a:t>
             </a:fld>
             <a:endParaRPr lang="ru-RU"/>
           </a:p>
@@ -635,7 +635,7 @@
             <a:fld id="{668F77C6-B837-4C28-B069-E60D1A7F8F4C}" type="datetime1">
               <a:rPr lang="ru-RU" smtClean="0"/>
               <a:pPr/>
-              <a:t>30.05.2023</a:t>
+              <a:t>31.05.2023</a:t>
             </a:fld>
             <a:endParaRPr lang="ru-RU"/>
           </a:p>
@@ -807,7 +807,7 @@
             <a:fld id="{E15233C2-C826-421D-8751-732F81C941BB}" type="datetime1">
               <a:rPr lang="ru-RU" smtClean="0"/>
               <a:pPr/>
-              <a:t>30.05.2023</a:t>
+              <a:t>31.05.2023</a:t>
             </a:fld>
             <a:endParaRPr lang="ru-RU"/>
           </a:p>
@@ -989,7 +989,7 @@
             <a:fld id="{F047989F-906F-40DE-BA90-D14E94A416BA}" type="datetime1">
               <a:rPr lang="ru-RU" smtClean="0"/>
               <a:pPr/>
-              <a:t>30.05.2023</a:t>
+              <a:t>31.05.2023</a:t>
             </a:fld>
             <a:endParaRPr lang="ru-RU"/>
           </a:p>
@@ -1161,7 +1161,7 @@
             <a:fld id="{D56CFF60-0E50-453A-81B9-424AB7DE66CD}" type="datetime1">
               <a:rPr lang="ru-RU" smtClean="0"/>
               <a:pPr/>
-              <a:t>30.05.2023</a:t>
+              <a:t>31.05.2023</a:t>
             </a:fld>
             <a:endParaRPr lang="ru-RU"/>
           </a:p>
@@ -1413,7 +1413,7 @@
             <a:fld id="{1EADCEAB-127F-4906-8280-7B6697A13E33}" type="datetime1">
               <a:rPr lang="ru-RU" smtClean="0"/>
               <a:pPr/>
-              <a:t>30.05.2023</a:t>
+              <a:t>31.05.2023</a:t>
             </a:fld>
             <a:endParaRPr lang="ru-RU"/>
           </a:p>
@@ -1647,7 +1647,7 @@
             <a:fld id="{772B70F3-DD83-40E6-8787-116CC1402285}" type="datetime1">
               <a:rPr lang="ru-RU" smtClean="0"/>
               <a:pPr/>
-              <a:t>30.05.2023</a:t>
+              <a:t>31.05.2023</a:t>
             </a:fld>
             <a:endParaRPr lang="ru-RU"/>
           </a:p>
@@ -2016,7 +2016,7 @@
             <a:fld id="{EFBC4BE1-28D4-4D8B-A423-5A2E1BA6934C}" type="datetime1">
               <a:rPr lang="ru-RU" smtClean="0"/>
               <a:pPr/>
-              <a:t>30.05.2023</a:t>
+              <a:t>31.05.2023</a:t>
             </a:fld>
             <a:endParaRPr lang="ru-RU"/>
           </a:p>
@@ -2136,7 +2136,7 @@
             <a:fld id="{6B7A375C-D316-441C-BBA4-36702FCEB310}" type="datetime1">
               <a:rPr lang="ru-RU" smtClean="0"/>
               <a:pPr/>
-              <a:t>30.05.2023</a:t>
+              <a:t>31.05.2023</a:t>
             </a:fld>
             <a:endParaRPr lang="ru-RU"/>
           </a:p>
@@ -2233,7 +2233,7 @@
             <a:fld id="{3EE6ABA4-7B05-4C08-9A73-CF8D6885218A}" type="datetime1">
               <a:rPr lang="ru-RU" smtClean="0"/>
               <a:pPr/>
-              <a:t>30.05.2023</a:t>
+              <a:t>31.05.2023</a:t>
             </a:fld>
             <a:endParaRPr lang="ru-RU"/>
           </a:p>
@@ -2512,7 +2512,7 @@
             <a:fld id="{F7A499FF-A70C-4AC7-8F4A-A5151C1A7370}" type="datetime1">
               <a:rPr lang="ru-RU" smtClean="0"/>
               <a:pPr/>
-              <a:t>30.05.2023</a:t>
+              <a:t>31.05.2023</a:t>
             </a:fld>
             <a:endParaRPr lang="ru-RU"/>
           </a:p>
@@ -2767,7 +2767,7 @@
             <a:fld id="{52FB4F09-8D8A-4907-99B4-463641EA0A07}" type="datetime1">
               <a:rPr lang="ru-RU" smtClean="0"/>
               <a:pPr/>
-              <a:t>30.05.2023</a:t>
+              <a:t>31.05.2023</a:t>
             </a:fld>
             <a:endParaRPr lang="ru-RU"/>
           </a:p>
@@ -2982,7 +2982,7 @@
             <a:fld id="{96489DF9-334F-4539-8237-D412EE1173F0}" type="datetime1">
               <a:rPr lang="ru-RU" smtClean="0"/>
               <a:pPr/>
-              <a:t>30.05.2023</a:t>
+              <a:t>31.05.2023</a:t>
             </a:fld>
             <a:endParaRPr lang="ru-RU"/>
           </a:p>
@@ -3634,7 +3634,7 @@
           <p:cNvPr id="4" name="Подзаголовок 6">
             <a:extLst>
               <a:ext uri="{FF2B5EF4-FFF2-40B4-BE49-F238E27FC236}">
-                <a16:creationId xmlns:a16="http://schemas.microsoft.com/office/drawing/2014/main" id="{6F08C3E7-B433-41C9-883D-917A98689EE1}"/>
+                <a16:creationId xmlns:a16="http://schemas.microsoft.com/office/drawing/2014/main" xmlns="" id="{6F08C3E7-B433-41C9-883D-917A98689EE1}"/>
               </a:ext>
             </a:extLst>
           </p:cNvPr>
@@ -3734,7 +3734,7 @@
           <p:cNvPr id="5" name="Подзаголовок 6">
             <a:extLst>
               <a:ext uri="{FF2B5EF4-FFF2-40B4-BE49-F238E27FC236}">
-                <a16:creationId xmlns:a16="http://schemas.microsoft.com/office/drawing/2014/main" id="{6F08C3E7-B433-41C9-883D-917A98689EE1}"/>
+                <a16:creationId xmlns:a16="http://schemas.microsoft.com/office/drawing/2014/main" xmlns="" id="{6F08C3E7-B433-41C9-883D-917A98689EE1}"/>
               </a:ext>
             </a:extLst>
           </p:cNvPr>
@@ -4927,14 +4927,7 @@
                 <a:latin typeface="Times New Roman" pitchFamily="18" charset="0"/>
                 <a:cs typeface="Times New Roman" pitchFamily="18" charset="0"/>
               </a:rPr>
-              <a:t>(</a:t>
-            </a:r>
-            <a:r>
-              <a:rPr lang="ru-RU" sz="1200" dirty="0" smtClean="0">
-                <a:latin typeface="Times New Roman" pitchFamily="18" charset="0"/>
-                <a:cs typeface="Times New Roman" pitchFamily="18" charset="0"/>
-              </a:rPr>
-              <a:t>23)</a:t>
+              <a:t>(23)</a:t>
             </a:r>
             <a:endParaRPr lang="ru-RU" sz="1200" dirty="0">
               <a:latin typeface="Times New Roman" pitchFamily="18" charset="0"/>
@@ -4943,8 +4936,8 @@
           </a:p>
         </p:txBody>
       </p:sp>
-      <mc:AlternateContent xmlns:mc="http://schemas.openxmlformats.org/markup-compatibility/2006">
-        <mc:Choice xmlns:a14="http://schemas.microsoft.com/office/drawing/2010/main" Requires="a14">
+      <mc:AlternateContent xmlns:mc="http://schemas.openxmlformats.org/markup-compatibility/2006" xmlns:a14="http://schemas.microsoft.com/office/drawing/2010/main">
+        <mc:Choice Requires="a14">
           <p:sp>
             <p:nvSpPr>
               <p:cNvPr id="24" name="TextBox 23"/>
@@ -5391,7 +5384,7 @@
             </p:txBody>
           </p:sp>
         </mc:Choice>
-        <mc:Fallback>
+        <mc:Fallback xmlns="">
           <p:sp>
             <p:nvSpPr>
               <p:cNvPr id="24" name="TextBox 23"/>
@@ -5452,7 +5445,7 @@
           <a:graphicData uri="http://schemas.openxmlformats.org/presentationml/2006/ole">
             <mc:AlternateContent xmlns:mc="http://schemas.openxmlformats.org/markup-compatibility/2006">
               <mc:Choice xmlns:v="urn:schemas-microsoft-com:vml" Requires="v">
-                <p:oleObj spid="_x0000_s46875" name="Формула" r:id="rId4" imgW="1688760" imgH="228600" progId="Equation.3">
+                <p:oleObj spid="_x0000_s46890" name="Формула" r:id="rId4" imgW="1688760" imgH="228600" progId="Equation.3">
                   <p:embed/>
                 </p:oleObj>
               </mc:Choice>
@@ -5645,28 +5638,28 @@
                 <a:gridCol w="957353">
                   <a:extLst>
                     <a:ext uri="{9D8B030D-6E8A-4147-A177-3AD203B41FA5}">
-                      <a16:colId xmlns:a16="http://schemas.microsoft.com/office/drawing/2014/main" val="1044631594"/>
+                      <a16:colId xmlns:a16="http://schemas.microsoft.com/office/drawing/2014/main" xmlns="" val="1044631594"/>
                     </a:ext>
                   </a:extLst>
                 </a:gridCol>
                 <a:gridCol w="957353">
                   <a:extLst>
                     <a:ext uri="{9D8B030D-6E8A-4147-A177-3AD203B41FA5}">
-                      <a16:colId xmlns:a16="http://schemas.microsoft.com/office/drawing/2014/main" val="2558395021"/>
+                      <a16:colId xmlns:a16="http://schemas.microsoft.com/office/drawing/2014/main" xmlns="" val="2558395021"/>
                     </a:ext>
                   </a:extLst>
                 </a:gridCol>
                 <a:gridCol w="957353">
                   <a:extLst>
                     <a:ext uri="{9D8B030D-6E8A-4147-A177-3AD203B41FA5}">
-                      <a16:colId xmlns:a16="http://schemas.microsoft.com/office/drawing/2014/main" val="2212677439"/>
+                      <a16:colId xmlns:a16="http://schemas.microsoft.com/office/drawing/2014/main" xmlns="" val="2212677439"/>
                     </a:ext>
                   </a:extLst>
                 </a:gridCol>
                 <a:gridCol w="957353">
                   <a:extLst>
                     <a:ext uri="{9D8B030D-6E8A-4147-A177-3AD203B41FA5}">
-                      <a16:colId xmlns:a16="http://schemas.microsoft.com/office/drawing/2014/main" val="851063209"/>
+                      <a16:colId xmlns:a16="http://schemas.microsoft.com/office/drawing/2014/main" xmlns="" val="851063209"/>
                     </a:ext>
                   </a:extLst>
                 </a:gridCol>
@@ -5730,7 +5723,7 @@
                 </a:tc>
                 <a:extLst>
                   <a:ext uri="{0D108BD9-81ED-4DB2-BD59-A6C34878D82A}">
-                    <a16:rowId xmlns:a16="http://schemas.microsoft.com/office/drawing/2014/main" val="1185514864"/>
+                    <a16:rowId xmlns:a16="http://schemas.microsoft.com/office/drawing/2014/main" xmlns="" val="1185514864"/>
                   </a:ext>
                 </a:extLst>
               </a:tr>
@@ -5883,7 +5876,7 @@
                 </a:tc>
                 <a:extLst>
                   <a:ext uri="{0D108BD9-81ED-4DB2-BD59-A6C34878D82A}">
-                    <a16:rowId xmlns:a16="http://schemas.microsoft.com/office/drawing/2014/main" val="10001"/>
+                    <a16:rowId xmlns:a16="http://schemas.microsoft.com/office/drawing/2014/main" xmlns="" val="10001"/>
                   </a:ext>
                 </a:extLst>
               </a:tr>
@@ -6173,7 +6166,7 @@
                 </a:tc>
                 <a:extLst>
                   <a:ext uri="{0D108BD9-81ED-4DB2-BD59-A6C34878D82A}">
-                    <a16:rowId xmlns:a16="http://schemas.microsoft.com/office/drawing/2014/main" val="627226478"/>
+                    <a16:rowId xmlns:a16="http://schemas.microsoft.com/office/drawing/2014/main" xmlns="" val="627226478"/>
                   </a:ext>
                 </a:extLst>
               </a:tr>
@@ -6343,7 +6336,7 @@
                 </a:tc>
                 <a:extLst>
                   <a:ext uri="{0D108BD9-81ED-4DB2-BD59-A6C34878D82A}">
-                    <a16:rowId xmlns:a16="http://schemas.microsoft.com/office/drawing/2014/main" val="10003"/>
+                    <a16:rowId xmlns:a16="http://schemas.microsoft.com/office/drawing/2014/main" xmlns="" val="10003"/>
                   </a:ext>
                 </a:extLst>
               </a:tr>
@@ -6373,7 +6366,7 @@
           <a:graphicData uri="http://schemas.openxmlformats.org/presentationml/2006/ole">
             <mc:AlternateContent xmlns:mc="http://schemas.openxmlformats.org/markup-compatibility/2006">
               <mc:Choice xmlns:v="urn:schemas-microsoft-com:vml" Requires="v">
-                <p:oleObj spid="_x0000_s46876" name="Уравнение" r:id="rId6" imgW="406080" imgH="190440" progId="Equation.3">
+                <p:oleObj spid="_x0000_s46891" name="Уравнение" r:id="rId6" imgW="406080" imgH="190440" progId="Equation.3">
                   <p:embed/>
                 </p:oleObj>
               </mc:Choice>
@@ -6443,7 +6436,7 @@
           <a:graphicData uri="http://schemas.openxmlformats.org/presentationml/2006/ole">
             <mc:AlternateContent xmlns:mc="http://schemas.openxmlformats.org/markup-compatibility/2006">
               <mc:Choice xmlns:v="urn:schemas-microsoft-com:vml" Requires="v">
-                <p:oleObj spid="_x0000_s46877" name="Уравнение" r:id="rId8" imgW="419040" imgH="215640" progId="Equation.3">
+                <p:oleObj spid="_x0000_s46892" name="Уравнение" r:id="rId8" imgW="419040" imgH="215640" progId="Equation.3">
                   <p:embed/>
                 </p:oleObj>
               </mc:Choice>
@@ -6513,7 +6506,7 @@
           <a:graphicData uri="http://schemas.openxmlformats.org/presentationml/2006/ole">
             <mc:AlternateContent xmlns:mc="http://schemas.openxmlformats.org/markup-compatibility/2006">
               <mc:Choice xmlns:v="urn:schemas-microsoft-com:vml" Requires="v">
-                <p:oleObj spid="_x0000_s46878" name="Формула" r:id="rId10" imgW="419040" imgH="215640" progId="Equation.3">
+                <p:oleObj spid="_x0000_s46893" name="Формула" r:id="rId10" imgW="419040" imgH="215640" progId="Equation.3">
                   <p:embed/>
                 </p:oleObj>
               </mc:Choice>
@@ -6583,7 +6576,7 @@
           <a:graphicData uri="http://schemas.openxmlformats.org/presentationml/2006/ole">
             <mc:AlternateContent xmlns:mc="http://schemas.openxmlformats.org/markup-compatibility/2006">
               <mc:Choice xmlns:v="urn:schemas-microsoft-com:vml" Requires="v">
-                <p:oleObj spid="_x0000_s46879" name="Формула" r:id="rId12" imgW="304560" imgH="215640" progId="Equation.3">
+                <p:oleObj spid="_x0000_s46894" name="Формула" r:id="rId12" imgW="304560" imgH="215640" progId="Equation.3">
                   <p:embed/>
                 </p:oleObj>
               </mc:Choice>
@@ -6744,7 +6737,7 @@
           <a:graphicData uri="http://schemas.openxmlformats.org/presentationml/2006/ole">
             <mc:AlternateContent xmlns:mc="http://schemas.openxmlformats.org/markup-compatibility/2006">
               <mc:Choice xmlns:v="urn:schemas-microsoft-com:vml" Requires="v">
-                <p:oleObj spid="_x0000_s46880" name="Формула" r:id="rId14" imgW="799920" imgH="228600" progId="Equation.3">
+                <p:oleObj spid="_x0000_s46895" name="Формула" r:id="rId14" imgW="799920" imgH="228600" progId="Equation.3">
                   <p:embed/>
                 </p:oleObj>
               </mc:Choice>
@@ -6801,7 +6794,7 @@
           <a:graphicData uri="http://schemas.openxmlformats.org/presentationml/2006/ole">
             <mc:AlternateContent xmlns:mc="http://schemas.openxmlformats.org/markup-compatibility/2006">
               <mc:Choice xmlns:v="urn:schemas-microsoft-com:vml" Requires="v">
-                <p:oleObj spid="_x0000_s46881" name="Equation" r:id="rId16" imgW="838080" imgH="215640" progId="Equation.3">
+                <p:oleObj spid="_x0000_s46896" name="Equation" r:id="rId16" imgW="838080" imgH="215640" progId="Equation.3">
                   <p:embed/>
                 </p:oleObj>
               </mc:Choice>
@@ -6886,7 +6879,7 @@
               <a:graphicData uri="http://schemas.openxmlformats.org/presentationml/2006/ole">
                 <mc:AlternateContent xmlns:mc="http://schemas.openxmlformats.org/markup-compatibility/2006">
                   <mc:Choice xmlns:v="urn:schemas-microsoft-com:vml" Requires="v">
-                    <p:oleObj spid="_x0000_s46882" name="Уравнение" r:id="rId18" imgW="228600" imgH="228600" progId="Equation.3">
+                    <p:oleObj spid="_x0000_s46897" name="Уравнение" r:id="rId18" imgW="228600" imgH="228600" progId="Equation.3">
                       <p:embed/>
                     </p:oleObj>
                   </mc:Choice>
@@ -6956,7 +6949,7 @@
               <a:graphicData uri="http://schemas.openxmlformats.org/presentationml/2006/ole">
                 <mc:AlternateContent xmlns:mc="http://schemas.openxmlformats.org/markup-compatibility/2006">
                   <mc:Choice xmlns:v="urn:schemas-microsoft-com:vml" Requires="v">
-                    <p:oleObj spid="_x0000_s46883" name="Формула" r:id="rId20" imgW="164885" imgH="164885" progId="Equation.3">
+                    <p:oleObj spid="_x0000_s46898" name="Формула" r:id="rId20" imgW="164885" imgH="164885" progId="Equation.3">
                       <p:embed/>
                     </p:oleObj>
                   </mc:Choice>
@@ -7143,7 +7136,7 @@
                     <a:graphicData uri="http://schemas.openxmlformats.org/presentationml/2006/ole">
                       <mc:AlternateContent xmlns:mc="http://schemas.openxmlformats.org/markup-compatibility/2006">
                         <mc:Choice xmlns:v="urn:schemas-microsoft-com:vml" Requires="v">
-                          <p:oleObj spid="_x0000_s46884" name="Уравнение" r:id="rId22" imgW="164880" imgH="228600" progId="Equation.3">
+                          <p:oleObj spid="_x0000_s46899" name="Уравнение" r:id="rId22" imgW="164880" imgH="228600" progId="Equation.3">
                             <p:embed/>
                           </p:oleObj>
                         </mc:Choice>
@@ -7213,7 +7206,7 @@
                     <a:graphicData uri="http://schemas.openxmlformats.org/presentationml/2006/ole">
                       <mc:AlternateContent xmlns:mc="http://schemas.openxmlformats.org/markup-compatibility/2006">
                         <mc:Choice xmlns:v="urn:schemas-microsoft-com:vml" Requires="v">
-                          <p:oleObj spid="_x0000_s46885" name="Equation" r:id="rId24" imgW="228600" imgH="228600" progId="Equation.3">
+                          <p:oleObj spid="_x0000_s46900" name="Equation" r:id="rId24" imgW="228600" imgH="228600" progId="Equation.3">
                             <p:embed/>
                           </p:oleObj>
                         </mc:Choice>
@@ -7283,7 +7276,7 @@
                     <a:graphicData uri="http://schemas.openxmlformats.org/presentationml/2006/ole">
                       <mc:AlternateContent xmlns:mc="http://schemas.openxmlformats.org/markup-compatibility/2006">
                         <mc:Choice xmlns:v="urn:schemas-microsoft-com:vml" Requires="v">
-                          <p:oleObj spid="_x0000_s46886" name="Equation" r:id="rId26" imgW="215640" imgH="228600" progId="Equation.3">
+                          <p:oleObj spid="_x0000_s46901" name="Equation" r:id="rId26" imgW="215640" imgH="228600" progId="Equation.3">
                             <p:embed/>
                           </p:oleObj>
                         </mc:Choice>
@@ -7874,7 +7867,7 @@
                       <a:graphicData uri="http://schemas.openxmlformats.org/presentationml/2006/ole">
                         <mc:AlternateContent xmlns:mc="http://schemas.openxmlformats.org/markup-compatibility/2006">
                           <mc:Choice xmlns:v="urn:schemas-microsoft-com:vml" Requires="v">
-                            <p:oleObj spid="_x0000_s46887" name="Уравнение" r:id="rId28" imgW="203040" imgH="215640" progId="Equation.3">
+                            <p:oleObj spid="_x0000_s46902" name="Уравнение" r:id="rId28" imgW="203040" imgH="215640" progId="Equation.3">
                               <p:embed/>
                             </p:oleObj>
                           </mc:Choice>
@@ -8296,7 +8289,7 @@
           <a:graphicData uri="http://schemas.openxmlformats.org/presentationml/2006/ole">
             <mc:AlternateContent xmlns:mc="http://schemas.openxmlformats.org/markup-compatibility/2006">
               <mc:Choice xmlns:v="urn:schemas-microsoft-com:vml" Requires="v">
-                <p:oleObj spid="_x0000_s46888" name="Формула" r:id="rId30" imgW="1091880" imgH="228600" progId="Equation.3">
+                <p:oleObj spid="_x0000_s46903" name="Формула" r:id="rId30" imgW="1091880" imgH="228600" progId="Equation.3">
                   <p:embed/>
                 </p:oleObj>
               </mc:Choice>
@@ -8366,7 +8359,7 @@
           <a:graphicData uri="http://schemas.openxmlformats.org/presentationml/2006/ole">
             <mc:AlternateContent xmlns:mc="http://schemas.openxmlformats.org/markup-compatibility/2006">
               <mc:Choice xmlns:v="urn:schemas-microsoft-com:vml" Requires="v">
-                <p:oleObj spid="_x0000_s46889" name="Уравнение" r:id="rId32" imgW="1904760" imgH="228600" progId="Equation.3">
+                <p:oleObj spid="_x0000_s46904" name="Уравнение" r:id="rId32" imgW="1904760" imgH="228600" progId="Equation.3">
                   <p:embed/>
                 </p:oleObj>
               </mc:Choice>
@@ -8414,8 +8407,8 @@
           </a:graphicData>
         </a:graphic>
       </p:graphicFrame>
-      <mc:AlternateContent xmlns:mc="http://schemas.openxmlformats.org/markup-compatibility/2006">
-        <mc:Choice xmlns:a14="http://schemas.microsoft.com/office/drawing/2010/main" Requires="a14">
+      <mc:AlternateContent xmlns:mc="http://schemas.openxmlformats.org/markup-compatibility/2006" xmlns:a14="http://schemas.microsoft.com/office/drawing/2010/main">
+        <mc:Choice Requires="a14">
           <p:sp>
             <p:nvSpPr>
               <p:cNvPr id="89" name="Прямоугольник 88"/>
@@ -8805,7 +8798,7 @@
             </p:txBody>
           </p:sp>
         </mc:Choice>
-        <mc:Fallback>
+        <mc:Fallback xmlns="">
           <p:sp>
             <p:nvSpPr>
               <p:cNvPr id="89" name="Прямоугольник 88"/>
@@ -9452,7 +9445,17 @@
                 <a:latin typeface="Bookman Old Style" pitchFamily="18" charset="0"/>
                 <a:cs typeface="Times New Roman" panose="02020603050405020304" pitchFamily="18" charset="0"/>
               </a:rPr>
-              <a:t>МОДЕЛИРУЕМЫЙ СНАРЯД</a:t>
+              <a:t>МОДЕЛИРУЕМ</a:t>
+            </a:r>
+            <a:r>
+              <a:rPr lang="ru-RU" sz="1200" cap="small" dirty="0" smtClean="0">
+                <a:solidFill>
+                  <a:srgbClr val="292929"/>
+                </a:solidFill>
+                <a:latin typeface="Bookman Old Style" pitchFamily="18" charset="0"/>
+                <a:cs typeface="Times New Roman" panose="02020603050405020304" pitchFamily="18" charset="0"/>
+              </a:rPr>
+              <a:t>ОЕ ОРУДИЕ</a:t>
             </a:r>
             <a:endParaRPr lang="ru-RU" sz="1200" cap="small" dirty="0">
               <a:solidFill>
@@ -9673,23 +9676,7 @@
                 <a:ea typeface="Times New Roman" pitchFamily="18" charset="0"/>
                 <a:cs typeface="Times New Roman" pitchFamily="18" charset="0"/>
               </a:rPr>
-              <a:t>. </a:t>
-            </a:r>
-            <a:r>
-              <a:rPr lang="ru-RU" sz="1100" dirty="0" smtClean="0">
-                <a:latin typeface="Times New Roman" pitchFamily="18" charset="0"/>
-                <a:ea typeface="Times New Roman" pitchFamily="18" charset="0"/>
-                <a:cs typeface="Times New Roman" pitchFamily="18" charset="0"/>
-              </a:rPr>
-              <a:t>Характеристики пороха </a:t>
-            </a:r>
-            <a:r>
-              <a:rPr lang="ru-RU" sz="1100" dirty="0" smtClean="0">
-                <a:latin typeface="Times New Roman" pitchFamily="18" charset="0"/>
-                <a:ea typeface="Times New Roman" pitchFamily="18" charset="0"/>
-                <a:cs typeface="Times New Roman" pitchFamily="18" charset="0"/>
-              </a:rPr>
-              <a:t>для орудия 2а36</a:t>
+              <a:t>. Характеристики пороха для орудия 2а36</a:t>
             </a:r>
             <a:endParaRPr lang="ru-RU" sz="1100" dirty="0"/>
           </a:p>
@@ -9704,7 +9691,7 @@
           <p:nvPr>
             <p:extLst>
               <p:ext uri="{D42A27DB-BD31-4B8C-83A1-F6EECF244321}">
-                <p14:modId xmlns:p14="http://schemas.microsoft.com/office/powerpoint/2010/main" val="1332847872"/>
+                <p14:modId xmlns:p14="http://schemas.microsoft.com/office/powerpoint/2010/main" val="2626969534"/>
               </p:ext>
             </p:extLst>
           </p:nvPr>
@@ -9723,28 +9710,28 @@
                 <a:gridCol w="1371600">
                   <a:extLst>
                     <a:ext uri="{9D8B030D-6E8A-4147-A177-3AD203B41FA5}">
-                      <a16:colId xmlns:a16="http://schemas.microsoft.com/office/drawing/2014/main" val="20000"/>
+                      <a16:colId xmlns:a16="http://schemas.microsoft.com/office/drawing/2014/main" xmlns="" val="20000"/>
                     </a:ext>
                   </a:extLst>
                 </a:gridCol>
                 <a:gridCol w="1003082">
                   <a:extLst>
                     <a:ext uri="{9D8B030D-6E8A-4147-A177-3AD203B41FA5}">
-                      <a16:colId xmlns:a16="http://schemas.microsoft.com/office/drawing/2014/main" val="20001"/>
+                      <a16:colId xmlns:a16="http://schemas.microsoft.com/office/drawing/2014/main" xmlns="" val="20001"/>
                     </a:ext>
                   </a:extLst>
                 </a:gridCol>
                 <a:gridCol w="1187341">
                   <a:extLst>
                     <a:ext uri="{9D8B030D-6E8A-4147-A177-3AD203B41FA5}">
-                      <a16:colId xmlns:a16="http://schemas.microsoft.com/office/drawing/2014/main" val="20002"/>
+                      <a16:colId xmlns:a16="http://schemas.microsoft.com/office/drawing/2014/main" xmlns="" val="20002"/>
                     </a:ext>
                   </a:extLst>
                 </a:gridCol>
                 <a:gridCol w="1187341">
                   <a:extLst>
                     <a:ext uri="{9D8B030D-6E8A-4147-A177-3AD203B41FA5}">
-                      <a16:colId xmlns:a16="http://schemas.microsoft.com/office/drawing/2014/main" val="20003"/>
+                      <a16:colId xmlns:a16="http://schemas.microsoft.com/office/drawing/2014/main" xmlns="" val="20003"/>
                     </a:ext>
                   </a:extLst>
                 </a:gridCol>
@@ -9892,7 +9879,7 @@
                 </a:tc>
                 <a:extLst>
                   <a:ext uri="{0D108BD9-81ED-4DB2-BD59-A6C34878D82A}">
-                    <a16:rowId xmlns:a16="http://schemas.microsoft.com/office/drawing/2014/main" val="10000"/>
+                    <a16:rowId xmlns:a16="http://schemas.microsoft.com/office/drawing/2014/main" xmlns="" val="10000"/>
                   </a:ext>
                 </a:extLst>
               </a:tr>
@@ -10049,7 +10036,7 @@
                 </a:tc>
                 <a:extLst>
                   <a:ext uri="{0D108BD9-81ED-4DB2-BD59-A6C34878D82A}">
-                    <a16:rowId xmlns:a16="http://schemas.microsoft.com/office/drawing/2014/main" val="10001"/>
+                    <a16:rowId xmlns:a16="http://schemas.microsoft.com/office/drawing/2014/main" xmlns="" val="10001"/>
                   </a:ext>
                 </a:extLst>
               </a:tr>
@@ -10181,7 +10168,7 @@
                 </a:tc>
                 <a:extLst>
                   <a:ext uri="{0D108BD9-81ED-4DB2-BD59-A6C34878D82A}">
-                    <a16:rowId xmlns:a16="http://schemas.microsoft.com/office/drawing/2014/main" val="10002"/>
+                    <a16:rowId xmlns:a16="http://schemas.microsoft.com/office/drawing/2014/main" xmlns="" val="10002"/>
                   </a:ext>
                 </a:extLst>
               </a:tr>
@@ -10320,7 +10307,7 @@
                 </a:tc>
                 <a:extLst>
                   <a:ext uri="{0D108BD9-81ED-4DB2-BD59-A6C34878D82A}">
-                    <a16:rowId xmlns:a16="http://schemas.microsoft.com/office/drawing/2014/main" val="10003"/>
+                    <a16:rowId xmlns:a16="http://schemas.microsoft.com/office/drawing/2014/main" xmlns="" val="10003"/>
                   </a:ext>
                 </a:extLst>
               </a:tr>
@@ -10330,7 +10317,7 @@
                     <a:bodyPr/>
                     <a:lstStyle/>
                     <a:p>
-                      <a:pPr algn="l">
+                      <a:pPr algn="ctr">
                         <a:lnSpc>
                           <a:spcPct val="150000"/>
                         </a:lnSpc>
@@ -10449,7 +10436,7 @@
                 </a:tc>
                 <a:extLst>
                   <a:ext uri="{0D108BD9-81ED-4DB2-BD59-A6C34878D82A}">
-                    <a16:rowId xmlns:a16="http://schemas.microsoft.com/office/drawing/2014/main" val="10004"/>
+                    <a16:rowId xmlns:a16="http://schemas.microsoft.com/office/drawing/2014/main" xmlns="" val="10004"/>
                   </a:ext>
                 </a:extLst>
               </a:tr>
@@ -10459,7 +10446,7 @@
                     <a:bodyPr/>
                     <a:lstStyle/>
                     <a:p>
-                      <a:pPr algn="l">
+                      <a:pPr algn="ctr">
                         <a:lnSpc>
                           <a:spcPct val="150000"/>
                         </a:lnSpc>
@@ -10581,7 +10568,7 @@
                 </a:tc>
                 <a:extLst>
                   <a:ext uri="{0D108BD9-81ED-4DB2-BD59-A6C34878D82A}">
-                    <a16:rowId xmlns:a16="http://schemas.microsoft.com/office/drawing/2014/main" val="10005"/>
+                    <a16:rowId xmlns:a16="http://schemas.microsoft.com/office/drawing/2014/main" xmlns="" val="10005"/>
                   </a:ext>
                 </a:extLst>
               </a:tr>
@@ -10591,7 +10578,7 @@
                     <a:bodyPr/>
                     <a:lstStyle/>
                     <a:p>
-                      <a:pPr algn="l">
+                      <a:pPr algn="ctr">
                         <a:lnSpc>
                           <a:spcPct val="150000"/>
                         </a:lnSpc>
@@ -10705,7 +10692,7 @@
                 </a:tc>
                 <a:extLst>
                   <a:ext uri="{0D108BD9-81ED-4DB2-BD59-A6C34878D82A}">
-                    <a16:rowId xmlns:a16="http://schemas.microsoft.com/office/drawing/2014/main" val="10006"/>
+                    <a16:rowId xmlns:a16="http://schemas.microsoft.com/office/drawing/2014/main" xmlns="" val="10006"/>
                   </a:ext>
                 </a:extLst>
               </a:tr>
@@ -10715,7 +10702,7 @@
                     <a:bodyPr/>
                     <a:lstStyle/>
                     <a:p>
-                      <a:pPr algn="l">
+                      <a:pPr algn="ctr">
                         <a:lnSpc>
                           <a:spcPct val="150000"/>
                         </a:lnSpc>
@@ -10816,7 +10803,7 @@
                         </a:spcAft>
                       </a:pPr>
                       <a:r>
-                        <a:rPr lang="ru-RU" sz="1000">
+                        <a:rPr lang="ru-RU" sz="1000" dirty="0">
                           <a:effectLst/>
                           <a:latin typeface="Times New Roman" panose="02020603050405020304" pitchFamily="18" charset="0"/>
                           <a:ea typeface="Times New Roman" panose="02020603050405020304" pitchFamily="18" charset="0"/>
@@ -10824,7 +10811,7 @@
                         <a:t>0,00</a:t>
                       </a:r>
                       <a:r>
-                        <a:rPr lang="en-US" sz="1000">
+                        <a:rPr lang="en-US" sz="1000" dirty="0">
                           <a:effectLst/>
                           <a:latin typeface="Times New Roman" panose="02020603050405020304" pitchFamily="18" charset="0"/>
                           <a:ea typeface="Times New Roman" panose="02020603050405020304" pitchFamily="18" charset="0"/>
@@ -10832,7 +10819,7 @@
                         <a:t>0</a:t>
                       </a:r>
                       <a:r>
-                        <a:rPr lang="ru-RU" sz="1000">
+                        <a:rPr lang="ru-RU" sz="1000" dirty="0">
                           <a:effectLst/>
                           <a:latin typeface="Times New Roman" panose="02020603050405020304" pitchFamily="18" charset="0"/>
                           <a:ea typeface="Times New Roman" panose="02020603050405020304" pitchFamily="18" charset="0"/>
@@ -10845,7 +10832,7 @@
                 </a:tc>
                 <a:extLst>
                   <a:ext uri="{0D108BD9-81ED-4DB2-BD59-A6C34878D82A}">
-                    <a16:rowId xmlns:a16="http://schemas.microsoft.com/office/drawing/2014/main" val="10007"/>
+                    <a16:rowId xmlns:a16="http://schemas.microsoft.com/office/drawing/2014/main" xmlns="" val="10007"/>
                   </a:ext>
                 </a:extLst>
               </a:tr>
@@ -10855,7 +10842,7 @@
                     <a:bodyPr/>
                     <a:lstStyle/>
                     <a:p>
-                      <a:pPr algn="l">
+                      <a:pPr algn="ctr">
                         <a:lnSpc>
                           <a:spcPct val="150000"/>
                         </a:lnSpc>
@@ -10864,7 +10851,7 @@
                         </a:spcAft>
                       </a:pPr>
                       <a:r>
-                        <a:rPr lang="ru-RU" sz="1000">
+                        <a:rPr lang="ru-RU" sz="1000" dirty="0">
                           <a:effectLst/>
                           <a:latin typeface="Times New Roman" panose="02020603050405020304" pitchFamily="18" charset="0"/>
                           <a:ea typeface="Times New Roman" panose="02020603050405020304" pitchFamily="18" charset="0"/>
@@ -10985,7 +10972,7 @@
                 </a:tc>
                 <a:extLst>
                   <a:ext uri="{0D108BD9-81ED-4DB2-BD59-A6C34878D82A}">
-                    <a16:rowId xmlns:a16="http://schemas.microsoft.com/office/drawing/2014/main" val="10008"/>
+                    <a16:rowId xmlns:a16="http://schemas.microsoft.com/office/drawing/2014/main" xmlns="" val="10008"/>
                   </a:ext>
                 </a:extLst>
               </a:tr>
@@ -11070,28 +11057,28 @@
                 <a:gridCol w="1072141">
                   <a:extLst>
                     <a:ext uri="{9D8B030D-6E8A-4147-A177-3AD203B41FA5}">
-                      <a16:colId xmlns:a16="http://schemas.microsoft.com/office/drawing/2014/main" val="20000"/>
+                      <a16:colId xmlns:a16="http://schemas.microsoft.com/office/drawing/2014/main" xmlns="" val="20000"/>
                     </a:ext>
                   </a:extLst>
                 </a:gridCol>
                 <a:gridCol w="933277">
                   <a:extLst>
                     <a:ext uri="{9D8B030D-6E8A-4147-A177-3AD203B41FA5}">
-                      <a16:colId xmlns:a16="http://schemas.microsoft.com/office/drawing/2014/main" val="20001"/>
+                      <a16:colId xmlns:a16="http://schemas.microsoft.com/office/drawing/2014/main" xmlns="" val="20001"/>
                     </a:ext>
                   </a:extLst>
                 </a:gridCol>
                 <a:gridCol w="1002709">
                   <a:extLst>
                     <a:ext uri="{9D8B030D-6E8A-4147-A177-3AD203B41FA5}">
-                      <a16:colId xmlns:a16="http://schemas.microsoft.com/office/drawing/2014/main" val="20002"/>
+                      <a16:colId xmlns:a16="http://schemas.microsoft.com/office/drawing/2014/main" xmlns="" val="20002"/>
                     </a:ext>
                   </a:extLst>
                 </a:gridCol>
                 <a:gridCol w="1002709">
                   <a:extLst>
                     <a:ext uri="{9D8B030D-6E8A-4147-A177-3AD203B41FA5}">
-                      <a16:colId xmlns:a16="http://schemas.microsoft.com/office/drawing/2014/main" val="20003"/>
+                      <a16:colId xmlns:a16="http://schemas.microsoft.com/office/drawing/2014/main" xmlns="" val="20003"/>
                     </a:ext>
                   </a:extLst>
                 </a:gridCol>
@@ -11239,7 +11226,7 @@
                 </a:tc>
                 <a:extLst>
                   <a:ext uri="{0D108BD9-81ED-4DB2-BD59-A6C34878D82A}">
-                    <a16:rowId xmlns:a16="http://schemas.microsoft.com/office/drawing/2014/main" val="10000"/>
+                    <a16:rowId xmlns:a16="http://schemas.microsoft.com/office/drawing/2014/main" xmlns="" val="10000"/>
                   </a:ext>
                 </a:extLst>
               </a:tr>
@@ -11378,7 +11365,7 @@
                 </a:tc>
                 <a:extLst>
                   <a:ext uri="{0D108BD9-81ED-4DB2-BD59-A6C34878D82A}">
-                    <a16:rowId xmlns:a16="http://schemas.microsoft.com/office/drawing/2014/main" val="10001"/>
+                    <a16:rowId xmlns:a16="http://schemas.microsoft.com/office/drawing/2014/main" xmlns="" val="10001"/>
                   </a:ext>
                 </a:extLst>
               </a:tr>
@@ -11517,7 +11504,7 @@
                 </a:tc>
                 <a:extLst>
                   <a:ext uri="{0D108BD9-81ED-4DB2-BD59-A6C34878D82A}">
-                    <a16:rowId xmlns:a16="http://schemas.microsoft.com/office/drawing/2014/main" val="10002"/>
+                    <a16:rowId xmlns:a16="http://schemas.microsoft.com/office/drawing/2014/main" xmlns="" val="10002"/>
                   </a:ext>
                 </a:extLst>
               </a:tr>
@@ -11660,7 +11647,7 @@
                 </a:tc>
                 <a:extLst>
                   <a:ext uri="{0D108BD9-81ED-4DB2-BD59-A6C34878D82A}">
-                    <a16:rowId xmlns:a16="http://schemas.microsoft.com/office/drawing/2014/main" val="10004"/>
+                    <a16:rowId xmlns:a16="http://schemas.microsoft.com/office/drawing/2014/main" xmlns="" val="10004"/>
                   </a:ext>
                 </a:extLst>
               </a:tr>
@@ -12601,15 +12588,7 @@
                 <a:ea typeface="Times New Roman" pitchFamily="18" charset="0"/>
                 <a:cs typeface="Times New Roman" pitchFamily="18" charset="0"/>
               </a:rPr>
-              <a:t>. </a:t>
-            </a:r>
-            <a:r>
-              <a:rPr lang="ru-RU" sz="1100" dirty="0" smtClean="0">
-                <a:latin typeface="Times New Roman" pitchFamily="18" charset="0"/>
-                <a:ea typeface="Times New Roman" pitchFamily="18" charset="0"/>
-                <a:cs typeface="Times New Roman" pitchFamily="18" charset="0"/>
-              </a:rPr>
-              <a:t>Моделируемый ОФ снаряд</a:t>
+              <a:t>. Моделируемый ОФ снаряд</a:t>
             </a:r>
             <a:endParaRPr lang="ru-RU" sz="1100" dirty="0"/>
           </a:p>
@@ -12643,28 +12622,28 @@
                 <a:gridCol w="1002709">
                   <a:extLst>
                     <a:ext uri="{9D8B030D-6E8A-4147-A177-3AD203B41FA5}">
-                      <a16:colId xmlns:a16="http://schemas.microsoft.com/office/drawing/2014/main" val="20000"/>
+                      <a16:colId xmlns:a16="http://schemas.microsoft.com/office/drawing/2014/main" xmlns="" val="20000"/>
                     </a:ext>
                   </a:extLst>
                 </a:gridCol>
                 <a:gridCol w="1002709">
                   <a:extLst>
                     <a:ext uri="{9D8B030D-6E8A-4147-A177-3AD203B41FA5}">
-                      <a16:colId xmlns:a16="http://schemas.microsoft.com/office/drawing/2014/main" val="20001"/>
+                      <a16:colId xmlns:a16="http://schemas.microsoft.com/office/drawing/2014/main" xmlns="" val="20001"/>
                     </a:ext>
                   </a:extLst>
                 </a:gridCol>
                 <a:gridCol w="1002709">
                   <a:extLst>
                     <a:ext uri="{9D8B030D-6E8A-4147-A177-3AD203B41FA5}">
-                      <a16:colId xmlns:a16="http://schemas.microsoft.com/office/drawing/2014/main" val="20002"/>
+                      <a16:colId xmlns:a16="http://schemas.microsoft.com/office/drawing/2014/main" xmlns="" val="20002"/>
                     </a:ext>
                   </a:extLst>
                 </a:gridCol>
                 <a:gridCol w="1002709">
                   <a:extLst>
                     <a:ext uri="{9D8B030D-6E8A-4147-A177-3AD203B41FA5}">
-                      <a16:colId xmlns:a16="http://schemas.microsoft.com/office/drawing/2014/main" val="20003"/>
+                      <a16:colId xmlns:a16="http://schemas.microsoft.com/office/drawing/2014/main" xmlns="" val="20003"/>
                     </a:ext>
                   </a:extLst>
                 </a:gridCol>
@@ -12812,7 +12791,7 @@
                 </a:tc>
                 <a:extLst>
                   <a:ext uri="{0D108BD9-81ED-4DB2-BD59-A6C34878D82A}">
-                    <a16:rowId xmlns:a16="http://schemas.microsoft.com/office/drawing/2014/main" val="10000"/>
+                    <a16:rowId xmlns:a16="http://schemas.microsoft.com/office/drawing/2014/main" xmlns="" val="10000"/>
                   </a:ext>
                 </a:extLst>
               </a:tr>
@@ -12951,7 +12930,7 @@
                 </a:tc>
                 <a:extLst>
                   <a:ext uri="{0D108BD9-81ED-4DB2-BD59-A6C34878D82A}">
-                    <a16:rowId xmlns:a16="http://schemas.microsoft.com/office/drawing/2014/main" val="10001"/>
+                    <a16:rowId xmlns:a16="http://schemas.microsoft.com/office/drawing/2014/main" xmlns="" val="10001"/>
                   </a:ext>
                 </a:extLst>
               </a:tr>
@@ -13090,7 +13069,7 @@
                 </a:tc>
                 <a:extLst>
                   <a:ext uri="{0D108BD9-81ED-4DB2-BD59-A6C34878D82A}">
-                    <a16:rowId xmlns:a16="http://schemas.microsoft.com/office/drawing/2014/main" val="10002"/>
+                    <a16:rowId xmlns:a16="http://schemas.microsoft.com/office/drawing/2014/main" xmlns="" val="10002"/>
                   </a:ext>
                 </a:extLst>
               </a:tr>
@@ -13234,7 +13213,7 @@
                 </a:tc>
                 <a:extLst>
                   <a:ext uri="{0D108BD9-81ED-4DB2-BD59-A6C34878D82A}">
-                    <a16:rowId xmlns:a16="http://schemas.microsoft.com/office/drawing/2014/main" val="10004"/>
+                    <a16:rowId xmlns:a16="http://schemas.microsoft.com/office/drawing/2014/main" xmlns="" val="10004"/>
                   </a:ext>
                 </a:extLst>
               </a:tr>
@@ -13285,15 +13264,7 @@
                 <a:ea typeface="Times New Roman" pitchFamily="18" charset="0"/>
                 <a:cs typeface="Times New Roman" pitchFamily="18" charset="0"/>
               </a:rPr>
-              <a:t>. </a:t>
-            </a:r>
-            <a:r>
-              <a:rPr lang="ru-RU" sz="1100" dirty="0" smtClean="0">
-                <a:latin typeface="Times New Roman" pitchFamily="18" charset="0"/>
-                <a:ea typeface="Times New Roman" pitchFamily="18" charset="0"/>
-                <a:cs typeface="Times New Roman" pitchFamily="18" charset="0"/>
-              </a:rPr>
-              <a:t>Моделируемый АРС снаряд</a:t>
+              <a:t>. Моделируемый АРС снаряд</a:t>
             </a:r>
             <a:endParaRPr lang="ru-RU" sz="1100" dirty="0"/>
           </a:p>
@@ -13327,28 +13298,28 @@
                 <a:gridCol w="1002709">
                   <a:extLst>
                     <a:ext uri="{9D8B030D-6E8A-4147-A177-3AD203B41FA5}">
-                      <a16:colId xmlns:a16="http://schemas.microsoft.com/office/drawing/2014/main" val="20000"/>
+                      <a16:colId xmlns:a16="http://schemas.microsoft.com/office/drawing/2014/main" xmlns="" val="20000"/>
                     </a:ext>
                   </a:extLst>
                 </a:gridCol>
                 <a:gridCol w="1002709">
                   <a:extLst>
                     <a:ext uri="{9D8B030D-6E8A-4147-A177-3AD203B41FA5}">
-                      <a16:colId xmlns:a16="http://schemas.microsoft.com/office/drawing/2014/main" val="20001"/>
+                      <a16:colId xmlns:a16="http://schemas.microsoft.com/office/drawing/2014/main" xmlns="" val="20001"/>
                     </a:ext>
                   </a:extLst>
                 </a:gridCol>
                 <a:gridCol w="1002709">
                   <a:extLst>
                     <a:ext uri="{9D8B030D-6E8A-4147-A177-3AD203B41FA5}">
-                      <a16:colId xmlns:a16="http://schemas.microsoft.com/office/drawing/2014/main" val="20002"/>
+                      <a16:colId xmlns:a16="http://schemas.microsoft.com/office/drawing/2014/main" xmlns="" val="20002"/>
                     </a:ext>
                   </a:extLst>
                 </a:gridCol>
                 <a:gridCol w="1002709">
                   <a:extLst>
                     <a:ext uri="{9D8B030D-6E8A-4147-A177-3AD203B41FA5}">
-                      <a16:colId xmlns:a16="http://schemas.microsoft.com/office/drawing/2014/main" val="20003"/>
+                      <a16:colId xmlns:a16="http://schemas.microsoft.com/office/drawing/2014/main" xmlns="" val="20003"/>
                     </a:ext>
                   </a:extLst>
                 </a:gridCol>
@@ -13496,7 +13467,7 @@
                 </a:tc>
                 <a:extLst>
                   <a:ext uri="{0D108BD9-81ED-4DB2-BD59-A6C34878D82A}">
-                    <a16:rowId xmlns:a16="http://schemas.microsoft.com/office/drawing/2014/main" val="10000"/>
+                    <a16:rowId xmlns:a16="http://schemas.microsoft.com/office/drawing/2014/main" xmlns="" val="10000"/>
                   </a:ext>
                 </a:extLst>
               </a:tr>
@@ -13635,7 +13606,7 @@
                 </a:tc>
                 <a:extLst>
                   <a:ext uri="{0D108BD9-81ED-4DB2-BD59-A6C34878D82A}">
-                    <a16:rowId xmlns:a16="http://schemas.microsoft.com/office/drawing/2014/main" val="10001"/>
+                    <a16:rowId xmlns:a16="http://schemas.microsoft.com/office/drawing/2014/main" xmlns="" val="10001"/>
                   </a:ext>
                 </a:extLst>
               </a:tr>
@@ -13774,7 +13745,7 @@
                 </a:tc>
                 <a:extLst>
                   <a:ext uri="{0D108BD9-81ED-4DB2-BD59-A6C34878D82A}">
-                    <a16:rowId xmlns:a16="http://schemas.microsoft.com/office/drawing/2014/main" val="10002"/>
+                    <a16:rowId xmlns:a16="http://schemas.microsoft.com/office/drawing/2014/main" xmlns="" val="10002"/>
                   </a:ext>
                 </a:extLst>
               </a:tr>
@@ -13917,7 +13888,7 @@
                 </a:tc>
                 <a:extLst>
                   <a:ext uri="{0D108BD9-81ED-4DB2-BD59-A6C34878D82A}">
-                    <a16:rowId xmlns:a16="http://schemas.microsoft.com/office/drawing/2014/main" val="10004"/>
+                    <a16:rowId xmlns:a16="http://schemas.microsoft.com/office/drawing/2014/main" xmlns="" val="10004"/>
                   </a:ext>
                 </a:extLst>
               </a:tr>
@@ -13977,28 +13948,7 @@
                 <a:latin typeface="Times New Roman" pitchFamily="18" charset="0"/>
                 <a:cs typeface="Times New Roman" pitchFamily="18" charset="0"/>
               </a:rPr>
-              <a:t>Рисунок </a:t>
-            </a:r>
-            <a:r>
-              <a:rPr lang="ru-RU" sz="1100" dirty="0" smtClean="0">
-                <a:latin typeface="Times New Roman" pitchFamily="18" charset="0"/>
-                <a:cs typeface="Times New Roman" pitchFamily="18" charset="0"/>
-              </a:rPr>
-              <a:t>13 </a:t>
-            </a:r>
-            <a:r>
-              <a:rPr lang="ru-RU" sz="1100" dirty="0" smtClean="0">
-                <a:latin typeface="Times New Roman" pitchFamily="18" charset="0"/>
-                <a:cs typeface="Times New Roman" pitchFamily="18" charset="0"/>
-              </a:rPr>
-              <a:t>– </a:t>
-            </a:r>
-            <a:r>
-              <a:rPr lang="ru-RU" sz="1100" dirty="0" smtClean="0">
-                <a:latin typeface="Times New Roman" pitchFamily="18" charset="0"/>
-                <a:cs typeface="Times New Roman" pitchFamily="18" charset="0"/>
-              </a:rPr>
-              <a:t>Траектория полёта снаряда: </a:t>
+              <a:t>Рисунок 13 – Траектория полёта снаряда: </a:t>
             </a:r>
           </a:p>
           <a:p>
@@ -14934,7 +14884,7 @@
           <a:graphicData uri="http://schemas.openxmlformats.org/presentationml/2006/ole">
             <mc:AlternateContent xmlns:mc="http://schemas.openxmlformats.org/markup-compatibility/2006">
               <mc:Choice xmlns:v="urn:schemas-microsoft-com:vml" Requires="v">
-                <p:oleObj spid="_x0000_s42357" name="Уравнение" r:id="rId3" imgW="812520" imgH="482400" progId="Equation.3">
+                <p:oleObj spid="_x0000_s42361" name="Уравнение" r:id="rId3" imgW="812520" imgH="482400" progId="Equation.3">
                   <p:embed/>
                 </p:oleObj>
               </mc:Choice>
@@ -15010,21 +14960,7 @@
                 <a:latin typeface="Times New Roman" pitchFamily="18" charset="0"/>
                 <a:cs typeface="Times New Roman" pitchFamily="18" charset="0"/>
               </a:rPr>
-              <a:t>Рисунок </a:t>
-            </a:r>
-            <a:r>
-              <a:rPr lang="ru-RU" sz="1100" dirty="0" smtClean="0">
-                <a:latin typeface="Times New Roman" pitchFamily="18" charset="0"/>
-                <a:cs typeface="Times New Roman" pitchFamily="18" charset="0"/>
-              </a:rPr>
-              <a:t>15 </a:t>
-            </a:r>
-            <a:r>
-              <a:rPr lang="ru-RU" sz="1100" dirty="0" smtClean="0">
-                <a:latin typeface="Times New Roman" pitchFamily="18" charset="0"/>
-                <a:cs typeface="Times New Roman" pitchFamily="18" charset="0"/>
-              </a:rPr>
-              <a:t>– Изменение условия устойчивости при раскручивающимся двигателе</a:t>
+              <a:t>Рисунок 15 – Изменение условия устойчивости при раскручивающимся двигателе</a:t>
             </a:r>
             <a:endParaRPr lang="ru-RU" sz="1100" dirty="0"/>
           </a:p>
@@ -15058,21 +14994,7 @@
                 <a:latin typeface="Times New Roman" pitchFamily="18" charset="0"/>
                 <a:cs typeface="Times New Roman" pitchFamily="18" charset="0"/>
               </a:rPr>
-              <a:t>Рисунок </a:t>
-            </a:r>
-            <a:r>
-              <a:rPr lang="ru-RU" sz="1100" dirty="0" smtClean="0">
-                <a:latin typeface="Times New Roman" pitchFamily="18" charset="0"/>
-                <a:cs typeface="Times New Roman" pitchFamily="18" charset="0"/>
-              </a:rPr>
-              <a:t>14 </a:t>
-            </a:r>
-            <a:r>
-              <a:rPr lang="ru-RU" sz="1100" dirty="0" smtClean="0">
-                <a:latin typeface="Times New Roman" pitchFamily="18" charset="0"/>
-                <a:cs typeface="Times New Roman" pitchFamily="18" charset="0"/>
-              </a:rPr>
-              <a:t>– Изменение угловой скорости при раскручивающимся двигателе</a:t>
+              <a:t>Рисунок 14 – Изменение угловой скорости при раскручивающимся двигателе</a:t>
             </a:r>
             <a:endParaRPr lang="ru-RU" sz="1100" dirty="0"/>
           </a:p>
@@ -15142,7 +15064,7 @@
           <a:graphicData uri="http://schemas.openxmlformats.org/presentationml/2006/ole">
             <mc:AlternateContent xmlns:mc="http://schemas.openxmlformats.org/markup-compatibility/2006">
               <mc:Choice xmlns:v="urn:schemas-microsoft-com:vml" Requires="v">
-                <p:oleObj spid="_x0000_s42358" name="Уравнение" r:id="rId5" imgW="787320" imgH="507960" progId="Equation.3">
+                <p:oleObj spid="_x0000_s42362" name="Уравнение" r:id="rId5" imgW="787320" imgH="507960" progId="Equation.3">
                   <p:embed/>
                 </p:oleObj>
               </mc:Choice>
@@ -15199,7 +15121,7 @@
           <a:graphicData uri="http://schemas.openxmlformats.org/presentationml/2006/ole">
             <mc:AlternateContent xmlns:mc="http://schemas.openxmlformats.org/markup-compatibility/2006">
               <mc:Choice xmlns:v="urn:schemas-microsoft-com:vml" Requires="v">
-                <p:oleObj spid="_x0000_s42359" name="Уравнение" r:id="rId7" imgW="977760" imgH="520560" progId="Equation.3">
+                <p:oleObj spid="_x0000_s42363" name="Уравнение" r:id="rId7" imgW="977760" imgH="520560" progId="Equation.3">
                   <p:embed/>
                 </p:oleObj>
               </mc:Choice>
@@ -15386,7 +15308,7 @@
           <a:graphicData uri="http://schemas.openxmlformats.org/presentationml/2006/ole">
             <mc:AlternateContent xmlns:mc="http://schemas.openxmlformats.org/markup-compatibility/2006">
               <mc:Choice xmlns:v="urn:schemas-microsoft-com:vml" Requires="v">
-                <p:oleObj spid="_x0000_s42360" name="Уравнение" r:id="rId9" imgW="812520" imgH="203040" progId="Equation.3">
+                <p:oleObj spid="_x0000_s42364" name="Уравнение" r:id="rId9" imgW="812520" imgH="203040" progId="Equation.3">
                   <p:embed/>
                 </p:oleObj>
               </mc:Choice>
@@ -16159,13 +16081,6 @@
               </a:rPr>
               <a:t>14/16</a:t>
             </a:r>
-            <a:endParaRPr lang="ru-RU" sz="1200" dirty="0" smtClean="0">
-              <a:solidFill>
-                <a:schemeClr val="tx1"/>
-              </a:solidFill>
-              <a:latin typeface="Times New Roman" panose="02020603050405020304" pitchFamily="18" charset="0"/>
-              <a:cs typeface="Times New Roman" panose="02020603050405020304" pitchFamily="18" charset="0"/>
-            </a:endParaRPr>
           </a:p>
         </p:txBody>
       </p:sp>
@@ -16197,21 +16112,7 @@
                 <a:latin typeface="Times New Roman" pitchFamily="18" charset="0"/>
                 <a:cs typeface="Times New Roman" pitchFamily="18" charset="0"/>
               </a:rPr>
-              <a:t>Рисунок – </a:t>
-            </a:r>
-            <a:r>
-              <a:rPr lang="ru-RU" sz="1100" dirty="0" smtClean="0">
-                <a:latin typeface="Times New Roman" pitchFamily="18" charset="0"/>
-                <a:cs typeface="Times New Roman" pitchFamily="18" charset="0"/>
-              </a:rPr>
-              <a:t>16  </a:t>
-            </a:r>
-            <a:r>
-              <a:rPr lang="ru-RU" sz="1100" dirty="0" smtClean="0">
-                <a:latin typeface="Times New Roman" pitchFamily="18" charset="0"/>
-                <a:cs typeface="Times New Roman" pitchFamily="18" charset="0"/>
-              </a:rPr>
-              <a:t>Зависимость начальной скорости от массы снаряда</a:t>
+              <a:t>Рисунок – 16  Зависимость начальной скорости от массы снаряда</a:t>
             </a:r>
             <a:endParaRPr lang="ru-RU" sz="1100" dirty="0">
               <a:latin typeface="Times New Roman" pitchFamily="18" charset="0"/>
@@ -16343,22 +16244,7 @@
                 <a:ea typeface="Calibri" pitchFamily="34" charset="0"/>
                 <a:cs typeface="Times New Roman" pitchFamily="18" charset="0"/>
               </a:rPr>
-              <a:t>ть дальности от массы </a:t>
-            </a:r>
-            <a:r>
-              <a:rPr kumimoji="0" lang="ru-RU" sz="1100" b="0" i="0" u="none" strike="noStrike" cap="none" normalizeH="0" baseline="0" dirty="0" smtClean="0">
-                <a:ln>
-                  <a:noFill/>
-                </a:ln>
-                <a:solidFill>
-                  <a:schemeClr val="tx1"/>
-                </a:solidFill>
-                <a:effectLst/>
-                <a:latin typeface="Times New Roman" pitchFamily="18" charset="0"/>
-                <a:ea typeface="Calibri" pitchFamily="34" charset="0"/>
-                <a:cs typeface="Times New Roman" pitchFamily="18" charset="0"/>
-              </a:rPr>
-              <a:t>топлива</a:t>
+              <a:t>ть дальности от массы топлива</a:t>
             </a:r>
             <a:endParaRPr kumimoji="0" lang="ru-RU" sz="1600" b="0" i="0" u="none" strike="noStrike" cap="none" normalizeH="0" baseline="0" dirty="0" smtClean="0">
               <a:ln>
@@ -16382,7 +16268,7 @@
         </p:nvSpPr>
         <p:spPr>
           <a:xfrm>
-            <a:off x="120354" y="455517"/>
+            <a:off x="142051" y="570380"/>
             <a:ext cx="4572000" cy="261610"/>
           </a:xfrm>
           <a:prstGeom prst="rect">
@@ -16425,14 +16311,7 @@
                 <a:ea typeface="Times New Roman" pitchFamily="18" charset="0"/>
                 <a:cs typeface="Times New Roman" pitchFamily="18" charset="0"/>
               </a:rPr>
-              <a:t>Доделать утром</a:t>
-            </a:r>
-            <a:r>
-              <a:rPr lang="ru-RU" sz="1100" dirty="0" smtClean="0">
-                <a:latin typeface="Times New Roman" pitchFamily="18" charset="0"/>
-                <a:cs typeface="Times New Roman" pitchFamily="18" charset="0"/>
-              </a:rPr>
-              <a:t>		</a:t>
+              <a:t>Изменение начальной скорости в зависимости от массы</a:t>
             </a:r>
             <a:endParaRPr lang="ru-RU" sz="1100" dirty="0"/>
           </a:p>
@@ -16466,28 +16345,28 @@
                 <a:gridCol w="875899">
                   <a:extLst>
                     <a:ext uri="{9D8B030D-6E8A-4147-A177-3AD203B41FA5}">
-                      <a16:colId xmlns:a16="http://schemas.microsoft.com/office/drawing/2014/main" val="20000"/>
+                      <a16:colId xmlns:a16="http://schemas.microsoft.com/office/drawing/2014/main" xmlns="" val="20000"/>
                     </a:ext>
                   </a:extLst>
                 </a:gridCol>
                 <a:gridCol w="875899">
                   <a:extLst>
                     <a:ext uri="{9D8B030D-6E8A-4147-A177-3AD203B41FA5}">
-                      <a16:colId xmlns:a16="http://schemas.microsoft.com/office/drawing/2014/main" val="20001"/>
+                      <a16:colId xmlns:a16="http://schemas.microsoft.com/office/drawing/2014/main" xmlns="" val="20001"/>
                     </a:ext>
                   </a:extLst>
                 </a:gridCol>
                 <a:gridCol w="875899">
                   <a:extLst>
                     <a:ext uri="{9D8B030D-6E8A-4147-A177-3AD203B41FA5}">
-                      <a16:colId xmlns:a16="http://schemas.microsoft.com/office/drawing/2014/main" val="20002"/>
+                      <a16:colId xmlns:a16="http://schemas.microsoft.com/office/drawing/2014/main" xmlns="" val="20002"/>
                     </a:ext>
                   </a:extLst>
                 </a:gridCol>
                 <a:gridCol w="875899">
                   <a:extLst>
                     <a:ext uri="{9D8B030D-6E8A-4147-A177-3AD203B41FA5}">
-                      <a16:colId xmlns:a16="http://schemas.microsoft.com/office/drawing/2014/main" val="20003"/>
+                      <a16:colId xmlns:a16="http://schemas.microsoft.com/office/drawing/2014/main" xmlns="" val="20003"/>
                     </a:ext>
                   </a:extLst>
                 </a:gridCol>
@@ -16525,15 +16404,7 @@
                           <a:ea typeface="Times New Roman"/>
                           <a:cs typeface="Times New Roman" pitchFamily="18" charset="0"/>
                         </a:rPr>
-                        <a:t>, </a:t>
-                      </a:r>
-                      <a:r>
-                        <a:rPr lang="ru-RU" sz="1200" b="0" dirty="0" smtClean="0">
-                          <a:latin typeface="Times New Roman" pitchFamily="18" charset="0"/>
-                          <a:ea typeface="Times New Roman"/>
-                          <a:cs typeface="Times New Roman" pitchFamily="18" charset="0"/>
-                        </a:rPr>
-                        <a:t>кг</a:t>
+                        <a:t>, кг</a:t>
                       </a:r>
                       <a:endParaRPr lang="ru-RU" sz="1200" b="0" dirty="0">
                         <a:latin typeface="Times New Roman" pitchFamily="18" charset="0"/>
@@ -16793,7 +16664,7 @@
                 </a:tc>
                 <a:extLst>
                   <a:ext uri="{0D108BD9-81ED-4DB2-BD59-A6C34878D82A}">
-                    <a16:rowId xmlns:a16="http://schemas.microsoft.com/office/drawing/2014/main" val="10000"/>
+                    <a16:rowId xmlns:a16="http://schemas.microsoft.com/office/drawing/2014/main" xmlns="" val="10000"/>
                   </a:ext>
                 </a:extLst>
               </a:tr>
@@ -16970,11 +16841,6 @@
                         </a:rPr>
                         <a:t>37923</a:t>
                       </a:r>
-                      <a:endParaRPr lang="en-US" sz="1200" u="none" strike="noStrike" dirty="0" smtClean="0">
-                        <a:effectLst/>
-                        <a:latin typeface="Times New Roman" panose="02020603050405020304" pitchFamily="18" charset="0"/>
-                        <a:cs typeface="Times New Roman" panose="02020603050405020304" pitchFamily="18" charset="0"/>
-                      </a:endParaRPr>
                     </a:p>
                   </a:txBody>
                   <a:tcPr anchor="ctr">
@@ -17082,7 +16948,7 @@
                 </a:tc>
                 <a:extLst>
                   <a:ext uri="{0D108BD9-81ED-4DB2-BD59-A6C34878D82A}">
-                    <a16:rowId xmlns:a16="http://schemas.microsoft.com/office/drawing/2014/main" val="10001"/>
+                    <a16:rowId xmlns:a16="http://schemas.microsoft.com/office/drawing/2014/main" xmlns="" val="10001"/>
                   </a:ext>
                 </a:extLst>
               </a:tr>
@@ -17373,7 +17239,7 @@
                 </a:tc>
                 <a:extLst>
                   <a:ext uri="{0D108BD9-81ED-4DB2-BD59-A6C34878D82A}">
-                    <a16:rowId xmlns:a16="http://schemas.microsoft.com/office/drawing/2014/main" val="63189236"/>
+                    <a16:rowId xmlns:a16="http://schemas.microsoft.com/office/drawing/2014/main" xmlns="" val="63189236"/>
                   </a:ext>
                 </a:extLst>
               </a:tr>
@@ -17389,7 +17255,7 @@
         </p:nvSpPr>
         <p:spPr>
           <a:xfrm>
-            <a:off x="4771383" y="451397"/>
+            <a:off x="4828139" y="575826"/>
             <a:ext cx="4572000" cy="261610"/>
           </a:xfrm>
           <a:prstGeom prst="rect">
@@ -17432,7 +17298,7 @@
                 <a:ea typeface="Times New Roman" pitchFamily="18" charset="0"/>
                 <a:cs typeface="Times New Roman" pitchFamily="18" charset="0"/>
               </a:rPr>
-              <a:t>Что ни будь другое</a:t>
+              <a:t>Зависимость дальности от массы топлива</a:t>
             </a:r>
             <a:endParaRPr lang="ru-RU" sz="1100" dirty="0"/>
           </a:p>
@@ -17471,7 +17337,7 @@
           <p:nvPr>
             <p:extLst>
               <p:ext uri="{D42A27DB-BD31-4B8C-83A1-F6EECF244321}">
-                <p14:modId xmlns:p14="http://schemas.microsoft.com/office/powerpoint/2010/main" val="1769663867"/>
+                <p14:modId xmlns:p14="http://schemas.microsoft.com/office/powerpoint/2010/main" val="1116912045"/>
               </p:ext>
             </p:extLst>
           </p:nvPr>
@@ -17490,28 +17356,28 @@
                 <a:gridCol w="875899">
                   <a:extLst>
                     <a:ext uri="{9D8B030D-6E8A-4147-A177-3AD203B41FA5}">
-                      <a16:colId xmlns:a16="http://schemas.microsoft.com/office/drawing/2014/main" val="20000"/>
+                      <a16:colId xmlns:a16="http://schemas.microsoft.com/office/drawing/2014/main" xmlns="" val="20000"/>
                     </a:ext>
                   </a:extLst>
                 </a:gridCol>
                 <a:gridCol w="875899">
                   <a:extLst>
                     <a:ext uri="{9D8B030D-6E8A-4147-A177-3AD203B41FA5}">
-                      <a16:colId xmlns:a16="http://schemas.microsoft.com/office/drawing/2014/main" val="20001"/>
+                      <a16:colId xmlns:a16="http://schemas.microsoft.com/office/drawing/2014/main" xmlns="" val="20001"/>
                     </a:ext>
                   </a:extLst>
                 </a:gridCol>
                 <a:gridCol w="875899">
                   <a:extLst>
                     <a:ext uri="{9D8B030D-6E8A-4147-A177-3AD203B41FA5}">
-                      <a16:colId xmlns:a16="http://schemas.microsoft.com/office/drawing/2014/main" val="20002"/>
+                      <a16:colId xmlns:a16="http://schemas.microsoft.com/office/drawing/2014/main" xmlns="" val="20002"/>
                     </a:ext>
                   </a:extLst>
                 </a:gridCol>
                 <a:gridCol w="875899">
                   <a:extLst>
                     <a:ext uri="{9D8B030D-6E8A-4147-A177-3AD203B41FA5}">
-                      <a16:colId xmlns:a16="http://schemas.microsoft.com/office/drawing/2014/main" val="20003"/>
+                      <a16:colId xmlns:a16="http://schemas.microsoft.com/office/drawing/2014/main" xmlns="" val="20003"/>
                     </a:ext>
                   </a:extLst>
                 </a:gridCol>
@@ -17549,15 +17415,7 @@
                           <a:ea typeface="Times New Roman"/>
                           <a:cs typeface="Times New Roman" pitchFamily="18" charset="0"/>
                         </a:rPr>
-                        <a:t>, </a:t>
-                      </a:r>
-                      <a:r>
-                        <a:rPr lang="ru-RU" sz="1200" b="0" dirty="0" smtClean="0">
-                          <a:latin typeface="Times New Roman" pitchFamily="18" charset="0"/>
-                          <a:ea typeface="Times New Roman"/>
-                          <a:cs typeface="Times New Roman" pitchFamily="18" charset="0"/>
-                        </a:rPr>
-                        <a:t>кг</a:t>
+                        <a:t>, кг</a:t>
                       </a:r>
                       <a:endParaRPr lang="ru-RU" sz="1200" b="0" dirty="0">
                         <a:latin typeface="Times New Roman" pitchFamily="18" charset="0"/>
@@ -17828,7 +17686,7 @@
                 </a:tc>
                 <a:extLst>
                   <a:ext uri="{0D108BD9-81ED-4DB2-BD59-A6C34878D82A}">
-                    <a16:rowId xmlns:a16="http://schemas.microsoft.com/office/drawing/2014/main" val="10000"/>
+                    <a16:rowId xmlns:a16="http://schemas.microsoft.com/office/drawing/2014/main" xmlns="" val="10000"/>
                   </a:ext>
                 </a:extLst>
               </a:tr>
@@ -18113,7 +17971,7 @@
                 </a:tc>
                 <a:extLst>
                   <a:ext uri="{0D108BD9-81ED-4DB2-BD59-A6C34878D82A}">
-                    <a16:rowId xmlns:a16="http://schemas.microsoft.com/office/drawing/2014/main" val="10001"/>
+                    <a16:rowId xmlns:a16="http://schemas.microsoft.com/office/drawing/2014/main" xmlns="" val="10001"/>
                   </a:ext>
                 </a:extLst>
               </a:tr>
@@ -18129,7 +17987,14 @@
                           <a:latin typeface="Times New Roman" pitchFamily="18" charset="0"/>
                           <a:cs typeface="Times New Roman" pitchFamily="18" charset="0"/>
                         </a:rPr>
-                        <a:t>u1</a:t>
+                        <a:t>u</a:t>
+                      </a:r>
+                      <a:r>
+                        <a:rPr lang="en-US" sz="1200" i="0" baseline="-25000" dirty="0" smtClean="0">
+                          <a:latin typeface="Times New Roman" pitchFamily="18" charset="0"/>
+                          <a:cs typeface="Times New Roman" pitchFamily="18" charset="0"/>
+                        </a:rPr>
+                        <a:t>1</a:t>
                       </a:r>
                       <a:r>
                         <a:rPr lang="ru-RU" sz="1200" i="1" dirty="0" smtClean="0">
@@ -18143,7 +18008,28 @@
                           <a:latin typeface="Times New Roman" pitchFamily="18" charset="0"/>
                           <a:cs typeface="Times New Roman" pitchFamily="18" charset="0"/>
                         </a:rPr>
-                        <a:t>Мпа</a:t>
+                        <a:t>м</a:t>
+                      </a:r>
+                      <a:r>
+                        <a:rPr lang="ru-RU" sz="1200" i="0" baseline="30000" dirty="0" smtClean="0">
+                          <a:latin typeface="Times New Roman" pitchFamily="18" charset="0"/>
+                          <a:cs typeface="Times New Roman" pitchFamily="18" charset="0"/>
+                        </a:rPr>
+                        <a:t>3</a:t>
+                      </a:r>
+                      <a:r>
+                        <a:rPr lang="en-US" sz="1200" i="0" baseline="0" dirty="0" smtClean="0">
+                          <a:latin typeface="Times New Roman" pitchFamily="18" charset="0"/>
+                          <a:cs typeface="Times New Roman" pitchFamily="18" charset="0"/>
+                        </a:rPr>
+                        <a:t>/</a:t>
+                      </a:r>
+                      <a:r>
+                        <a:rPr lang="ru-RU" sz="1200" i="0" baseline="0" dirty="0" smtClean="0">
+                          <a:latin typeface="Times New Roman" pitchFamily="18" charset="0"/>
+                          <a:cs typeface="Times New Roman" pitchFamily="18" charset="0"/>
+                        </a:rPr>
+                        <a:t>Н·с</a:t>
                       </a:r>
                       <a:endParaRPr lang="en-US" sz="1200" i="0" dirty="0" smtClean="0">
                         <a:latin typeface="Times New Roman" pitchFamily="18" charset="0"/>
@@ -18204,7 +18090,101 @@
                           <a:latin typeface="Times New Roman" panose="02020603050405020304" pitchFamily="18" charset="0"/>
                           <a:cs typeface="Times New Roman" panose="02020603050405020304" pitchFamily="18" charset="0"/>
                         </a:rPr>
-                        <a:t>285</a:t>
+                        <a:t>5,9e-10</a:t>
+                      </a:r>
+                      <a:endParaRPr lang="ru-RU" sz="1200" dirty="0">
+                        <a:solidFill>
+                          <a:schemeClr val="tx1"/>
+                        </a:solidFill>
+                        <a:latin typeface="Times New Roman" panose="02020603050405020304" pitchFamily="18" charset="0"/>
+                        <a:cs typeface="Times New Roman" panose="02020603050405020304" pitchFamily="18" charset="0"/>
+                      </a:endParaRPr>
+                    </a:p>
+                  </a:txBody>
+                  <a:tcPr anchor="ctr">
+                    <a:lnL w="9525" cap="flat" cmpd="sng" algn="ctr">
+                      <a:solidFill>
+                        <a:schemeClr val="tx1"/>
+                      </a:solidFill>
+                      <a:prstDash val="solid"/>
+                      <a:round/>
+                      <a:headEnd type="none" w="med" len="med"/>
+                      <a:tailEnd type="none" w="med" len="med"/>
+                    </a:lnL>
+                    <a:lnR w="9525" cap="flat" cmpd="sng" algn="ctr">
+                      <a:solidFill>
+                        <a:schemeClr val="tx1"/>
+                      </a:solidFill>
+                      <a:prstDash val="solid"/>
+                      <a:round/>
+                      <a:headEnd type="none" w="med" len="med"/>
+                      <a:tailEnd type="none" w="med" len="med"/>
+                    </a:lnR>
+                    <a:lnT w="9525" cap="flat" cmpd="sng" algn="ctr">
+                      <a:solidFill>
+                        <a:schemeClr val="tx1"/>
+                      </a:solidFill>
+                      <a:prstDash val="solid"/>
+                      <a:round/>
+                      <a:headEnd type="none" w="med" len="med"/>
+                      <a:tailEnd type="none" w="med" len="med"/>
+                    </a:lnT>
+                    <a:lnB w="9525" cap="flat" cmpd="sng" algn="ctr">
+                      <a:solidFill>
+                        <a:schemeClr val="tx1"/>
+                      </a:solidFill>
+                      <a:prstDash val="solid"/>
+                      <a:round/>
+                      <a:headEnd type="none" w="med" len="med"/>
+                      <a:tailEnd type="none" w="med" len="med"/>
+                    </a:lnB>
+                  </a:tcPr>
+                </a:tc>
+                <a:tc>
+                  <a:txBody>
+                    <a:bodyPr/>
+                    <a:lstStyle/>
+                    <a:p>
+                      <a:pPr algn="ctr"/>
+                      <a:r>
+                        <a:rPr lang="ru-RU" sz="1200" dirty="0" smtClean="0">
+                          <a:solidFill>
+                            <a:schemeClr val="tx1"/>
+                          </a:solidFill>
+                          <a:latin typeface="Times New Roman" panose="02020603050405020304" pitchFamily="18" charset="0"/>
+                          <a:cs typeface="Times New Roman" panose="02020603050405020304" pitchFamily="18" charset="0"/>
+                        </a:rPr>
+                        <a:t>6</a:t>
+                      </a:r>
+                      <a:r>
+                        <a:rPr lang="en-US" sz="1200" dirty="0" smtClean="0">
+                          <a:solidFill>
+                            <a:schemeClr val="tx1"/>
+                          </a:solidFill>
+                          <a:latin typeface="Times New Roman" panose="02020603050405020304" pitchFamily="18" charset="0"/>
+                          <a:cs typeface="Times New Roman" panose="02020603050405020304" pitchFamily="18" charset="0"/>
+                        </a:rPr>
+                        <a:t>,</a:t>
+                      </a:r>
+                      <a:r>
+                        <a:rPr lang="ru-RU" sz="1200" dirty="0" smtClean="0">
+                          <a:solidFill>
+                            <a:schemeClr val="tx1"/>
+                          </a:solidFill>
+                          <a:latin typeface="Times New Roman" panose="02020603050405020304" pitchFamily="18" charset="0"/>
+                          <a:cs typeface="Times New Roman" panose="02020603050405020304" pitchFamily="18" charset="0"/>
+                        </a:rPr>
+                        <a:t>4</a:t>
+                      </a:r>
+                      <a:r>
+                        <a:rPr lang="en-US" sz="1200" dirty="0" smtClean="0">
+                          <a:solidFill>
+                            <a:schemeClr val="tx1"/>
+                          </a:solidFill>
+                          <a:latin typeface="Times New Roman" panose="02020603050405020304" pitchFamily="18" charset="0"/>
+                          <a:cs typeface="Times New Roman" panose="02020603050405020304" pitchFamily="18" charset="0"/>
+                        </a:rPr>
+                        <a:t>e-10</a:t>
                       </a:r>
                       <a:endParaRPr lang="ru-RU" sz="1200" dirty="0">
                         <a:solidFill>
@@ -18268,71 +18248,7 @@
                           <a:latin typeface="Times New Roman" panose="02020603050405020304" pitchFamily="18" charset="0"/>
                           <a:cs typeface="Times New Roman" panose="02020603050405020304" pitchFamily="18" charset="0"/>
                         </a:rPr>
-                        <a:t>320</a:t>
-                      </a:r>
-                      <a:endParaRPr lang="ru-RU" sz="1200" dirty="0">
-                        <a:solidFill>
-                          <a:schemeClr val="tx1"/>
-                        </a:solidFill>
-                        <a:latin typeface="Times New Roman" panose="02020603050405020304" pitchFamily="18" charset="0"/>
-                        <a:cs typeface="Times New Roman" panose="02020603050405020304" pitchFamily="18" charset="0"/>
-                      </a:endParaRPr>
-                    </a:p>
-                  </a:txBody>
-                  <a:tcPr anchor="ctr">
-                    <a:lnL w="9525" cap="flat" cmpd="sng" algn="ctr">
-                      <a:solidFill>
-                        <a:schemeClr val="tx1"/>
-                      </a:solidFill>
-                      <a:prstDash val="solid"/>
-                      <a:round/>
-                      <a:headEnd type="none" w="med" len="med"/>
-                      <a:tailEnd type="none" w="med" len="med"/>
-                    </a:lnL>
-                    <a:lnR w="9525" cap="flat" cmpd="sng" algn="ctr">
-                      <a:solidFill>
-                        <a:schemeClr val="tx1"/>
-                      </a:solidFill>
-                      <a:prstDash val="solid"/>
-                      <a:round/>
-                      <a:headEnd type="none" w="med" len="med"/>
-                      <a:tailEnd type="none" w="med" len="med"/>
-                    </a:lnR>
-                    <a:lnT w="9525" cap="flat" cmpd="sng" algn="ctr">
-                      <a:solidFill>
-                        <a:schemeClr val="tx1"/>
-                      </a:solidFill>
-                      <a:prstDash val="solid"/>
-                      <a:round/>
-                      <a:headEnd type="none" w="med" len="med"/>
-                      <a:tailEnd type="none" w="med" len="med"/>
-                    </a:lnT>
-                    <a:lnB w="9525" cap="flat" cmpd="sng" algn="ctr">
-                      <a:solidFill>
-                        <a:schemeClr val="tx1"/>
-                      </a:solidFill>
-                      <a:prstDash val="solid"/>
-                      <a:round/>
-                      <a:headEnd type="none" w="med" len="med"/>
-                      <a:tailEnd type="none" w="med" len="med"/>
-                    </a:lnB>
-                  </a:tcPr>
-                </a:tc>
-                <a:tc>
-                  <a:txBody>
-                    <a:bodyPr/>
-                    <a:lstStyle/>
-                    <a:p>
-                      <a:pPr algn="ctr"/>
-                      <a:r>
-                        <a:rPr lang="en-US" sz="1200" dirty="0" smtClean="0">
-                          <a:solidFill>
-                            <a:schemeClr val="tx1"/>
-                          </a:solidFill>
-                          <a:latin typeface="Times New Roman" panose="02020603050405020304" pitchFamily="18" charset="0"/>
-                          <a:cs typeface="Times New Roman" panose="02020603050405020304" pitchFamily="18" charset="0"/>
-                        </a:rPr>
-                        <a:t>358</a:t>
+                        <a:t>7,7e-10</a:t>
                       </a:r>
                       <a:endParaRPr lang="ru-RU" sz="1200" dirty="0">
                         <a:solidFill>
@@ -18384,7 +18300,7 @@
                 </a:tc>
                 <a:extLst>
                   <a:ext uri="{0D108BD9-81ED-4DB2-BD59-A6C34878D82A}">
-                    <a16:rowId xmlns:a16="http://schemas.microsoft.com/office/drawing/2014/main" val="10002"/>
+                    <a16:rowId xmlns:a16="http://schemas.microsoft.com/office/drawing/2014/main" xmlns="" val="10002"/>
                   </a:ext>
                 </a:extLst>
               </a:tr>
@@ -18509,17 +18425,7 @@
                 <a:latin typeface="Bookman Old Style" pitchFamily="18" charset="0"/>
                 <a:cs typeface="Times New Roman" panose="02020603050405020304" pitchFamily="18" charset="0"/>
               </a:rPr>
-              <a:t> РЕЗУЛЬТАТЫ РЕШЕНИЯ ЗАДАЧИ </a:t>
-            </a:r>
-            <a:r>
-              <a:rPr lang="ru-RU" sz="1200" dirty="0" smtClean="0">
-                <a:solidFill>
-                  <a:srgbClr val="292929"/>
-                </a:solidFill>
-                <a:latin typeface="Bookman Old Style" pitchFamily="18" charset="0"/>
-                <a:cs typeface="Times New Roman" panose="02020603050405020304" pitchFamily="18" charset="0"/>
-              </a:rPr>
-              <a:t>ОПТИМИЗАЦИИ АКТИВНО – РЕАКТИВНОГО СНАРЯДА</a:t>
+              <a:t> РЕЗУЛЬТАТЫ РЕШЕНИЯ ЗАДАЧИ ОПТИМИЗАЦИИ АКТИВНО – РЕАКТИВНОГО СНАРЯДА</a:t>
             </a:r>
             <a:endParaRPr lang="ru-RU" sz="1200" cap="small" dirty="0">
               <a:solidFill>
@@ -19126,13 +19032,6 @@
               </a:rPr>
               <a:t>5/16</a:t>
             </a:r>
-            <a:endParaRPr lang="ru-RU" sz="1200" dirty="0" smtClean="0">
-              <a:solidFill>
-                <a:schemeClr val="tx1"/>
-              </a:solidFill>
-              <a:latin typeface="Times New Roman" panose="02020603050405020304" pitchFamily="18" charset="0"/>
-              <a:cs typeface="Times New Roman" panose="02020603050405020304" pitchFamily="18" charset="0"/>
-            </a:endParaRPr>
           </a:p>
         </p:txBody>
       </p:sp>
@@ -19164,21 +19063,7 @@
                 <a:latin typeface="Times New Roman" pitchFamily="18" charset="0"/>
                 <a:cs typeface="Times New Roman" pitchFamily="18" charset="0"/>
               </a:rPr>
-              <a:t>Рисунок – </a:t>
-            </a:r>
-            <a:r>
-              <a:rPr lang="ru-RU" sz="1100" dirty="0" smtClean="0">
-                <a:latin typeface="Times New Roman" pitchFamily="18" charset="0"/>
-                <a:cs typeface="Times New Roman" pitchFamily="18" charset="0"/>
-              </a:rPr>
-              <a:t>18  </a:t>
-            </a:r>
-            <a:r>
-              <a:rPr lang="ru-RU" sz="1100" dirty="0" smtClean="0">
-                <a:latin typeface="Times New Roman" pitchFamily="18" charset="0"/>
-                <a:cs typeface="Times New Roman" pitchFamily="18" charset="0"/>
-              </a:rPr>
-              <a:t>График траектории полёта снаряда при различных параметрах</a:t>
+              <a:t>Рисунок – 18  График траектории полёта снаряда при различных параметрах</a:t>
             </a:r>
             <a:endParaRPr lang="ru-RU" sz="1100" dirty="0">
               <a:latin typeface="Times New Roman" pitchFamily="18" charset="0"/>
@@ -19215,35 +19100,35 @@
                 <a:gridCol w="766125">
                   <a:extLst>
                     <a:ext uri="{9D8B030D-6E8A-4147-A177-3AD203B41FA5}">
-                      <a16:colId xmlns:a16="http://schemas.microsoft.com/office/drawing/2014/main" val="20000"/>
+                      <a16:colId xmlns:a16="http://schemas.microsoft.com/office/drawing/2014/main" xmlns="" val="20000"/>
                     </a:ext>
                   </a:extLst>
                 </a:gridCol>
                 <a:gridCol w="766125">
                   <a:extLst>
                     <a:ext uri="{9D8B030D-6E8A-4147-A177-3AD203B41FA5}">
-                      <a16:colId xmlns:a16="http://schemas.microsoft.com/office/drawing/2014/main" val="20001"/>
+                      <a16:colId xmlns:a16="http://schemas.microsoft.com/office/drawing/2014/main" xmlns="" val="20001"/>
                     </a:ext>
                   </a:extLst>
                 </a:gridCol>
                 <a:gridCol w="766125">
                   <a:extLst>
                     <a:ext uri="{9D8B030D-6E8A-4147-A177-3AD203B41FA5}">
-                      <a16:colId xmlns:a16="http://schemas.microsoft.com/office/drawing/2014/main" val="20002"/>
+                      <a16:colId xmlns:a16="http://schemas.microsoft.com/office/drawing/2014/main" xmlns="" val="20002"/>
                     </a:ext>
                   </a:extLst>
                 </a:gridCol>
                 <a:gridCol w="766125">
                   <a:extLst>
                     <a:ext uri="{9D8B030D-6E8A-4147-A177-3AD203B41FA5}">
-                      <a16:colId xmlns:a16="http://schemas.microsoft.com/office/drawing/2014/main" val="20004"/>
+                      <a16:colId xmlns:a16="http://schemas.microsoft.com/office/drawing/2014/main" xmlns="" val="20004"/>
                     </a:ext>
                   </a:extLst>
                 </a:gridCol>
                 <a:gridCol w="766125">
                   <a:extLst>
                     <a:ext uri="{9D8B030D-6E8A-4147-A177-3AD203B41FA5}">
-                      <a16:colId xmlns:a16="http://schemas.microsoft.com/office/drawing/2014/main" val="20003"/>
+                      <a16:colId xmlns:a16="http://schemas.microsoft.com/office/drawing/2014/main" xmlns="" val="20003"/>
                     </a:ext>
                   </a:extLst>
                 </a:gridCol>
@@ -19383,7 +19268,7 @@
                 </a:tc>
                 <a:extLst>
                   <a:ext uri="{0D108BD9-81ED-4DB2-BD59-A6C34878D82A}">
-                    <a16:rowId xmlns:a16="http://schemas.microsoft.com/office/drawing/2014/main" val="3277355946"/>
+                    <a16:rowId xmlns:a16="http://schemas.microsoft.com/office/drawing/2014/main" xmlns="" val="3277355946"/>
                   </a:ext>
                 </a:extLst>
               </a:tr>
@@ -19522,7 +19407,7 @@
                 </a:tc>
                 <a:extLst>
                   <a:ext uri="{0D108BD9-81ED-4DB2-BD59-A6C34878D82A}">
-                    <a16:rowId xmlns:a16="http://schemas.microsoft.com/office/drawing/2014/main" val="10000"/>
+                    <a16:rowId xmlns:a16="http://schemas.microsoft.com/office/drawing/2014/main" xmlns="" val="10000"/>
                   </a:ext>
                 </a:extLst>
               </a:tr>
@@ -19557,11 +19442,6 @@
                         </a:rPr>
                         <a:t>34813</a:t>
                       </a:r>
-                      <a:endParaRPr lang="ru-RU" sz="1100" u="none" strike="noStrike" dirty="0" smtClean="0">
-                        <a:effectLst/>
-                        <a:latin typeface="Times New Roman" panose="02020603050405020304" pitchFamily="18" charset="0"/>
-                        <a:cs typeface="Times New Roman" panose="02020603050405020304" pitchFamily="18" charset="0"/>
-                      </a:endParaRPr>
                     </a:p>
                   </a:txBody>
                   <a:tcPr marL="0" marR="0" marT="0" marB="0" anchor="ctr">
@@ -19618,11 +19498,6 @@
                         </a:rPr>
                         <a:t>37923</a:t>
                       </a:r>
-                      <a:endParaRPr lang="en-US" sz="1100" u="none" strike="noStrike" dirty="0" smtClean="0">
-                        <a:effectLst/>
-                        <a:latin typeface="Times New Roman" panose="02020603050405020304" pitchFamily="18" charset="0"/>
-                        <a:cs typeface="Times New Roman" panose="02020603050405020304" pitchFamily="18" charset="0"/>
-                      </a:endParaRPr>
                     </a:p>
                   </a:txBody>
                   <a:tcPr marL="0" marR="0" marT="0" marB="0" anchor="ctr">
@@ -19659,7 +19534,7 @@
                 </a:tc>
                 <a:extLst>
                   <a:ext uri="{0D108BD9-81ED-4DB2-BD59-A6C34878D82A}">
-                    <a16:rowId xmlns:a16="http://schemas.microsoft.com/office/drawing/2014/main" val="10001"/>
+                    <a16:rowId xmlns:a16="http://schemas.microsoft.com/office/drawing/2014/main" xmlns="" val="10001"/>
                   </a:ext>
                 </a:extLst>
               </a:tr>
@@ -19744,35 +19619,35 @@
                 <a:gridCol w="875899">
                   <a:extLst>
                     <a:ext uri="{9D8B030D-6E8A-4147-A177-3AD203B41FA5}">
-                      <a16:colId xmlns:a16="http://schemas.microsoft.com/office/drawing/2014/main" val="20000"/>
+                      <a16:colId xmlns:a16="http://schemas.microsoft.com/office/drawing/2014/main" xmlns="" val="20000"/>
                     </a:ext>
                   </a:extLst>
                 </a:gridCol>
                 <a:gridCol w="752776">
                   <a:extLst>
                     <a:ext uri="{9D8B030D-6E8A-4147-A177-3AD203B41FA5}">
-                      <a16:colId xmlns:a16="http://schemas.microsoft.com/office/drawing/2014/main" val="20001"/>
+                      <a16:colId xmlns:a16="http://schemas.microsoft.com/office/drawing/2014/main" xmlns="" val="20001"/>
                     </a:ext>
                   </a:extLst>
                 </a:gridCol>
                 <a:gridCol w="861060">
                   <a:extLst>
                     <a:ext uri="{9D8B030D-6E8A-4147-A177-3AD203B41FA5}">
-                      <a16:colId xmlns:a16="http://schemas.microsoft.com/office/drawing/2014/main" val="20002"/>
+                      <a16:colId xmlns:a16="http://schemas.microsoft.com/office/drawing/2014/main" xmlns="" val="20002"/>
                     </a:ext>
                   </a:extLst>
                 </a:gridCol>
                 <a:gridCol w="899160">
                   <a:extLst>
                     <a:ext uri="{9D8B030D-6E8A-4147-A177-3AD203B41FA5}">
-                      <a16:colId xmlns:a16="http://schemas.microsoft.com/office/drawing/2014/main" val="20003"/>
+                      <a16:colId xmlns:a16="http://schemas.microsoft.com/office/drawing/2014/main" xmlns="" val="20003"/>
                     </a:ext>
                   </a:extLst>
                 </a:gridCol>
                 <a:gridCol w="990600">
                   <a:extLst>
                     <a:ext uri="{9D8B030D-6E8A-4147-A177-3AD203B41FA5}">
-                      <a16:colId xmlns:a16="http://schemas.microsoft.com/office/drawing/2014/main" val="20004"/>
+                      <a16:colId xmlns:a16="http://schemas.microsoft.com/office/drawing/2014/main" xmlns="" val="20004"/>
                     </a:ext>
                   </a:extLst>
                 </a:gridCol>
@@ -20020,7 +19895,7 @@
                 </a:tc>
                 <a:extLst>
                   <a:ext uri="{0D108BD9-81ED-4DB2-BD59-A6C34878D82A}">
-                    <a16:rowId xmlns:a16="http://schemas.microsoft.com/office/drawing/2014/main" val="2278183065"/>
+                    <a16:rowId xmlns:a16="http://schemas.microsoft.com/office/drawing/2014/main" xmlns="" val="2278183065"/>
                   </a:ext>
                 </a:extLst>
               </a:tr>
@@ -20167,7 +20042,7 @@
                 </a:tc>
                 <a:extLst>
                   <a:ext uri="{0D108BD9-81ED-4DB2-BD59-A6C34878D82A}">
-                    <a16:rowId xmlns:a16="http://schemas.microsoft.com/office/drawing/2014/main" val="10001"/>
+                    <a16:rowId xmlns:a16="http://schemas.microsoft.com/office/drawing/2014/main" xmlns="" val="10001"/>
                   </a:ext>
                 </a:extLst>
               </a:tr>
@@ -20197,7 +20072,7 @@
           <a:graphicData uri="http://schemas.openxmlformats.org/presentationml/2006/ole">
             <mc:AlternateContent xmlns:mc="http://schemas.openxmlformats.org/markup-compatibility/2006">
               <mc:Choice xmlns:v="urn:schemas-microsoft-com:vml" Requires="v">
-                <p:oleObj spid="_x0000_s52366" name="Формула" r:id="rId3" imgW="266400" imgH="228600" progId="Equation.3">
+                <p:oleObj spid="_x0000_s52369" name="Формула" r:id="rId3" imgW="266400" imgH="228600" progId="Equation.3">
                   <p:embed/>
                 </p:oleObj>
               </mc:Choice>
@@ -20259,7 +20134,7 @@
           <a:graphicData uri="http://schemas.openxmlformats.org/presentationml/2006/ole">
             <mc:AlternateContent xmlns:mc="http://schemas.openxmlformats.org/markup-compatibility/2006">
               <mc:Choice xmlns:v="urn:schemas-microsoft-com:vml" Requires="v">
-                <p:oleObj spid="_x0000_s52367" name="Формула" r:id="rId5" imgW="558720" imgH="228600" progId="Equation.3">
+                <p:oleObj spid="_x0000_s52370" name="Формула" r:id="rId5" imgW="558720" imgH="228600" progId="Equation.3">
                   <p:embed/>
                 </p:oleObj>
               </mc:Choice>
@@ -20321,7 +20196,7 @@
           <a:graphicData uri="http://schemas.openxmlformats.org/presentationml/2006/ole">
             <mc:AlternateContent xmlns:mc="http://schemas.openxmlformats.org/markup-compatibility/2006">
               <mc:Choice xmlns:v="urn:schemas-microsoft-com:vml" Requires="v">
-                <p:oleObj spid="_x0000_s52368" name="Формула" r:id="rId7" imgW="330057" imgH="203112" progId="">
+                <p:oleObj spid="_x0000_s52371" name="Формула" r:id="rId7" imgW="330057" imgH="203112" progId="">
                   <p:embed/>
                 </p:oleObj>
               </mc:Choice>
@@ -20410,15 +20285,7 @@
                 <a:ea typeface="Times New Roman" pitchFamily="18" charset="0"/>
                 <a:cs typeface="Times New Roman" pitchFamily="18" charset="0"/>
               </a:rPr>
-              <a:t>. </a:t>
-            </a:r>
-            <a:r>
-              <a:rPr lang="ru-RU" sz="1100" dirty="0" smtClean="0">
-                <a:latin typeface="Times New Roman" pitchFamily="18" charset="0"/>
-                <a:ea typeface="Times New Roman" pitchFamily="18" charset="0"/>
-                <a:cs typeface="Times New Roman" pitchFamily="18" charset="0"/>
-              </a:rPr>
-              <a:t>Дальность стрельбы при различных параметрах</a:t>
+              <a:t>. Дальность стрельбы при различных параметрах</a:t>
             </a:r>
             <a:endParaRPr lang="ru-RU" sz="1100" dirty="0"/>
           </a:p>
@@ -21138,13 +21005,6 @@
               </a:rPr>
               <a:t>16/16</a:t>
             </a:r>
-            <a:endParaRPr lang="ru-RU" sz="1200" dirty="0" smtClean="0">
-              <a:solidFill>
-                <a:schemeClr val="tx1"/>
-              </a:solidFill>
-              <a:latin typeface="Times New Roman" panose="02020603050405020304" pitchFamily="18" charset="0"/>
-              <a:cs typeface="Times New Roman" panose="02020603050405020304" pitchFamily="18" charset="0"/>
-            </a:endParaRPr>
           </a:p>
         </p:txBody>
       </p:sp>
@@ -21255,64 +21115,35 @@
                 <a:latin typeface="Times New Roman" pitchFamily="18" charset="0"/>
                 <a:cs typeface="Times New Roman" pitchFamily="18" charset="0"/>
               </a:rPr>
-              <a:t>, найдена зависимость начальной скорости от массы снаряда. При изменении массы от 40 кг до 66,6 кг скорость снаряда меняется от </a:t>
-            </a:r>
-            <a:r>
-              <a:rPr lang="ru-RU" dirty="0" smtClean="0">
-                <a:solidFill>
-                  <a:srgbClr val="FF0000"/>
-                </a:solidFill>
+              <a:t>, найдена зависимость начальной скорости от массы снаряда. При изменении массы от 40 кг до 66,6 кг скорость снаряда меняется от 983 до </a:t>
+            </a:r>
+            <a:r>
+              <a:rPr lang="en-US" dirty="0" smtClean="0">
                 <a:latin typeface="Times New Roman" pitchFamily="18" charset="0"/>
                 <a:cs typeface="Times New Roman" pitchFamily="18" charset="0"/>
               </a:rPr>
-              <a:t>983 до </a:t>
-            </a:r>
-            <a:r>
-              <a:rPr lang="en-US" dirty="0" smtClean="0">
-                <a:solidFill>
-                  <a:srgbClr val="FF0000"/>
-                </a:solidFill>
-                <a:latin typeface="Times New Roman" pitchFamily="18" charset="0"/>
-                <a:cs typeface="Times New Roman" pitchFamily="18" charset="0"/>
-              </a:rPr>
               <a:t>776</a:t>
-            </a:r>
-            <a:r>
-              <a:rPr lang="ru-RU" dirty="0" smtClean="0">
-                <a:solidFill>
-                  <a:srgbClr val="FF0000"/>
-                </a:solidFill>
-                <a:latin typeface="Times New Roman" pitchFamily="18" charset="0"/>
-                <a:cs typeface="Times New Roman" pitchFamily="18" charset="0"/>
-              </a:rPr>
-              <a:t> м</a:t>
-            </a:r>
-            <a:r>
-              <a:rPr lang="en-US" dirty="0" smtClean="0">
-                <a:solidFill>
-                  <a:srgbClr val="FF0000"/>
-                </a:solidFill>
-                <a:latin typeface="Times New Roman" pitchFamily="18" charset="0"/>
-                <a:cs typeface="Times New Roman" pitchFamily="18" charset="0"/>
-              </a:rPr>
-              <a:t>/</a:t>
-            </a:r>
-            <a:r>
-              <a:rPr lang="ru-RU" dirty="0" smtClean="0">
-                <a:solidFill>
-                  <a:srgbClr val="FF0000"/>
-                </a:solidFill>
-                <a:latin typeface="Times New Roman" pitchFamily="18" charset="0"/>
-                <a:cs typeface="Times New Roman" pitchFamily="18" charset="0"/>
-              </a:rPr>
-              <a:t>с</a:t>
             </a:r>
             <a:r>
               <a:rPr lang="ru-RU" dirty="0" smtClean="0">
                 <a:latin typeface="Times New Roman" pitchFamily="18" charset="0"/>
                 <a:cs typeface="Times New Roman" pitchFamily="18" charset="0"/>
               </a:rPr>
-              <a:t>.</a:t>
+              <a:t> м</a:t>
+            </a:r>
+            <a:r>
+              <a:rPr lang="en-US" dirty="0" smtClean="0">
+                <a:latin typeface="Times New Roman" pitchFamily="18" charset="0"/>
+                <a:cs typeface="Times New Roman" pitchFamily="18" charset="0"/>
+              </a:rPr>
+              <a:t>/</a:t>
+            </a:r>
+            <a:r>
+              <a:rPr lang="ru-RU" dirty="0" smtClean="0">
+                <a:latin typeface="Times New Roman" pitchFamily="18" charset="0"/>
+                <a:cs typeface="Times New Roman" pitchFamily="18" charset="0"/>
+              </a:rPr>
+              <a:t>с.</a:t>
             </a:r>
           </a:p>
           <a:p>
@@ -22729,25 +22560,7 @@
                 </a:solidFill>
                 <a:latin typeface="Bookman Old Style" pitchFamily="18" charset="0"/>
               </a:rPr>
-              <a:t>СРАВНЕНИЕ </a:t>
-            </a:r>
-            <a:r>
-              <a:rPr lang="ru-RU" sz="1200" dirty="0" smtClean="0">
-                <a:solidFill>
-                  <a:srgbClr val="292929"/>
-                </a:solidFill>
-                <a:latin typeface="Bookman Old Style" pitchFamily="18" charset="0"/>
-              </a:rPr>
-              <a:t>АКТУАЛЬНЫХ СНАРЯДОВ </a:t>
-            </a:r>
-            <a:r>
-              <a:rPr lang="ru-RU" sz="1200" dirty="0" smtClean="0">
-                <a:solidFill>
-                  <a:srgbClr val="292929"/>
-                </a:solidFill>
-                <a:latin typeface="Bookman Old Style" pitchFamily="18" charset="0"/>
-              </a:rPr>
-              <a:t>РАЗЛИЧНЫХ СТРАН</a:t>
+              <a:t>СРАВНЕНИЕ АКТУАЛЬНЫХ СНАРЯДОВ РАЗЛИЧНЫХ СТРАН</a:t>
             </a:r>
             <a:endParaRPr lang="ru-RU" sz="1200" cap="small" dirty="0">
               <a:solidFill>
@@ -22996,49 +22809,49 @@
                 <a:gridCol w="885562">
                   <a:extLst>
                     <a:ext uri="{9D8B030D-6E8A-4147-A177-3AD203B41FA5}">
-                      <a16:colId xmlns:a16="http://schemas.microsoft.com/office/drawing/2014/main" val="20000"/>
+                      <a16:colId xmlns:a16="http://schemas.microsoft.com/office/drawing/2014/main" xmlns="" val="20000"/>
                     </a:ext>
                   </a:extLst>
                 </a:gridCol>
                 <a:gridCol w="1016848">
                   <a:extLst>
                     <a:ext uri="{9D8B030D-6E8A-4147-A177-3AD203B41FA5}">
-                      <a16:colId xmlns:a16="http://schemas.microsoft.com/office/drawing/2014/main" val="20001"/>
+                      <a16:colId xmlns:a16="http://schemas.microsoft.com/office/drawing/2014/main" xmlns="" val="20001"/>
                     </a:ext>
                   </a:extLst>
                 </a:gridCol>
                 <a:gridCol w="844766">
                   <a:extLst>
                     <a:ext uri="{9D8B030D-6E8A-4147-A177-3AD203B41FA5}">
-                      <a16:colId xmlns:a16="http://schemas.microsoft.com/office/drawing/2014/main" val="20002"/>
+                      <a16:colId xmlns:a16="http://schemas.microsoft.com/office/drawing/2014/main" xmlns="" val="20002"/>
                     </a:ext>
                   </a:extLst>
                 </a:gridCol>
                 <a:gridCol w="790012">
                   <a:extLst>
                     <a:ext uri="{9D8B030D-6E8A-4147-A177-3AD203B41FA5}">
-                      <a16:colId xmlns:a16="http://schemas.microsoft.com/office/drawing/2014/main" val="20003"/>
+                      <a16:colId xmlns:a16="http://schemas.microsoft.com/office/drawing/2014/main" xmlns="" val="20003"/>
                     </a:ext>
                   </a:extLst>
                 </a:gridCol>
                 <a:gridCol w="915163">
                   <a:extLst>
                     <a:ext uri="{9D8B030D-6E8A-4147-A177-3AD203B41FA5}">
-                      <a16:colId xmlns:a16="http://schemas.microsoft.com/office/drawing/2014/main" val="20004"/>
+                      <a16:colId xmlns:a16="http://schemas.microsoft.com/office/drawing/2014/main" xmlns="" val="20004"/>
                     </a:ext>
                   </a:extLst>
                 </a:gridCol>
                 <a:gridCol w="797834">
                   <a:extLst>
                     <a:ext uri="{9D8B030D-6E8A-4147-A177-3AD203B41FA5}">
-                      <a16:colId xmlns:a16="http://schemas.microsoft.com/office/drawing/2014/main" val="20006"/>
+                      <a16:colId xmlns:a16="http://schemas.microsoft.com/office/drawing/2014/main" xmlns="" val="20006"/>
                     </a:ext>
                   </a:extLst>
                 </a:gridCol>
                 <a:gridCol w="841243">
                   <a:extLst>
                     <a:ext uri="{9D8B030D-6E8A-4147-A177-3AD203B41FA5}">
-                      <a16:colId xmlns:a16="http://schemas.microsoft.com/office/drawing/2014/main" val="20005"/>
+                      <a16:colId xmlns:a16="http://schemas.microsoft.com/office/drawing/2014/main" xmlns="" val="20005"/>
                     </a:ext>
                   </a:extLst>
                 </a:gridCol>
@@ -23194,13 +23007,7 @@
                         <a:rPr lang="ru-RU" sz="1000" dirty="0" smtClean="0">
                           <a:latin typeface="Bookman Old Style" panose="02050604050505020204" pitchFamily="18" charset="0"/>
                         </a:rPr>
-                        <a:t>снаряда</a:t>
-                      </a:r>
-                      <a:r>
-                        <a:rPr lang="ru-RU" sz="1000" dirty="0" smtClean="0">
-                          <a:latin typeface="Bookman Old Style" panose="02050604050505020204" pitchFamily="18" charset="0"/>
-                        </a:rPr>
-                        <a:t>, мм</a:t>
+                        <a:t>снаряда, мм</a:t>
                       </a:r>
                       <a:endParaRPr lang="ru-RU" sz="1000" dirty="0">
                         <a:latin typeface="Bookman Old Style" panose="02050604050505020204" pitchFamily="18" charset="0"/>
@@ -23259,7 +23066,7 @@
                 </a:tc>
                 <a:extLst>
                   <a:ext uri="{0D108BD9-81ED-4DB2-BD59-A6C34878D82A}">
-                    <a16:rowId xmlns:a16="http://schemas.microsoft.com/office/drawing/2014/main" val="10000"/>
+                    <a16:rowId xmlns:a16="http://schemas.microsoft.com/office/drawing/2014/main" xmlns="" val="10000"/>
                   </a:ext>
                 </a:extLst>
               </a:tr>
@@ -23282,9 +23089,6 @@
                         </a:rPr>
                         <a:t>,</a:t>
                       </a:r>
-                      <a:endParaRPr lang="ru-RU" sz="1000" baseline="0" dirty="0" smtClean="0">
-                        <a:latin typeface="Bookman Old Style" panose="02050604050505020204" pitchFamily="18" charset="0"/>
-                      </a:endParaRPr>
                     </a:p>
                     <a:p>
                       <a:pPr algn="ctr"/>
@@ -23447,7 +23251,7 @@
                 </a:tc>
                 <a:extLst>
                   <a:ext uri="{0D108BD9-81ED-4DB2-BD59-A6C34878D82A}">
-                    <a16:rowId xmlns:a16="http://schemas.microsoft.com/office/drawing/2014/main" val="10001"/>
+                    <a16:rowId xmlns:a16="http://schemas.microsoft.com/office/drawing/2014/main" xmlns="" val="10001"/>
                   </a:ext>
                 </a:extLst>
               </a:tr>
@@ -23592,7 +23396,7 @@
                 </a:tc>
                 <a:extLst>
                   <a:ext uri="{0D108BD9-81ED-4DB2-BD59-A6C34878D82A}">
-                    <a16:rowId xmlns:a16="http://schemas.microsoft.com/office/drawing/2014/main" val="10002"/>
+                    <a16:rowId xmlns:a16="http://schemas.microsoft.com/office/drawing/2014/main" xmlns="" val="10002"/>
                   </a:ext>
                 </a:extLst>
               </a:tr>
@@ -23813,7 +23617,7 @@
                 </a:tc>
                 <a:extLst>
                   <a:ext uri="{0D108BD9-81ED-4DB2-BD59-A6C34878D82A}">
-                    <a16:rowId xmlns:a16="http://schemas.microsoft.com/office/drawing/2014/main" val="10004"/>
+                    <a16:rowId xmlns:a16="http://schemas.microsoft.com/office/drawing/2014/main" xmlns="" val="10004"/>
                   </a:ext>
                 </a:extLst>
               </a:tr>
@@ -23966,7 +23770,7 @@
                 </a:tc>
                 <a:extLst>
                   <a:ext uri="{0D108BD9-81ED-4DB2-BD59-A6C34878D82A}">
-                    <a16:rowId xmlns:a16="http://schemas.microsoft.com/office/drawing/2014/main" val="10005"/>
+                    <a16:rowId xmlns:a16="http://schemas.microsoft.com/office/drawing/2014/main" xmlns="" val="10005"/>
                   </a:ext>
                 </a:extLst>
               </a:tr>
@@ -24139,7 +23943,7 @@
                 </a:tc>
                 <a:extLst>
                   <a:ext uri="{0D108BD9-81ED-4DB2-BD59-A6C34878D82A}">
-                    <a16:rowId xmlns:a16="http://schemas.microsoft.com/office/drawing/2014/main" val="10007"/>
+                    <a16:rowId xmlns:a16="http://schemas.microsoft.com/office/drawing/2014/main" xmlns="" val="10007"/>
                   </a:ext>
                 </a:extLst>
               </a:tr>
@@ -24297,7 +24101,7 @@
                 </a:tc>
                 <a:extLst>
                   <a:ext uri="{0D108BD9-81ED-4DB2-BD59-A6C34878D82A}">
-                    <a16:rowId xmlns:a16="http://schemas.microsoft.com/office/drawing/2014/main" val="10008"/>
+                    <a16:rowId xmlns:a16="http://schemas.microsoft.com/office/drawing/2014/main" xmlns="" val="10008"/>
                   </a:ext>
                 </a:extLst>
               </a:tr>
@@ -24333,21 +24137,7 @@
                 <a:latin typeface="Times New Roman" panose="02020603050405020304" pitchFamily="18" charset="0"/>
                 <a:cs typeface="Times New Roman" panose="02020603050405020304" pitchFamily="18" charset="0"/>
               </a:rPr>
-              <a:t>Таблица – </a:t>
-            </a:r>
-            <a:r>
-              <a:rPr lang="ru-RU" sz="1100" dirty="0" smtClean="0">
-                <a:latin typeface="Times New Roman" panose="02020603050405020304" pitchFamily="18" charset="0"/>
-                <a:cs typeface="Times New Roman" panose="02020603050405020304" pitchFamily="18" charset="0"/>
-              </a:rPr>
-              <a:t>1. </a:t>
-            </a:r>
-            <a:r>
-              <a:rPr lang="ru-RU" sz="1100" dirty="0" smtClean="0">
-                <a:latin typeface="Times New Roman" panose="02020603050405020304" pitchFamily="18" charset="0"/>
-                <a:cs typeface="Times New Roman" panose="02020603050405020304" pitchFamily="18" charset="0"/>
-              </a:rPr>
-              <a:t>Характеристики снарядов</a:t>
+              <a:t>Таблица – 1. Характеристики снарядов</a:t>
             </a:r>
             <a:r>
               <a:rPr lang="en-US" sz="1100" dirty="0" smtClean="0">
@@ -24423,19 +24213,7 @@
               <a:rPr lang="ru-RU" sz="1000" dirty="0" smtClean="0">
                 <a:latin typeface="Bookman Old Style" panose="02050604050505020204" pitchFamily="18" charset="0"/>
               </a:rPr>
-              <a:t>Рисунок – </a:t>
-            </a:r>
-            <a:r>
-              <a:rPr lang="ru-RU" sz="1000" dirty="0" smtClean="0">
-                <a:latin typeface="Bookman Old Style" panose="02050604050505020204" pitchFamily="18" charset="0"/>
-              </a:rPr>
-              <a:t>1. </a:t>
-            </a:r>
-            <a:r>
-              <a:rPr lang="ru-RU" sz="1000" dirty="0" smtClean="0">
-                <a:latin typeface="Bookman Old Style" panose="02050604050505020204" pitchFamily="18" charset="0"/>
-              </a:rPr>
-              <a:t>«Краснополь»</a:t>
+              <a:t>Рисунок – 1. «Краснополь»</a:t>
             </a:r>
             <a:endParaRPr lang="ru-RU" sz="1000" dirty="0">
               <a:latin typeface="Bookman Old Style" panose="02050604050505020204" pitchFamily="18" charset="0"/>
@@ -24499,19 +24277,7 @@
               <a:rPr lang="ru-RU" sz="1000" dirty="0" smtClean="0">
                 <a:latin typeface="Bookman Old Style" panose="02050604050505020204" pitchFamily="18" charset="0"/>
               </a:rPr>
-              <a:t>Рисунок – </a:t>
-            </a:r>
-            <a:r>
-              <a:rPr lang="ru-RU" sz="1000" dirty="0" smtClean="0">
-                <a:latin typeface="Bookman Old Style" panose="02050604050505020204" pitchFamily="18" charset="0"/>
-              </a:rPr>
-              <a:t>2. </a:t>
-            </a:r>
-            <a:r>
-              <a:rPr lang="ru-RU" sz="1000" dirty="0" smtClean="0">
-                <a:latin typeface="Bookman Old Style" panose="02050604050505020204" pitchFamily="18" charset="0"/>
-              </a:rPr>
-              <a:t>М982 «</a:t>
+              <a:t>Рисунок – 2. М982 «</a:t>
             </a:r>
             <a:r>
               <a:rPr lang="en-US" sz="1000" dirty="0" smtClean="0">
@@ -24587,19 +24353,7 @@
               <a:rPr lang="ru-RU" sz="1000" dirty="0" smtClean="0">
                 <a:latin typeface="Bookman Old Style" panose="02050604050505020204" pitchFamily="18" charset="0"/>
               </a:rPr>
-              <a:t>Рисунок – </a:t>
-            </a:r>
-            <a:r>
-              <a:rPr lang="ru-RU" sz="1000" dirty="0" smtClean="0">
-                <a:latin typeface="Bookman Old Style" panose="02050604050505020204" pitchFamily="18" charset="0"/>
-              </a:rPr>
-              <a:t>3. </a:t>
-            </a:r>
-            <a:r>
-              <a:rPr lang="ru-RU" sz="1000" dirty="0" smtClean="0">
-                <a:latin typeface="Bookman Old Style" panose="02050604050505020204" pitchFamily="18" charset="0"/>
-              </a:rPr>
-              <a:t>«</a:t>
+              <a:t>Рисунок – 3. «</a:t>
             </a:r>
             <a:r>
               <a:rPr lang="en-US" sz="1000" dirty="0" smtClean="0">
@@ -27563,7 +27317,7 @@
           <a:graphicData uri="http://schemas.openxmlformats.org/presentationml/2006/ole">
             <mc:AlternateContent xmlns:mc="http://schemas.openxmlformats.org/markup-compatibility/2006">
               <mc:Choice xmlns:v="urn:schemas-microsoft-com:vml" Requires="v">
-                <p:oleObj spid="_x0000_s50522" name="Формула" r:id="rId3" imgW="317160" imgH="164880" progId="Equation.3">
+                <p:oleObj spid="_x0000_s50538" name="Формула" r:id="rId3" imgW="317160" imgH="164880" progId="Equation.3">
                   <p:embed/>
                 </p:oleObj>
               </mc:Choice>
@@ -27633,7 +27387,7 @@
           <a:graphicData uri="http://schemas.openxmlformats.org/presentationml/2006/ole">
             <mc:AlternateContent xmlns:mc="http://schemas.openxmlformats.org/markup-compatibility/2006">
               <mc:Choice xmlns:v="urn:schemas-microsoft-com:vml" Requires="v">
-                <p:oleObj spid="_x0000_s50523" name="Формула" r:id="rId5" imgW="1307880" imgH="241200" progId="Equation.3">
+                <p:oleObj spid="_x0000_s50539" name="Формула" r:id="rId5" imgW="1307880" imgH="241200" progId="Equation.3">
                   <p:embed/>
                 </p:oleObj>
               </mc:Choice>
@@ -27703,7 +27457,7 @@
           <a:graphicData uri="http://schemas.openxmlformats.org/presentationml/2006/ole">
             <mc:AlternateContent xmlns:mc="http://schemas.openxmlformats.org/markup-compatibility/2006">
               <mc:Choice xmlns:v="urn:schemas-microsoft-com:vml" Requires="v">
-                <p:oleObj spid="_x0000_s50524" name="Формула" r:id="rId7" imgW="596880" imgH="431640" progId="Equation.3">
+                <p:oleObj spid="_x0000_s50540" name="Формула" r:id="rId7" imgW="596880" imgH="431640" progId="Equation.3">
                   <p:embed/>
                 </p:oleObj>
               </mc:Choice>
@@ -27773,7 +27527,7 @@
           <a:graphicData uri="http://schemas.openxmlformats.org/presentationml/2006/ole">
             <mc:AlternateContent xmlns:mc="http://schemas.openxmlformats.org/markup-compatibility/2006">
               <mc:Choice xmlns:v="urn:schemas-microsoft-com:vml" Requires="v">
-                <p:oleObj spid="_x0000_s50525" name="Формула" r:id="rId9" imgW="1028520" imgH="431640" progId="Equation.3">
+                <p:oleObj spid="_x0000_s50541" name="Формула" r:id="rId9" imgW="1028520" imgH="431640" progId="Equation.3">
                   <p:embed/>
                 </p:oleObj>
               </mc:Choice>
@@ -27843,7 +27597,7 @@
           <a:graphicData uri="http://schemas.openxmlformats.org/presentationml/2006/ole">
             <mc:AlternateContent xmlns:mc="http://schemas.openxmlformats.org/markup-compatibility/2006">
               <mc:Choice xmlns:v="urn:schemas-microsoft-com:vml" Requires="v">
-                <p:oleObj spid="_x0000_s50526" name="Формула" r:id="rId11" imgW="1282680" imgH="228600" progId="Equation.3">
+                <p:oleObj spid="_x0000_s50542" name="Формула" r:id="rId11" imgW="1282680" imgH="228600" progId="Equation.3">
                   <p:embed/>
                 </p:oleObj>
               </mc:Choice>
@@ -27913,7 +27667,7 @@
           <a:graphicData uri="http://schemas.openxmlformats.org/presentationml/2006/ole">
             <mc:AlternateContent xmlns:mc="http://schemas.openxmlformats.org/markup-compatibility/2006">
               <mc:Choice xmlns:v="urn:schemas-microsoft-com:vml" Requires="v">
-                <p:oleObj spid="_x0000_s50527" name="Формула" r:id="rId13" imgW="1130040" imgH="431640" progId="Equation.3">
+                <p:oleObj spid="_x0000_s50543" name="Формула" r:id="rId13" imgW="1130040" imgH="431640" progId="Equation.3">
                   <p:embed/>
                 </p:oleObj>
               </mc:Choice>
@@ -27983,7 +27737,7 @@
           <a:graphicData uri="http://schemas.openxmlformats.org/presentationml/2006/ole">
             <mc:AlternateContent xmlns:mc="http://schemas.openxmlformats.org/markup-compatibility/2006">
               <mc:Choice xmlns:v="urn:schemas-microsoft-com:vml" Requires="v">
-                <p:oleObj spid="_x0000_s50528" name="Формула" r:id="rId15" imgW="1447560" imgH="495000" progId="Equation.3">
+                <p:oleObj spid="_x0000_s50544" name="Формула" r:id="rId15" imgW="1447560" imgH="495000" progId="Equation.3">
                   <p:embed/>
                 </p:oleObj>
               </mc:Choice>
@@ -28053,7 +27807,7 @@
           <a:graphicData uri="http://schemas.openxmlformats.org/presentationml/2006/ole">
             <mc:AlternateContent xmlns:mc="http://schemas.openxmlformats.org/markup-compatibility/2006">
               <mc:Choice xmlns:v="urn:schemas-microsoft-com:vml" Requires="v">
-                <p:oleObj spid="_x0000_s50529" name="Формула" r:id="rId17" imgW="749160" imgH="241200" progId="Equation.3">
+                <p:oleObj spid="_x0000_s50545" name="Формула" r:id="rId17" imgW="749160" imgH="241200" progId="Equation.3">
                   <p:embed/>
                 </p:oleObj>
               </mc:Choice>
@@ -28123,7 +27877,7 @@
           <a:graphicData uri="http://schemas.openxmlformats.org/presentationml/2006/ole">
             <mc:AlternateContent xmlns:mc="http://schemas.openxmlformats.org/markup-compatibility/2006">
               <mc:Choice xmlns:v="urn:schemas-microsoft-com:vml" Requires="v">
-                <p:oleObj spid="_x0000_s50530" name="Формула" r:id="rId19" imgW="1206360" imgH="241200" progId="Equation.3">
+                <p:oleObj spid="_x0000_s50546" name="Формула" r:id="rId19" imgW="1206360" imgH="241200" progId="Equation.3">
                   <p:embed/>
                 </p:oleObj>
               </mc:Choice>
@@ -28193,7 +27947,7 @@
           <a:graphicData uri="http://schemas.openxmlformats.org/presentationml/2006/ole">
             <mc:AlternateContent xmlns:mc="http://schemas.openxmlformats.org/markup-compatibility/2006">
               <mc:Choice xmlns:v="urn:schemas-microsoft-com:vml" Requires="v">
-                <p:oleObj spid="_x0000_s50531" name="Формула" r:id="rId21" imgW="634680" imgH="393480" progId="Equation.3">
+                <p:oleObj spid="_x0000_s50547" name="Формула" r:id="rId21" imgW="634680" imgH="393480" progId="Equation.3">
                   <p:embed/>
                 </p:oleObj>
               </mc:Choice>
@@ -28263,7 +28017,7 @@
           <a:graphicData uri="http://schemas.openxmlformats.org/presentationml/2006/ole">
             <mc:AlternateContent xmlns:mc="http://schemas.openxmlformats.org/markup-compatibility/2006">
               <mc:Choice xmlns:v="urn:schemas-microsoft-com:vml" Requires="v">
-                <p:oleObj spid="_x0000_s50532" name="Уравнение" r:id="rId23" imgW="4356000" imgH="482400" progId="Equation.3">
+                <p:oleObj spid="_x0000_s50548" name="Уравнение" r:id="rId23" imgW="4356000" imgH="482400" progId="Equation.3">
                   <p:embed/>
                 </p:oleObj>
               </mc:Choice>
@@ -28333,7 +28087,7 @@
           <a:graphicData uri="http://schemas.openxmlformats.org/presentationml/2006/ole">
             <mc:AlternateContent xmlns:mc="http://schemas.openxmlformats.org/markup-compatibility/2006">
               <mc:Choice xmlns:v="urn:schemas-microsoft-com:vml" Requires="v">
-                <p:oleObj spid="_x0000_s50533" name="Формула" r:id="rId25" imgW="2946240" imgH="431640" progId="Equation.3">
+                <p:oleObj spid="_x0000_s50549" name="Формула" r:id="rId25" imgW="2946240" imgH="431640" progId="Equation.3">
                   <p:embed/>
                 </p:oleObj>
               </mc:Choice>
@@ -29488,7 +29242,7 @@
           <a:graphicData uri="http://schemas.openxmlformats.org/presentationml/2006/ole">
             <mc:AlternateContent xmlns:mc="http://schemas.openxmlformats.org/markup-compatibility/2006">
               <mc:Choice xmlns:v="urn:schemas-microsoft-com:vml" Requires="v">
-                <p:oleObj spid="_x0000_s50534" name="Picture" r:id="rId27" imgW="5861465" imgH="2543447" progId="Word.Picture.8">
+                <p:oleObj spid="_x0000_s50550" name="Picture" r:id="rId27" imgW="5861465" imgH="2543447" progId="Word.Picture.8">
                   <p:embed/>
                 </p:oleObj>
               </mc:Choice>
@@ -29720,7 +29474,7 @@
           <a:graphicData uri="http://schemas.openxmlformats.org/presentationml/2006/ole">
             <mc:AlternateContent xmlns:mc="http://schemas.openxmlformats.org/markup-compatibility/2006">
               <mc:Choice xmlns:v="urn:schemas-microsoft-com:vml" Requires="v">
-                <p:oleObj spid="_x0000_s50535" name="Уравнение" r:id="rId29" imgW="3593880" imgH="965160" progId="Equation.3">
+                <p:oleObj spid="_x0000_s50551" name="Уравнение" r:id="rId29" imgW="3593880" imgH="965160" progId="Equation.3">
                   <p:embed/>
                 </p:oleObj>
               </mc:Choice>
@@ -29790,7 +29544,7 @@
           <a:graphicData uri="http://schemas.openxmlformats.org/presentationml/2006/ole">
             <mc:AlternateContent xmlns:mc="http://schemas.openxmlformats.org/markup-compatibility/2006">
               <mc:Choice xmlns:v="urn:schemas-microsoft-com:vml" Requires="v">
-                <p:oleObj spid="_x0000_s50536" name="Уравнение" r:id="rId31" imgW="1739880" imgH="241200" progId="Equation.3">
+                <p:oleObj spid="_x0000_s50552" name="Уравнение" r:id="rId31" imgW="1739880" imgH="241200" progId="Equation.3">
                   <p:embed/>
                 </p:oleObj>
               </mc:Choice>
@@ -29860,7 +29614,7 @@
           <a:graphicData uri="http://schemas.openxmlformats.org/presentationml/2006/ole">
             <mc:AlternateContent xmlns:mc="http://schemas.openxmlformats.org/markup-compatibility/2006">
               <mc:Choice xmlns:v="urn:schemas-microsoft-com:vml" Requires="v">
-                <p:oleObj spid="_x0000_s50537" name="Уравнение" r:id="rId33" imgW="1130040" imgH="393480" progId="Equation.3">
+                <p:oleObj spid="_x0000_s50553" name="Уравнение" r:id="rId33" imgW="1130040" imgH="393480" progId="Equation.3">
                   <p:embed/>
                 </p:oleObj>
               </mc:Choice>
@@ -31772,7 +31526,7 @@
           <a:graphicData uri="http://schemas.openxmlformats.org/presentationml/2006/ole">
             <mc:AlternateContent xmlns:mc="http://schemas.openxmlformats.org/markup-compatibility/2006">
               <mc:Choice xmlns:v="urn:schemas-microsoft-com:vml" Requires="v">
-                <p:oleObj spid="_x0000_s51450" name="Формула" r:id="rId3" imgW="545760" imgH="241200" progId="Equation.3">
+                <p:oleObj spid="_x0000_s51460" name="Формула" r:id="rId3" imgW="545760" imgH="241200" progId="Equation.3">
                   <p:embed/>
                 </p:oleObj>
               </mc:Choice>
@@ -32067,7 +31821,7 @@
           <a:graphicData uri="http://schemas.openxmlformats.org/presentationml/2006/ole">
             <mc:AlternateContent xmlns:mc="http://schemas.openxmlformats.org/markup-compatibility/2006">
               <mc:Choice xmlns:v="urn:schemas-microsoft-com:vml" Requires="v">
-                <p:oleObj spid="_x0000_s51451" name="Формула" r:id="rId5" imgW="1485720" imgH="609480" progId="Equation.3">
+                <p:oleObj spid="_x0000_s51461" name="Формула" r:id="rId5" imgW="1485720" imgH="609480" progId="Equation.3">
                   <p:embed/>
                 </p:oleObj>
               </mc:Choice>
@@ -32137,7 +31891,7 @@
           <a:graphicData uri="http://schemas.openxmlformats.org/presentationml/2006/ole">
             <mc:AlternateContent xmlns:mc="http://schemas.openxmlformats.org/markup-compatibility/2006">
               <mc:Choice xmlns:v="urn:schemas-microsoft-com:vml" Requires="v">
-                <p:oleObj spid="_x0000_s51452" name="Документ" r:id="rId7" imgW="5046662" imgH="2540557" progId="Word.Document.12">
+                <p:oleObj spid="_x0000_s51462" name="Документ" r:id="rId7" imgW="5046662" imgH="2540557" progId="Word.Document.12">
                   <p:embed/>
                 </p:oleObj>
               </mc:Choice>
@@ -32261,7 +32015,7 @@
           <a:graphicData uri="http://schemas.openxmlformats.org/presentationml/2006/ole">
             <mc:AlternateContent xmlns:mc="http://schemas.openxmlformats.org/markup-compatibility/2006">
               <mc:Choice xmlns:v="urn:schemas-microsoft-com:vml" Requires="v">
-                <p:oleObj spid="_x0000_s51453" name="Формула" r:id="rId9" imgW="1307880" imgH="482400" progId="Equation.3">
+                <p:oleObj spid="_x0000_s51463" name="Формула" r:id="rId9" imgW="1307880" imgH="482400" progId="Equation.3">
                   <p:embed/>
                 </p:oleObj>
               </mc:Choice>
@@ -32435,7 +32189,7 @@
           <a:graphicData uri="http://schemas.openxmlformats.org/presentationml/2006/ole">
             <mc:AlternateContent xmlns:mc="http://schemas.openxmlformats.org/markup-compatibility/2006">
               <mc:Choice xmlns:v="urn:schemas-microsoft-com:vml" Requires="v">
-                <p:oleObj spid="_x0000_s51454" name="Формула" r:id="rId11" imgW="1726920" imgH="266400" progId="Equation.3">
+                <p:oleObj spid="_x0000_s51464" name="Формула" r:id="rId11" imgW="1726920" imgH="266400" progId="Equation.3">
                   <p:embed/>
                 </p:oleObj>
               </mc:Choice>
@@ -32505,7 +32259,7 @@
           <a:graphicData uri="http://schemas.openxmlformats.org/presentationml/2006/ole">
             <mc:AlternateContent xmlns:mc="http://schemas.openxmlformats.org/markup-compatibility/2006">
               <mc:Choice xmlns:v="urn:schemas-microsoft-com:vml" Requires="v">
-                <p:oleObj spid="_x0000_s51455" name="Формула" r:id="rId13" imgW="2044440" imgH="520560" progId="Equation.3">
+                <p:oleObj spid="_x0000_s51465" name="Формула" r:id="rId13" imgW="2044440" imgH="520560" progId="Equation.3">
                   <p:embed/>
                 </p:oleObj>
               </mc:Choice>
@@ -32575,7 +32329,7 @@
           <a:graphicData uri="http://schemas.openxmlformats.org/presentationml/2006/ole">
             <mc:AlternateContent xmlns:mc="http://schemas.openxmlformats.org/markup-compatibility/2006">
               <mc:Choice xmlns:v="urn:schemas-microsoft-com:vml" Requires="v">
-                <p:oleObj spid="_x0000_s51456" name="Формула" r:id="rId15" imgW="1041120" imgH="444240" progId="Equation.3">
+                <p:oleObj spid="_x0000_s51466" name="Формула" r:id="rId15" imgW="1041120" imgH="444240" progId="Equation.3">
                   <p:embed/>
                 </p:oleObj>
               </mc:Choice>
@@ -32645,7 +32399,7 @@
           <a:graphicData uri="http://schemas.openxmlformats.org/presentationml/2006/ole">
             <mc:AlternateContent xmlns:mc="http://schemas.openxmlformats.org/markup-compatibility/2006">
               <mc:Choice xmlns:v="urn:schemas-microsoft-com:vml" Requires="v">
-                <p:oleObj spid="_x0000_s51457" name="Формула" r:id="rId17" imgW="2501640" imgH="533160" progId="Equation.3">
+                <p:oleObj spid="_x0000_s51467" name="Формула" r:id="rId17" imgW="2501640" imgH="533160" progId="Equation.3">
                   <p:embed/>
                 </p:oleObj>
               </mc:Choice>
@@ -33566,7 +33320,7 @@
           <a:graphicData uri="http://schemas.openxmlformats.org/presentationml/2006/ole">
             <mc:AlternateContent xmlns:mc="http://schemas.openxmlformats.org/markup-compatibility/2006">
               <mc:Choice xmlns:v="urn:schemas-microsoft-com:vml" Requires="v">
-                <p:oleObj spid="_x0000_s51458" name="Формула" r:id="rId19" imgW="698400" imgH="241200" progId="Equation.3">
+                <p:oleObj spid="_x0000_s51468" name="Формула" r:id="rId19" imgW="698400" imgH="241200" progId="Equation.3">
                   <p:embed/>
                 </p:oleObj>
               </mc:Choice>
@@ -33636,7 +33390,7 @@
           <a:graphicData uri="http://schemas.openxmlformats.org/presentationml/2006/ole">
             <mc:AlternateContent xmlns:mc="http://schemas.openxmlformats.org/markup-compatibility/2006">
               <mc:Choice xmlns:v="urn:schemas-microsoft-com:vml" Requires="v">
-                <p:oleObj spid="_x0000_s51459" name="Формула" r:id="rId21" imgW="825480" imgH="330120" progId="Equation.3">
+                <p:oleObj spid="_x0000_s51469" name="Формула" r:id="rId21" imgW="825480" imgH="330120" progId="Equation.3">
                   <p:embed/>
                 </p:oleObj>
               </mc:Choice>
@@ -34732,7 +34486,7 @@
           <a:graphicData uri="http://schemas.openxmlformats.org/presentationml/2006/ole">
             <mc:AlternateContent xmlns:mc="http://schemas.openxmlformats.org/markup-compatibility/2006">
               <mc:Choice xmlns:v="urn:schemas-microsoft-com:vml" Requires="v">
-                <p:oleObj spid="_x0000_s45767" name="Формула" r:id="rId3" imgW="1409400" imgH="215640" progId="Equation.3">
+                <p:oleObj spid="_x0000_s45769" name="Формула" r:id="rId3" imgW="1409400" imgH="215640" progId="Equation.3">
                   <p:embed/>
                 </p:oleObj>
               </mc:Choice>
@@ -34789,7 +34543,7 @@
           <a:graphicData uri="http://schemas.openxmlformats.org/presentationml/2006/ole">
             <mc:AlternateContent xmlns:mc="http://schemas.openxmlformats.org/markup-compatibility/2006">
               <mc:Choice xmlns:v="urn:schemas-microsoft-com:vml" Requires="v">
-                <p:oleObj spid="_x0000_s45768" name="Уравнение" r:id="rId5" imgW="1079280" imgH="241200" progId="Equation.3">
+                <p:oleObj spid="_x0000_s45770" name="Уравнение" r:id="rId5" imgW="1079280" imgH="241200" progId="Equation.3">
                   <p:embed/>
                 </p:oleObj>
               </mc:Choice>
@@ -35313,14 +35067,14 @@
                     <a:gridCol w="2307912">
                       <a:extLst>
                         <a:ext uri="{9D8B030D-6E8A-4147-A177-3AD203B41FA5}">
-                          <a16:colId xmlns:a16="http://schemas.microsoft.com/office/drawing/2014/main" val="20000"/>
+                          <a16:colId xmlns:a16="http://schemas.microsoft.com/office/drawing/2014/main" xmlns="" val="20000"/>
                         </a:ext>
                       </a:extLst>
                     </a:gridCol>
                     <a:gridCol w="1391700">
                       <a:extLst>
                         <a:ext uri="{9D8B030D-6E8A-4147-A177-3AD203B41FA5}">
-                          <a16:colId xmlns:a16="http://schemas.microsoft.com/office/drawing/2014/main" val="20001"/>
+                          <a16:colId xmlns:a16="http://schemas.microsoft.com/office/drawing/2014/main" xmlns="" val="20001"/>
                         </a:ext>
                       </a:extLst>
                     </a:gridCol>
@@ -35370,7 +35124,7 @@
                     </a:tc>
                     <a:extLst>
                       <a:ext uri="{0D108BD9-81ED-4DB2-BD59-A6C34878D82A}">
-                        <a16:rowId xmlns:a16="http://schemas.microsoft.com/office/drawing/2014/main" val="10000"/>
+                        <a16:rowId xmlns:a16="http://schemas.microsoft.com/office/drawing/2014/main" xmlns="" val="10000"/>
                       </a:ext>
                     </a:extLst>
                   </a:tr>
@@ -35445,7 +35199,7 @@
                     </a:tc>
                     <a:extLst>
                       <a:ext uri="{0D108BD9-81ED-4DB2-BD59-A6C34878D82A}">
-                        <a16:rowId xmlns:a16="http://schemas.microsoft.com/office/drawing/2014/main" val="10001"/>
+                        <a16:rowId xmlns:a16="http://schemas.microsoft.com/office/drawing/2014/main" xmlns="" val="10001"/>
                       </a:ext>
                     </a:extLst>
                   </a:tr>
@@ -35530,7 +35284,7 @@
                     </a:tc>
                     <a:extLst>
                       <a:ext uri="{0D108BD9-81ED-4DB2-BD59-A6C34878D82A}">
-                        <a16:rowId xmlns:a16="http://schemas.microsoft.com/office/drawing/2014/main" val="10002"/>
+                        <a16:rowId xmlns:a16="http://schemas.microsoft.com/office/drawing/2014/main" xmlns="" val="10002"/>
                       </a:ext>
                     </a:extLst>
                   </a:tr>
@@ -35631,7 +35385,7 @@
                     </a:tc>
                     <a:extLst>
                       <a:ext uri="{0D108BD9-81ED-4DB2-BD59-A6C34878D82A}">
-                        <a16:rowId xmlns:a16="http://schemas.microsoft.com/office/drawing/2014/main" val="10003"/>
+                        <a16:rowId xmlns:a16="http://schemas.microsoft.com/office/drawing/2014/main" xmlns="" val="10003"/>
                       </a:ext>
                     </a:extLst>
                   </a:tr>
@@ -35689,7 +35443,7 @@
                     </a:tc>
                     <a:extLst>
                       <a:ext uri="{0D108BD9-81ED-4DB2-BD59-A6C34878D82A}">
-                        <a16:rowId xmlns:a16="http://schemas.microsoft.com/office/drawing/2014/main" val="10004"/>
+                        <a16:rowId xmlns:a16="http://schemas.microsoft.com/office/drawing/2014/main" xmlns="" val="10004"/>
                       </a:ext>
                     </a:extLst>
                   </a:tr>
@@ -35803,7 +35557,7 @@
                     </a:tc>
                     <a:extLst>
                       <a:ext uri="{0D108BD9-81ED-4DB2-BD59-A6C34878D82A}">
-                        <a16:rowId xmlns:a16="http://schemas.microsoft.com/office/drawing/2014/main" val="10005"/>
+                        <a16:rowId xmlns:a16="http://schemas.microsoft.com/office/drawing/2014/main" xmlns="" val="10005"/>
                       </a:ext>
                     </a:extLst>
                   </a:tr>
@@ -35859,7 +35613,7 @@
                     </a:tc>
                     <a:extLst>
                       <a:ext uri="{0D108BD9-81ED-4DB2-BD59-A6C34878D82A}">
-                        <a16:rowId xmlns:a16="http://schemas.microsoft.com/office/drawing/2014/main" val="10006"/>
+                        <a16:rowId xmlns:a16="http://schemas.microsoft.com/office/drawing/2014/main" xmlns="" val="10006"/>
                       </a:ext>
                     </a:extLst>
                   </a:tr>
@@ -36942,7 +36696,7 @@
           <a:graphicData uri="http://schemas.openxmlformats.org/presentationml/2006/ole">
             <mc:AlternateContent xmlns:mc="http://schemas.openxmlformats.org/markup-compatibility/2006">
               <mc:Choice xmlns:v="urn:schemas-microsoft-com:vml" Requires="v">
-                <p:oleObj spid="_x0000_s49044" name="Формула" r:id="rId3" imgW="2095200" imgH="228600" progId="Equation.3">
+                <p:oleObj spid="_x0000_s49062" name="Формула" r:id="rId3" imgW="2095200" imgH="228600" progId="Equation.3">
                   <p:embed/>
                 </p:oleObj>
               </mc:Choice>
@@ -37012,7 +36766,7 @@
           <a:graphicData uri="http://schemas.openxmlformats.org/presentationml/2006/ole">
             <mc:AlternateContent xmlns:mc="http://schemas.openxmlformats.org/markup-compatibility/2006">
               <mc:Choice xmlns:v="urn:schemas-microsoft-com:vml" Requires="v">
-                <p:oleObj spid="_x0000_s49045" name="Формула" r:id="rId5" imgW="736560" imgH="228600" progId="Equation.3">
+                <p:oleObj spid="_x0000_s49063" name="Формула" r:id="rId5" imgW="736560" imgH="228600" progId="Equation.3">
                   <p:embed/>
                 </p:oleObj>
               </mc:Choice>
@@ -37519,7 +37273,7 @@
           <a:graphicData uri="http://schemas.openxmlformats.org/presentationml/2006/ole">
             <mc:AlternateContent xmlns:mc="http://schemas.openxmlformats.org/markup-compatibility/2006">
               <mc:Choice xmlns:v="urn:schemas-microsoft-com:vml" Requires="v">
-                <p:oleObj spid="_x0000_s49046" name="Формула" r:id="rId7" imgW="1143000" imgH="228600" progId="Equation.3">
+                <p:oleObj spid="_x0000_s49064" name="Формула" r:id="rId7" imgW="1143000" imgH="228600" progId="Equation.3">
                   <p:embed/>
                 </p:oleObj>
               </mc:Choice>
@@ -37589,7 +37343,7 @@
           <a:graphicData uri="http://schemas.openxmlformats.org/presentationml/2006/ole">
             <mc:AlternateContent xmlns:mc="http://schemas.openxmlformats.org/markup-compatibility/2006">
               <mc:Choice xmlns:v="urn:schemas-microsoft-com:vml" Requires="v">
-                <p:oleObj spid="_x0000_s49047" name="Формула" r:id="rId9" imgW="812520" imgH="228600" progId="Equation.3">
+                <p:oleObj spid="_x0000_s49065" name="Формула" r:id="rId9" imgW="812520" imgH="228600" progId="Equation.3">
                   <p:embed/>
                 </p:oleObj>
               </mc:Choice>
@@ -37659,7 +37413,7 @@
           <a:graphicData uri="http://schemas.openxmlformats.org/presentationml/2006/ole">
             <mc:AlternateContent xmlns:mc="http://schemas.openxmlformats.org/markup-compatibility/2006">
               <mc:Choice xmlns:v="urn:schemas-microsoft-com:vml" Requires="v">
-                <p:oleObj spid="_x0000_s49048" name="Формула" r:id="rId11" imgW="253800" imgH="228600" progId="Equation.3">
+                <p:oleObj spid="_x0000_s49066" name="Формула" r:id="rId11" imgW="253800" imgH="228600" progId="Equation.3">
                   <p:embed/>
                 </p:oleObj>
               </mc:Choice>
@@ -37782,7 +37536,7 @@
           <a:graphicData uri="http://schemas.openxmlformats.org/presentationml/2006/ole">
             <mc:AlternateContent xmlns:mc="http://schemas.openxmlformats.org/markup-compatibility/2006">
               <mc:Choice xmlns:v="urn:schemas-microsoft-com:vml" Requires="v">
-                <p:oleObj spid="_x0000_s49049" name="Формула" r:id="rId13" imgW="241200" imgH="228600" progId="Equation.3">
+                <p:oleObj spid="_x0000_s49067" name="Формула" r:id="rId13" imgW="241200" imgH="228600" progId="Equation.3">
                   <p:embed/>
                 </p:oleObj>
               </mc:Choice>
@@ -37852,7 +37606,7 @@
           <a:graphicData uri="http://schemas.openxmlformats.org/presentationml/2006/ole">
             <mc:AlternateContent xmlns:mc="http://schemas.openxmlformats.org/markup-compatibility/2006">
               <mc:Choice xmlns:v="urn:schemas-microsoft-com:vml" Requires="v">
-                <p:oleObj spid="_x0000_s49050" name="Формула" r:id="rId15" imgW="1447560" imgH="482400" progId="Equation.3">
+                <p:oleObj spid="_x0000_s49068" name="Формула" r:id="rId15" imgW="1447560" imgH="482400" progId="Equation.3">
                   <p:embed/>
                 </p:oleObj>
               </mc:Choice>
@@ -38078,7 +37832,7 @@
           <a:graphicData uri="http://schemas.openxmlformats.org/presentationml/2006/ole">
             <mc:AlternateContent xmlns:mc="http://schemas.openxmlformats.org/markup-compatibility/2006">
               <mc:Choice xmlns:v="urn:schemas-microsoft-com:vml" Requires="v">
-                <p:oleObj spid="_x0000_s49051" name="Уравнение" r:id="rId17" imgW="1422360" imgH="241200" progId="Equation.3">
+                <p:oleObj spid="_x0000_s49069" name="Уравнение" r:id="rId17" imgW="1422360" imgH="241200" progId="Equation.3">
                   <p:embed/>
                 </p:oleObj>
               </mc:Choice>
@@ -38148,7 +37902,7 @@
           <a:graphicData uri="http://schemas.openxmlformats.org/presentationml/2006/ole">
             <mc:AlternateContent xmlns:mc="http://schemas.openxmlformats.org/markup-compatibility/2006">
               <mc:Choice xmlns:v="urn:schemas-microsoft-com:vml" Requires="v">
-                <p:oleObj spid="_x0000_s49052" name="Формула" r:id="rId19" imgW="1168200" imgH="266400" progId="Equation.3">
+                <p:oleObj spid="_x0000_s49070" name="Формула" r:id="rId19" imgW="1168200" imgH="266400" progId="Equation.3">
                   <p:embed/>
                 </p:oleObj>
               </mc:Choice>
@@ -38218,7 +37972,7 @@
           <a:graphicData uri="http://schemas.openxmlformats.org/presentationml/2006/ole">
             <mc:AlternateContent xmlns:mc="http://schemas.openxmlformats.org/markup-compatibility/2006">
               <mc:Choice xmlns:v="urn:schemas-microsoft-com:vml" Requires="v">
-                <p:oleObj spid="_x0000_s49053" name="Уравнение" r:id="rId21" imgW="330120" imgH="241200" progId="Equation.3">
+                <p:oleObj spid="_x0000_s49071" name="Уравнение" r:id="rId21" imgW="330120" imgH="241200" progId="Equation.3">
                   <p:embed/>
                 </p:oleObj>
               </mc:Choice>
@@ -38288,7 +38042,7 @@
           <a:graphicData uri="http://schemas.openxmlformats.org/presentationml/2006/ole">
             <mc:AlternateContent xmlns:mc="http://schemas.openxmlformats.org/markup-compatibility/2006">
               <mc:Choice xmlns:v="urn:schemas-microsoft-com:vml" Requires="v">
-                <p:oleObj spid="_x0000_s49054" name="Формула" r:id="rId23" imgW="850680" imgH="241200" progId="Equation.3">
+                <p:oleObj spid="_x0000_s49072" name="Формула" r:id="rId23" imgW="850680" imgH="241200" progId="Equation.3">
                   <p:embed/>
                 </p:oleObj>
               </mc:Choice>
@@ -38506,7 +38260,7 @@
           <a:graphicData uri="http://schemas.openxmlformats.org/presentationml/2006/ole">
             <mc:AlternateContent xmlns:mc="http://schemas.openxmlformats.org/markup-compatibility/2006">
               <mc:Choice xmlns:v="urn:schemas-microsoft-com:vml" Requires="v">
-                <p:oleObj spid="_x0000_s49055" name="Формула" r:id="rId25" imgW="3454200" imgH="253800" progId="Equation.3">
+                <p:oleObj spid="_x0000_s49073" name="Формула" r:id="rId25" imgW="3454200" imgH="253800" progId="Equation.3">
                   <p:embed/>
                 </p:oleObj>
               </mc:Choice>
@@ -38779,7 +38533,7 @@
           <a:graphicData uri="http://schemas.openxmlformats.org/presentationml/2006/ole">
             <mc:AlternateContent xmlns:mc="http://schemas.openxmlformats.org/markup-compatibility/2006">
               <mc:Choice xmlns:v="urn:schemas-microsoft-com:vml" Requires="v">
-                <p:oleObj spid="_x0000_s49056" name="Уравнение" r:id="rId28" imgW="1307880" imgH="431640" progId="Equation.3">
+                <p:oleObj spid="_x0000_s49074" name="Уравнение" r:id="rId28" imgW="1307880" imgH="431640" progId="Equation.3">
                   <p:embed/>
                 </p:oleObj>
               </mc:Choice>
@@ -38897,7 +38651,7 @@
           <a:graphicData uri="http://schemas.openxmlformats.org/presentationml/2006/ole">
             <mc:AlternateContent xmlns:mc="http://schemas.openxmlformats.org/markup-compatibility/2006">
               <mc:Choice xmlns:v="urn:schemas-microsoft-com:vml" Requires="v">
-                <p:oleObj spid="_x0000_s49057" name="Формула" r:id="rId30" imgW="1955520" imgH="393480" progId="Equation.3">
+                <p:oleObj spid="_x0000_s49075" name="Формула" r:id="rId30" imgW="1955520" imgH="393480" progId="Equation.3">
                   <p:embed/>
                 </p:oleObj>
               </mc:Choice>
@@ -38967,7 +38721,7 @@
           <a:graphicData uri="http://schemas.openxmlformats.org/presentationml/2006/ole">
             <mc:AlternateContent xmlns:mc="http://schemas.openxmlformats.org/markup-compatibility/2006">
               <mc:Choice xmlns:v="urn:schemas-microsoft-com:vml" Requires="v">
-                <p:oleObj spid="_x0000_s49058" name="Формула" r:id="rId32" imgW="2844720" imgH="393480" progId="Equation.3">
+                <p:oleObj spid="_x0000_s49076" name="Формула" r:id="rId32" imgW="2844720" imgH="393480" progId="Equation.3">
                   <p:embed/>
                 </p:oleObj>
               </mc:Choice>
@@ -39037,7 +38791,7 @@
           <a:graphicData uri="http://schemas.openxmlformats.org/presentationml/2006/ole">
             <mc:AlternateContent xmlns:mc="http://schemas.openxmlformats.org/markup-compatibility/2006">
               <mc:Choice xmlns:v="urn:schemas-microsoft-com:vml" Requires="v">
-                <p:oleObj spid="_x0000_s49059" name="Уравнение" r:id="rId34" imgW="1460160" imgH="393480" progId="Equation.3">
+                <p:oleObj spid="_x0000_s49077" name="Уравнение" r:id="rId34" imgW="1460160" imgH="393480" progId="Equation.3">
                   <p:embed/>
                 </p:oleObj>
               </mc:Choice>
@@ -39107,7 +38861,7 @@
           <a:graphicData uri="http://schemas.openxmlformats.org/presentationml/2006/ole">
             <mc:AlternateContent xmlns:mc="http://schemas.openxmlformats.org/markup-compatibility/2006">
               <mc:Choice xmlns:v="urn:schemas-microsoft-com:vml" Requires="v">
-                <p:oleObj spid="_x0000_s49060" name="Формула" r:id="rId36" imgW="1346040" imgH="393480" progId="Equation.3">
+                <p:oleObj spid="_x0000_s49078" name="Формула" r:id="rId36" imgW="1346040" imgH="393480" progId="Equation.3">
                   <p:embed/>
                 </p:oleObj>
               </mc:Choice>
@@ -39177,7 +38931,7 @@
           <a:graphicData uri="http://schemas.openxmlformats.org/presentationml/2006/ole">
             <mc:AlternateContent xmlns:mc="http://schemas.openxmlformats.org/markup-compatibility/2006">
               <mc:Choice xmlns:v="urn:schemas-microsoft-com:vml" Requires="v">
-                <p:oleObj spid="_x0000_s49061" name="Формула" r:id="rId38" imgW="647640" imgH="228600" progId="Equation.3">
+                <p:oleObj spid="_x0000_s49079" name="Формула" r:id="rId38" imgW="647640" imgH="228600" progId="Equation.3">
                   <p:embed/>
                 </p:oleObj>
               </mc:Choice>
@@ -40117,7 +39871,7 @@
           <a:graphicData uri="http://schemas.openxmlformats.org/presentationml/2006/ole">
             <mc:AlternateContent xmlns:mc="http://schemas.openxmlformats.org/markup-compatibility/2006">
               <mc:Choice xmlns:v="urn:schemas-microsoft-com:vml" Requires="v">
-                <p:oleObj spid="_x0000_s49657" name="Формула" r:id="rId3" imgW="1422360" imgH="393480" progId="Equation.3">
+                <p:oleObj spid="_x0000_s49672" name="Формула" r:id="rId3" imgW="1422360" imgH="393480" progId="Equation.3">
                   <p:embed/>
                 </p:oleObj>
               </mc:Choice>
@@ -40187,7 +39941,7 @@
           <a:graphicData uri="http://schemas.openxmlformats.org/presentationml/2006/ole">
             <mc:AlternateContent xmlns:mc="http://schemas.openxmlformats.org/markup-compatibility/2006">
               <mc:Choice xmlns:v="urn:schemas-microsoft-com:vml" Requires="v">
-                <p:oleObj spid="_x0000_s49658" name="Формула" r:id="rId5" imgW="1015920" imgH="393480" progId="Equation.3">
+                <p:oleObj spid="_x0000_s49673" name="Формула" r:id="rId5" imgW="1015920" imgH="393480" progId="Equation.3">
                   <p:embed/>
                 </p:oleObj>
               </mc:Choice>
@@ -40257,7 +40011,7 @@
           <a:graphicData uri="http://schemas.openxmlformats.org/presentationml/2006/ole">
             <mc:AlternateContent xmlns:mc="http://schemas.openxmlformats.org/markup-compatibility/2006">
               <mc:Choice xmlns:v="urn:schemas-microsoft-com:vml" Requires="v">
-                <p:oleObj spid="_x0000_s49659" name="Формула" r:id="rId7" imgW="1384200" imgH="393480" progId="Equation.3">
+                <p:oleObj spid="_x0000_s49674" name="Формула" r:id="rId7" imgW="1384200" imgH="393480" progId="Equation.3">
                   <p:embed/>
                 </p:oleObj>
               </mc:Choice>
@@ -40390,7 +40144,7 @@
           <a:graphicData uri="http://schemas.openxmlformats.org/presentationml/2006/ole">
             <mc:AlternateContent xmlns:mc="http://schemas.openxmlformats.org/markup-compatibility/2006">
               <mc:Choice xmlns:v="urn:schemas-microsoft-com:vml" Requires="v">
-                <p:oleObj spid="_x0000_s49660" name="Формула" r:id="rId9" imgW="1866600" imgH="469800" progId="Equation.3">
+                <p:oleObj spid="_x0000_s49675" name="Формула" r:id="rId9" imgW="1866600" imgH="469800" progId="Equation.3">
                   <p:embed/>
                 </p:oleObj>
               </mc:Choice>
@@ -40515,7 +40269,7 @@
           <a:graphicData uri="http://schemas.openxmlformats.org/presentationml/2006/ole">
             <mc:AlternateContent xmlns:mc="http://schemas.openxmlformats.org/markup-compatibility/2006">
               <mc:Choice xmlns:v="urn:schemas-microsoft-com:vml" Requires="v">
-                <p:oleObj spid="_x0000_s49661" name="Формула" r:id="rId11" imgW="1574640" imgH="457200" progId="Equation.3">
+                <p:oleObj spid="_x0000_s49676" name="Формула" r:id="rId11" imgW="1574640" imgH="457200" progId="Equation.3">
                   <p:embed/>
                 </p:oleObj>
               </mc:Choice>
@@ -40648,7 +40402,7 @@
           <a:graphicData uri="http://schemas.openxmlformats.org/presentationml/2006/ole">
             <mc:AlternateContent xmlns:mc="http://schemas.openxmlformats.org/markup-compatibility/2006">
               <mc:Choice xmlns:v="urn:schemas-microsoft-com:vml" Requires="v">
-                <p:oleObj spid="_x0000_s49662" name="Формула" r:id="rId13" imgW="1282680" imgH="495000" progId="Equation.3">
+                <p:oleObj spid="_x0000_s49677" name="Формула" r:id="rId13" imgW="1282680" imgH="495000" progId="Equation.3">
                   <p:embed/>
                 </p:oleObj>
               </mc:Choice>
@@ -40718,7 +40472,7 @@
           <a:graphicData uri="http://schemas.openxmlformats.org/presentationml/2006/ole">
             <mc:AlternateContent xmlns:mc="http://schemas.openxmlformats.org/markup-compatibility/2006">
               <mc:Choice xmlns:v="urn:schemas-microsoft-com:vml" Requires="v">
-                <p:oleObj spid="_x0000_s49663" name="Формула" r:id="rId15" imgW="1485720" imgH="457200" progId="Equation.3">
+                <p:oleObj spid="_x0000_s49678" name="Формула" r:id="rId15" imgW="1485720" imgH="457200" progId="Equation.3">
                   <p:embed/>
                 </p:oleObj>
               </mc:Choice>
@@ -41668,7 +41422,7 @@
           <a:graphicData uri="http://schemas.openxmlformats.org/presentationml/2006/ole">
             <mc:AlternateContent xmlns:mc="http://schemas.openxmlformats.org/markup-compatibility/2006">
               <mc:Choice xmlns:v="urn:schemas-microsoft-com:vml" Requires="v">
-                <p:oleObj spid="_x0000_s49664" name="Формула" r:id="rId17" imgW="863280" imgH="266400" progId="Equation.3">
+                <p:oleObj spid="_x0000_s49679" name="Формула" r:id="rId17" imgW="863280" imgH="266400" progId="Equation.3">
                   <p:embed/>
                 </p:oleObj>
               </mc:Choice>
@@ -41944,7 +41698,7 @@
           <a:graphicData uri="http://schemas.openxmlformats.org/presentationml/2006/ole">
             <mc:AlternateContent xmlns:mc="http://schemas.openxmlformats.org/markup-compatibility/2006">
               <mc:Choice xmlns:v="urn:schemas-microsoft-com:vml" Requires="v">
-                <p:oleObj spid="_x0000_s49665" name="Документ" r:id="rId19" imgW="4500076" imgH="2437089" progId="Word.Document.12">
+                <p:oleObj spid="_x0000_s49680" name="Документ" r:id="rId19" imgW="4500076" imgH="2437089" progId="Word.Document.12">
                   <p:embed/>
                 </p:oleObj>
               </mc:Choice>
@@ -42060,7 +41814,7 @@
           <a:graphicData uri="http://schemas.openxmlformats.org/presentationml/2006/ole">
             <mc:AlternateContent xmlns:mc="http://schemas.openxmlformats.org/markup-compatibility/2006">
               <mc:Choice xmlns:v="urn:schemas-microsoft-com:vml" Requires="v">
-                <p:oleObj spid="_x0000_s49666" name="Уравнение" r:id="rId21" imgW="1879560" imgH="228600" progId="Equation.3">
+                <p:oleObj spid="_x0000_s49681" name="Уравнение" r:id="rId21" imgW="1879560" imgH="228600" progId="Equation.3">
                   <p:embed/>
                 </p:oleObj>
               </mc:Choice>
@@ -42130,7 +41884,7 @@
           <a:graphicData uri="http://schemas.openxmlformats.org/presentationml/2006/ole">
             <mc:AlternateContent xmlns:mc="http://schemas.openxmlformats.org/markup-compatibility/2006">
               <mc:Choice xmlns:v="urn:schemas-microsoft-com:vml" Requires="v">
-                <p:oleObj spid="_x0000_s49667" name="Формула" r:id="rId23" imgW="2019240" imgH="228600" progId="Equation.3">
+                <p:oleObj spid="_x0000_s49682" name="Формула" r:id="rId23" imgW="2019240" imgH="228600" progId="Equation.3">
                   <p:embed/>
                 </p:oleObj>
               </mc:Choice>
@@ -42200,7 +41954,7 @@
           <a:graphicData uri="http://schemas.openxmlformats.org/presentationml/2006/ole">
             <mc:AlternateContent xmlns:mc="http://schemas.openxmlformats.org/markup-compatibility/2006">
               <mc:Choice xmlns:v="urn:schemas-microsoft-com:vml" Requires="v">
-                <p:oleObj spid="_x0000_s49668" name="Формула" r:id="rId25" imgW="812520" imgH="393480" progId="Equation.3">
+                <p:oleObj spid="_x0000_s49683" name="Формула" r:id="rId25" imgW="812520" imgH="393480" progId="Equation.3">
                   <p:embed/>
                 </p:oleObj>
               </mc:Choice>
@@ -42419,7 +42173,7 @@
           <a:graphicData uri="http://schemas.openxmlformats.org/presentationml/2006/ole">
             <mc:AlternateContent xmlns:mc="http://schemas.openxmlformats.org/markup-compatibility/2006">
               <mc:Choice xmlns:v="urn:schemas-microsoft-com:vml" Requires="v">
-                <p:oleObj spid="_x0000_s49669" name="Уравнение" r:id="rId27" imgW="685800" imgH="431640" progId="Equation.3">
+                <p:oleObj spid="_x0000_s49684" name="Уравнение" r:id="rId27" imgW="685800" imgH="431640" progId="Equation.3">
                   <p:embed/>
                 </p:oleObj>
               </mc:Choice>
@@ -42624,7 +42378,7 @@
           <a:graphicData uri="http://schemas.openxmlformats.org/presentationml/2006/ole">
             <mc:AlternateContent xmlns:mc="http://schemas.openxmlformats.org/markup-compatibility/2006">
               <mc:Choice xmlns:v="urn:schemas-microsoft-com:vml" Requires="v">
-                <p:oleObj spid="_x0000_s49670" name="Уравнение" r:id="rId29" imgW="164880" imgH="228600" progId="Equation.3">
+                <p:oleObj spid="_x0000_s49685" name="Уравнение" r:id="rId29" imgW="164880" imgH="228600" progId="Equation.3">
                   <p:embed/>
                 </p:oleObj>
               </mc:Choice>
@@ -42808,7 +42562,7 @@
           <a:graphicData uri="http://schemas.openxmlformats.org/presentationml/2006/ole">
             <mc:AlternateContent xmlns:mc="http://schemas.openxmlformats.org/markup-compatibility/2006">
               <mc:Choice xmlns:v="urn:schemas-microsoft-com:vml" Requires="v">
-                <p:oleObj spid="_x0000_s49671" name="Формула" r:id="rId31" imgW="393480" imgH="228600" progId="Equation.3">
+                <p:oleObj spid="_x0000_s49686" name="Формула" r:id="rId31" imgW="393480" imgH="228600" progId="Equation.3">
                   <p:embed/>
                 </p:oleObj>
               </mc:Choice>

--- a/Диссертация/Мансуров Презентация.pptx
+++ b/Диссертация/Мансуров Презентация.pptx
@@ -234,7 +234,7 @@
             <a:fld id="{8A2956D5-2046-4B16-B158-28749009537F}" type="datetimeFigureOut">
               <a:rPr lang="ru-RU" smtClean="0"/>
               <a:pPr/>
-              <a:t>31.05.2023</a:t>
+              <a:t>07.06.2023</a:t>
             </a:fld>
             <a:endParaRPr lang="ru-RU"/>
           </a:p>
@@ -635,7 +635,7 @@
             <a:fld id="{668F77C6-B837-4C28-B069-E60D1A7F8F4C}" type="datetime1">
               <a:rPr lang="ru-RU" smtClean="0"/>
               <a:pPr/>
-              <a:t>31.05.2023</a:t>
+              <a:t>07.06.2023</a:t>
             </a:fld>
             <a:endParaRPr lang="ru-RU"/>
           </a:p>
@@ -807,7 +807,7 @@
             <a:fld id="{E15233C2-C826-421D-8751-732F81C941BB}" type="datetime1">
               <a:rPr lang="ru-RU" smtClean="0"/>
               <a:pPr/>
-              <a:t>31.05.2023</a:t>
+              <a:t>07.06.2023</a:t>
             </a:fld>
             <a:endParaRPr lang="ru-RU"/>
           </a:p>
@@ -989,7 +989,7 @@
             <a:fld id="{F047989F-906F-40DE-BA90-D14E94A416BA}" type="datetime1">
               <a:rPr lang="ru-RU" smtClean="0"/>
               <a:pPr/>
-              <a:t>31.05.2023</a:t>
+              <a:t>07.06.2023</a:t>
             </a:fld>
             <a:endParaRPr lang="ru-RU"/>
           </a:p>
@@ -1161,7 +1161,7 @@
             <a:fld id="{D56CFF60-0E50-453A-81B9-424AB7DE66CD}" type="datetime1">
               <a:rPr lang="ru-RU" smtClean="0"/>
               <a:pPr/>
-              <a:t>31.05.2023</a:t>
+              <a:t>07.06.2023</a:t>
             </a:fld>
             <a:endParaRPr lang="ru-RU"/>
           </a:p>
@@ -1413,7 +1413,7 @@
             <a:fld id="{1EADCEAB-127F-4906-8280-7B6697A13E33}" type="datetime1">
               <a:rPr lang="ru-RU" smtClean="0"/>
               <a:pPr/>
-              <a:t>31.05.2023</a:t>
+              <a:t>07.06.2023</a:t>
             </a:fld>
             <a:endParaRPr lang="ru-RU"/>
           </a:p>
@@ -1647,7 +1647,7 @@
             <a:fld id="{772B70F3-DD83-40E6-8787-116CC1402285}" type="datetime1">
               <a:rPr lang="ru-RU" smtClean="0"/>
               <a:pPr/>
-              <a:t>31.05.2023</a:t>
+              <a:t>07.06.2023</a:t>
             </a:fld>
             <a:endParaRPr lang="ru-RU"/>
           </a:p>
@@ -2016,7 +2016,7 @@
             <a:fld id="{EFBC4BE1-28D4-4D8B-A423-5A2E1BA6934C}" type="datetime1">
               <a:rPr lang="ru-RU" smtClean="0"/>
               <a:pPr/>
-              <a:t>31.05.2023</a:t>
+              <a:t>07.06.2023</a:t>
             </a:fld>
             <a:endParaRPr lang="ru-RU"/>
           </a:p>
@@ -2136,7 +2136,7 @@
             <a:fld id="{6B7A375C-D316-441C-BBA4-36702FCEB310}" type="datetime1">
               <a:rPr lang="ru-RU" smtClean="0"/>
               <a:pPr/>
-              <a:t>31.05.2023</a:t>
+              <a:t>07.06.2023</a:t>
             </a:fld>
             <a:endParaRPr lang="ru-RU"/>
           </a:p>
@@ -2233,7 +2233,7 @@
             <a:fld id="{3EE6ABA4-7B05-4C08-9A73-CF8D6885218A}" type="datetime1">
               <a:rPr lang="ru-RU" smtClean="0"/>
               <a:pPr/>
-              <a:t>31.05.2023</a:t>
+              <a:t>07.06.2023</a:t>
             </a:fld>
             <a:endParaRPr lang="ru-RU"/>
           </a:p>
@@ -2512,7 +2512,7 @@
             <a:fld id="{F7A499FF-A70C-4AC7-8F4A-A5151C1A7370}" type="datetime1">
               <a:rPr lang="ru-RU" smtClean="0"/>
               <a:pPr/>
-              <a:t>31.05.2023</a:t>
+              <a:t>07.06.2023</a:t>
             </a:fld>
             <a:endParaRPr lang="ru-RU"/>
           </a:p>
@@ -2767,7 +2767,7 @@
             <a:fld id="{52FB4F09-8D8A-4907-99B4-463641EA0A07}" type="datetime1">
               <a:rPr lang="ru-RU" smtClean="0"/>
               <a:pPr/>
-              <a:t>31.05.2023</a:t>
+              <a:t>07.06.2023</a:t>
             </a:fld>
             <a:endParaRPr lang="ru-RU"/>
           </a:p>
@@ -2982,7 +2982,7 @@
             <a:fld id="{96489DF9-334F-4539-8237-D412EE1173F0}" type="datetime1">
               <a:rPr lang="ru-RU" smtClean="0"/>
               <a:pPr/>
-              <a:t>31.05.2023</a:t>
+              <a:t>07.06.2023</a:t>
             </a:fld>
             <a:endParaRPr lang="ru-RU"/>
           </a:p>
@@ -3634,7 +3634,7 @@
           <p:cNvPr id="4" name="Подзаголовок 6">
             <a:extLst>
               <a:ext uri="{FF2B5EF4-FFF2-40B4-BE49-F238E27FC236}">
-                <a16:creationId xmlns:a16="http://schemas.microsoft.com/office/drawing/2014/main" xmlns="" id="{6F08C3E7-B433-41C9-883D-917A98689EE1}"/>
+                <a16:creationId xmlns="" xmlns:a16="http://schemas.microsoft.com/office/drawing/2014/main" id="{6F08C3E7-B433-41C9-883D-917A98689EE1}"/>
               </a:ext>
             </a:extLst>
           </p:cNvPr>
@@ -3734,7 +3734,7 @@
           <p:cNvPr id="5" name="Подзаголовок 6">
             <a:extLst>
               <a:ext uri="{FF2B5EF4-FFF2-40B4-BE49-F238E27FC236}">
-                <a16:creationId xmlns:a16="http://schemas.microsoft.com/office/drawing/2014/main" xmlns="" id="{6F08C3E7-B433-41C9-883D-917A98689EE1}"/>
+                <a16:creationId xmlns="" xmlns:a16="http://schemas.microsoft.com/office/drawing/2014/main" id="{6F08C3E7-B433-41C9-883D-917A98689EE1}"/>
               </a:ext>
             </a:extLst>
           </p:cNvPr>
@@ -5445,7 +5445,7 @@
           <a:graphicData uri="http://schemas.openxmlformats.org/presentationml/2006/ole">
             <mc:AlternateContent xmlns:mc="http://schemas.openxmlformats.org/markup-compatibility/2006">
               <mc:Choice xmlns:v="urn:schemas-microsoft-com:vml" Requires="v">
-                <p:oleObj spid="_x0000_s46890" name="Формула" r:id="rId4" imgW="1688760" imgH="228600" progId="Equation.3">
+                <p:oleObj spid="_x0000_s46905" name="Формула" r:id="rId4" imgW="1688760" imgH="228600" progId="Equation.3">
                   <p:embed/>
                 </p:oleObj>
               </mc:Choice>
@@ -5638,28 +5638,28 @@
                 <a:gridCol w="957353">
                   <a:extLst>
                     <a:ext uri="{9D8B030D-6E8A-4147-A177-3AD203B41FA5}">
-                      <a16:colId xmlns:a16="http://schemas.microsoft.com/office/drawing/2014/main" xmlns="" val="1044631594"/>
+                      <a16:colId xmlns="" xmlns:a16="http://schemas.microsoft.com/office/drawing/2014/main" val="1044631594"/>
                     </a:ext>
                   </a:extLst>
                 </a:gridCol>
                 <a:gridCol w="957353">
                   <a:extLst>
                     <a:ext uri="{9D8B030D-6E8A-4147-A177-3AD203B41FA5}">
-                      <a16:colId xmlns:a16="http://schemas.microsoft.com/office/drawing/2014/main" xmlns="" val="2558395021"/>
+                      <a16:colId xmlns="" xmlns:a16="http://schemas.microsoft.com/office/drawing/2014/main" val="2558395021"/>
                     </a:ext>
                   </a:extLst>
                 </a:gridCol>
                 <a:gridCol w="957353">
                   <a:extLst>
                     <a:ext uri="{9D8B030D-6E8A-4147-A177-3AD203B41FA5}">
-                      <a16:colId xmlns:a16="http://schemas.microsoft.com/office/drawing/2014/main" xmlns="" val="2212677439"/>
+                      <a16:colId xmlns="" xmlns:a16="http://schemas.microsoft.com/office/drawing/2014/main" val="2212677439"/>
                     </a:ext>
                   </a:extLst>
                 </a:gridCol>
                 <a:gridCol w="957353">
                   <a:extLst>
                     <a:ext uri="{9D8B030D-6E8A-4147-A177-3AD203B41FA5}">
-                      <a16:colId xmlns:a16="http://schemas.microsoft.com/office/drawing/2014/main" xmlns="" val="851063209"/>
+                      <a16:colId xmlns="" xmlns:a16="http://schemas.microsoft.com/office/drawing/2014/main" val="851063209"/>
                     </a:ext>
                   </a:extLst>
                 </a:gridCol>
@@ -5723,7 +5723,7 @@
                 </a:tc>
                 <a:extLst>
                   <a:ext uri="{0D108BD9-81ED-4DB2-BD59-A6C34878D82A}">
-                    <a16:rowId xmlns:a16="http://schemas.microsoft.com/office/drawing/2014/main" xmlns="" val="1185514864"/>
+                    <a16:rowId xmlns="" xmlns:a16="http://schemas.microsoft.com/office/drawing/2014/main" val="1185514864"/>
                   </a:ext>
                 </a:extLst>
               </a:tr>
@@ -5876,7 +5876,7 @@
                 </a:tc>
                 <a:extLst>
                   <a:ext uri="{0D108BD9-81ED-4DB2-BD59-A6C34878D82A}">
-                    <a16:rowId xmlns:a16="http://schemas.microsoft.com/office/drawing/2014/main" xmlns="" val="10001"/>
+                    <a16:rowId xmlns="" xmlns:a16="http://schemas.microsoft.com/office/drawing/2014/main" val="10001"/>
                   </a:ext>
                 </a:extLst>
               </a:tr>
@@ -6166,7 +6166,7 @@
                 </a:tc>
                 <a:extLst>
                   <a:ext uri="{0D108BD9-81ED-4DB2-BD59-A6C34878D82A}">
-                    <a16:rowId xmlns:a16="http://schemas.microsoft.com/office/drawing/2014/main" xmlns="" val="627226478"/>
+                    <a16:rowId xmlns="" xmlns:a16="http://schemas.microsoft.com/office/drawing/2014/main" val="627226478"/>
                   </a:ext>
                 </a:extLst>
               </a:tr>
@@ -6336,7 +6336,7 @@
                 </a:tc>
                 <a:extLst>
                   <a:ext uri="{0D108BD9-81ED-4DB2-BD59-A6C34878D82A}">
-                    <a16:rowId xmlns:a16="http://schemas.microsoft.com/office/drawing/2014/main" xmlns="" val="10003"/>
+                    <a16:rowId xmlns="" xmlns:a16="http://schemas.microsoft.com/office/drawing/2014/main" val="10003"/>
                   </a:ext>
                 </a:extLst>
               </a:tr>
@@ -6366,7 +6366,7 @@
           <a:graphicData uri="http://schemas.openxmlformats.org/presentationml/2006/ole">
             <mc:AlternateContent xmlns:mc="http://schemas.openxmlformats.org/markup-compatibility/2006">
               <mc:Choice xmlns:v="urn:schemas-microsoft-com:vml" Requires="v">
-                <p:oleObj spid="_x0000_s46891" name="Уравнение" r:id="rId6" imgW="406080" imgH="190440" progId="Equation.3">
+                <p:oleObj spid="_x0000_s46906" name="Уравнение" r:id="rId6" imgW="406080" imgH="190440" progId="Equation.3">
                   <p:embed/>
                 </p:oleObj>
               </mc:Choice>
@@ -6436,7 +6436,7 @@
           <a:graphicData uri="http://schemas.openxmlformats.org/presentationml/2006/ole">
             <mc:AlternateContent xmlns:mc="http://schemas.openxmlformats.org/markup-compatibility/2006">
               <mc:Choice xmlns:v="urn:schemas-microsoft-com:vml" Requires="v">
-                <p:oleObj spid="_x0000_s46892" name="Уравнение" r:id="rId8" imgW="419040" imgH="215640" progId="Equation.3">
+                <p:oleObj spid="_x0000_s46907" name="Уравнение" r:id="rId8" imgW="419040" imgH="215640" progId="Equation.3">
                   <p:embed/>
                 </p:oleObj>
               </mc:Choice>
@@ -6506,7 +6506,7 @@
           <a:graphicData uri="http://schemas.openxmlformats.org/presentationml/2006/ole">
             <mc:AlternateContent xmlns:mc="http://schemas.openxmlformats.org/markup-compatibility/2006">
               <mc:Choice xmlns:v="urn:schemas-microsoft-com:vml" Requires="v">
-                <p:oleObj spid="_x0000_s46893" name="Формула" r:id="rId10" imgW="419040" imgH="215640" progId="Equation.3">
+                <p:oleObj spid="_x0000_s46908" name="Формула" r:id="rId10" imgW="419040" imgH="215640" progId="Equation.3">
                   <p:embed/>
                 </p:oleObj>
               </mc:Choice>
@@ -6576,7 +6576,7 @@
           <a:graphicData uri="http://schemas.openxmlformats.org/presentationml/2006/ole">
             <mc:AlternateContent xmlns:mc="http://schemas.openxmlformats.org/markup-compatibility/2006">
               <mc:Choice xmlns:v="urn:schemas-microsoft-com:vml" Requires="v">
-                <p:oleObj spid="_x0000_s46894" name="Формула" r:id="rId12" imgW="304560" imgH="215640" progId="Equation.3">
+                <p:oleObj spid="_x0000_s46909" name="Формула" r:id="rId12" imgW="304560" imgH="215640" progId="Equation.3">
                   <p:embed/>
                 </p:oleObj>
               </mc:Choice>
@@ -6737,7 +6737,7 @@
           <a:graphicData uri="http://schemas.openxmlformats.org/presentationml/2006/ole">
             <mc:AlternateContent xmlns:mc="http://schemas.openxmlformats.org/markup-compatibility/2006">
               <mc:Choice xmlns:v="urn:schemas-microsoft-com:vml" Requires="v">
-                <p:oleObj spid="_x0000_s46895" name="Формула" r:id="rId14" imgW="799920" imgH="228600" progId="Equation.3">
+                <p:oleObj spid="_x0000_s46910" name="Формула" r:id="rId14" imgW="799920" imgH="228600" progId="Equation.3">
                   <p:embed/>
                 </p:oleObj>
               </mc:Choice>
@@ -6794,7 +6794,7 @@
           <a:graphicData uri="http://schemas.openxmlformats.org/presentationml/2006/ole">
             <mc:AlternateContent xmlns:mc="http://schemas.openxmlformats.org/markup-compatibility/2006">
               <mc:Choice xmlns:v="urn:schemas-microsoft-com:vml" Requires="v">
-                <p:oleObj spid="_x0000_s46896" name="Equation" r:id="rId16" imgW="838080" imgH="215640" progId="Equation.3">
+                <p:oleObj spid="_x0000_s46911" name="Equation" r:id="rId16" imgW="838080" imgH="215640" progId="Equation.3">
                   <p:embed/>
                 </p:oleObj>
               </mc:Choice>
@@ -6879,7 +6879,7 @@
               <a:graphicData uri="http://schemas.openxmlformats.org/presentationml/2006/ole">
                 <mc:AlternateContent xmlns:mc="http://schemas.openxmlformats.org/markup-compatibility/2006">
                   <mc:Choice xmlns:v="urn:schemas-microsoft-com:vml" Requires="v">
-                    <p:oleObj spid="_x0000_s46897" name="Уравнение" r:id="rId18" imgW="228600" imgH="228600" progId="Equation.3">
+                    <p:oleObj spid="_x0000_s46912" name="Уравнение" r:id="rId18" imgW="228600" imgH="228600" progId="Equation.3">
                       <p:embed/>
                     </p:oleObj>
                   </mc:Choice>
@@ -6949,7 +6949,7 @@
               <a:graphicData uri="http://schemas.openxmlformats.org/presentationml/2006/ole">
                 <mc:AlternateContent xmlns:mc="http://schemas.openxmlformats.org/markup-compatibility/2006">
                   <mc:Choice xmlns:v="urn:schemas-microsoft-com:vml" Requires="v">
-                    <p:oleObj spid="_x0000_s46898" name="Формула" r:id="rId20" imgW="164885" imgH="164885" progId="Equation.3">
+                    <p:oleObj spid="_x0000_s46913" name="Формула" r:id="rId20" imgW="164885" imgH="164885" progId="Equation.3">
                       <p:embed/>
                     </p:oleObj>
                   </mc:Choice>
@@ -7136,7 +7136,7 @@
                     <a:graphicData uri="http://schemas.openxmlformats.org/presentationml/2006/ole">
                       <mc:AlternateContent xmlns:mc="http://schemas.openxmlformats.org/markup-compatibility/2006">
                         <mc:Choice xmlns:v="urn:schemas-microsoft-com:vml" Requires="v">
-                          <p:oleObj spid="_x0000_s46899" name="Уравнение" r:id="rId22" imgW="164880" imgH="228600" progId="Equation.3">
+                          <p:oleObj spid="_x0000_s46914" name="Уравнение" r:id="rId22" imgW="164880" imgH="228600" progId="Equation.3">
                             <p:embed/>
                           </p:oleObj>
                         </mc:Choice>
@@ -7206,7 +7206,7 @@
                     <a:graphicData uri="http://schemas.openxmlformats.org/presentationml/2006/ole">
                       <mc:AlternateContent xmlns:mc="http://schemas.openxmlformats.org/markup-compatibility/2006">
                         <mc:Choice xmlns:v="urn:schemas-microsoft-com:vml" Requires="v">
-                          <p:oleObj spid="_x0000_s46900" name="Equation" r:id="rId24" imgW="228600" imgH="228600" progId="Equation.3">
+                          <p:oleObj spid="_x0000_s46915" name="Equation" r:id="rId24" imgW="228600" imgH="228600" progId="Equation.3">
                             <p:embed/>
                           </p:oleObj>
                         </mc:Choice>
@@ -7276,7 +7276,7 @@
                     <a:graphicData uri="http://schemas.openxmlformats.org/presentationml/2006/ole">
                       <mc:AlternateContent xmlns:mc="http://schemas.openxmlformats.org/markup-compatibility/2006">
                         <mc:Choice xmlns:v="urn:schemas-microsoft-com:vml" Requires="v">
-                          <p:oleObj spid="_x0000_s46901" name="Equation" r:id="rId26" imgW="215640" imgH="228600" progId="Equation.3">
+                          <p:oleObj spid="_x0000_s46916" name="Equation" r:id="rId26" imgW="215640" imgH="228600" progId="Equation.3">
                             <p:embed/>
                           </p:oleObj>
                         </mc:Choice>
@@ -7867,7 +7867,7 @@
                       <a:graphicData uri="http://schemas.openxmlformats.org/presentationml/2006/ole">
                         <mc:AlternateContent xmlns:mc="http://schemas.openxmlformats.org/markup-compatibility/2006">
                           <mc:Choice xmlns:v="urn:schemas-microsoft-com:vml" Requires="v">
-                            <p:oleObj spid="_x0000_s46902" name="Уравнение" r:id="rId28" imgW="203040" imgH="215640" progId="Equation.3">
+                            <p:oleObj spid="_x0000_s46917" name="Уравнение" r:id="rId28" imgW="203040" imgH="215640" progId="Equation.3">
                               <p:embed/>
                             </p:oleObj>
                           </mc:Choice>
@@ -8289,7 +8289,7 @@
           <a:graphicData uri="http://schemas.openxmlformats.org/presentationml/2006/ole">
             <mc:AlternateContent xmlns:mc="http://schemas.openxmlformats.org/markup-compatibility/2006">
               <mc:Choice xmlns:v="urn:schemas-microsoft-com:vml" Requires="v">
-                <p:oleObj spid="_x0000_s46903" name="Формула" r:id="rId30" imgW="1091880" imgH="228600" progId="Equation.3">
+                <p:oleObj spid="_x0000_s46918" name="Формула" r:id="rId30" imgW="1091880" imgH="228600" progId="Equation.3">
                   <p:embed/>
                 </p:oleObj>
               </mc:Choice>
@@ -8359,7 +8359,7 @@
           <a:graphicData uri="http://schemas.openxmlformats.org/presentationml/2006/ole">
             <mc:AlternateContent xmlns:mc="http://schemas.openxmlformats.org/markup-compatibility/2006">
               <mc:Choice xmlns:v="urn:schemas-microsoft-com:vml" Requires="v">
-                <p:oleObj spid="_x0000_s46904" name="Уравнение" r:id="rId32" imgW="1904760" imgH="228600" progId="Equation.3">
+                <p:oleObj spid="_x0000_s46919" name="Уравнение" r:id="rId32" imgW="1904760" imgH="228600" progId="Equation.3">
                   <p:embed/>
                 </p:oleObj>
               </mc:Choice>
@@ -9445,17 +9445,7 @@
                 <a:latin typeface="Bookman Old Style" pitchFamily="18" charset="0"/>
                 <a:cs typeface="Times New Roman" panose="02020603050405020304" pitchFamily="18" charset="0"/>
               </a:rPr>
-              <a:t>МОДЕЛИРУЕМ</a:t>
-            </a:r>
-            <a:r>
-              <a:rPr lang="ru-RU" sz="1200" cap="small" dirty="0" smtClean="0">
-                <a:solidFill>
-                  <a:srgbClr val="292929"/>
-                </a:solidFill>
-                <a:latin typeface="Bookman Old Style" pitchFamily="18" charset="0"/>
-                <a:cs typeface="Times New Roman" panose="02020603050405020304" pitchFamily="18" charset="0"/>
-              </a:rPr>
-              <a:t>ОЕ ОРУДИЕ</a:t>
+              <a:t>МОДЕЛИРУЕМОЕ ОРУДИЕ</a:t>
             </a:r>
             <a:endParaRPr lang="ru-RU" sz="1200" cap="small" dirty="0">
               <a:solidFill>
@@ -9691,7 +9681,7 @@
           <p:nvPr>
             <p:extLst>
               <p:ext uri="{D42A27DB-BD31-4B8C-83A1-F6EECF244321}">
-                <p14:modId xmlns:p14="http://schemas.microsoft.com/office/powerpoint/2010/main" val="2626969534"/>
+                <p14:modId xmlns:p14="http://schemas.microsoft.com/office/powerpoint/2010/main" val="3130079379"/>
               </p:ext>
             </p:extLst>
           </p:nvPr>
@@ -9710,28 +9700,28 @@
                 <a:gridCol w="1371600">
                   <a:extLst>
                     <a:ext uri="{9D8B030D-6E8A-4147-A177-3AD203B41FA5}">
-                      <a16:colId xmlns:a16="http://schemas.microsoft.com/office/drawing/2014/main" xmlns="" val="20000"/>
+                      <a16:colId xmlns="" xmlns:a16="http://schemas.microsoft.com/office/drawing/2014/main" val="20000"/>
                     </a:ext>
                   </a:extLst>
                 </a:gridCol>
                 <a:gridCol w="1003082">
                   <a:extLst>
                     <a:ext uri="{9D8B030D-6E8A-4147-A177-3AD203B41FA5}">
-                      <a16:colId xmlns:a16="http://schemas.microsoft.com/office/drawing/2014/main" xmlns="" val="20001"/>
+                      <a16:colId xmlns="" xmlns:a16="http://schemas.microsoft.com/office/drawing/2014/main" val="20001"/>
                     </a:ext>
                   </a:extLst>
                 </a:gridCol>
                 <a:gridCol w="1187341">
                   <a:extLst>
                     <a:ext uri="{9D8B030D-6E8A-4147-A177-3AD203B41FA5}">
-                      <a16:colId xmlns:a16="http://schemas.microsoft.com/office/drawing/2014/main" xmlns="" val="20002"/>
+                      <a16:colId xmlns="" xmlns:a16="http://schemas.microsoft.com/office/drawing/2014/main" val="20002"/>
                     </a:ext>
                   </a:extLst>
                 </a:gridCol>
                 <a:gridCol w="1187341">
                   <a:extLst>
                     <a:ext uri="{9D8B030D-6E8A-4147-A177-3AD203B41FA5}">
-                      <a16:colId xmlns:a16="http://schemas.microsoft.com/office/drawing/2014/main" xmlns="" val="20003"/>
+                      <a16:colId xmlns="" xmlns:a16="http://schemas.microsoft.com/office/drawing/2014/main" val="20003"/>
                     </a:ext>
                   </a:extLst>
                 </a:gridCol>
@@ -9879,7 +9869,7 @@
                 </a:tc>
                 <a:extLst>
                   <a:ext uri="{0D108BD9-81ED-4DB2-BD59-A6C34878D82A}">
-                    <a16:rowId xmlns:a16="http://schemas.microsoft.com/office/drawing/2014/main" xmlns="" val="10000"/>
+                    <a16:rowId xmlns="" xmlns:a16="http://schemas.microsoft.com/office/drawing/2014/main" val="10000"/>
                   </a:ext>
                 </a:extLst>
               </a:tr>
@@ -10022,7 +10012,7 @@
                           <a:latin typeface="Times New Roman" panose="02020603050405020304" pitchFamily="18" charset="0"/>
                           <a:cs typeface="Times New Roman" panose="02020603050405020304" pitchFamily="18" charset="0"/>
                         </a:rPr>
-                        <a:t>кг</a:t>
+                        <a:t>19</a:t>
                       </a:r>
                       <a:endParaRPr lang="ru-RU" sz="1000" dirty="0" smtClean="0">
                         <a:effectLst/>
@@ -10036,7 +10026,7 @@
                 </a:tc>
                 <a:extLst>
                   <a:ext uri="{0D108BD9-81ED-4DB2-BD59-A6C34878D82A}">
-                    <a16:rowId xmlns:a16="http://schemas.microsoft.com/office/drawing/2014/main" xmlns="" val="10001"/>
+                    <a16:rowId xmlns="" xmlns:a16="http://schemas.microsoft.com/office/drawing/2014/main" val="10001"/>
                   </a:ext>
                 </a:extLst>
               </a:tr>
@@ -10168,7 +10158,7 @@
                 </a:tc>
                 <a:extLst>
                   <a:ext uri="{0D108BD9-81ED-4DB2-BD59-A6C34878D82A}">
-                    <a16:rowId xmlns:a16="http://schemas.microsoft.com/office/drawing/2014/main" xmlns="" val="10002"/>
+                    <a16:rowId xmlns="" xmlns:a16="http://schemas.microsoft.com/office/drawing/2014/main" val="10002"/>
                   </a:ext>
                 </a:extLst>
               </a:tr>
@@ -10307,7 +10297,7 @@
                 </a:tc>
                 <a:extLst>
                   <a:ext uri="{0D108BD9-81ED-4DB2-BD59-A6C34878D82A}">
-                    <a16:rowId xmlns:a16="http://schemas.microsoft.com/office/drawing/2014/main" xmlns="" val="10003"/>
+                    <a16:rowId xmlns="" xmlns:a16="http://schemas.microsoft.com/office/drawing/2014/main" val="10003"/>
                   </a:ext>
                 </a:extLst>
               </a:tr>
@@ -10436,7 +10426,7 @@
                 </a:tc>
                 <a:extLst>
                   <a:ext uri="{0D108BD9-81ED-4DB2-BD59-A6C34878D82A}">
-                    <a16:rowId xmlns:a16="http://schemas.microsoft.com/office/drawing/2014/main" xmlns="" val="10004"/>
+                    <a16:rowId xmlns="" xmlns:a16="http://schemas.microsoft.com/office/drawing/2014/main" val="10004"/>
                   </a:ext>
                 </a:extLst>
               </a:tr>
@@ -10568,7 +10558,7 @@
                 </a:tc>
                 <a:extLst>
                   <a:ext uri="{0D108BD9-81ED-4DB2-BD59-A6C34878D82A}">
-                    <a16:rowId xmlns:a16="http://schemas.microsoft.com/office/drawing/2014/main" xmlns="" val="10005"/>
+                    <a16:rowId xmlns="" xmlns:a16="http://schemas.microsoft.com/office/drawing/2014/main" val="10005"/>
                   </a:ext>
                 </a:extLst>
               </a:tr>
@@ -10692,7 +10682,7 @@
                 </a:tc>
                 <a:extLst>
                   <a:ext uri="{0D108BD9-81ED-4DB2-BD59-A6C34878D82A}">
-                    <a16:rowId xmlns:a16="http://schemas.microsoft.com/office/drawing/2014/main" xmlns="" val="10006"/>
+                    <a16:rowId xmlns="" xmlns:a16="http://schemas.microsoft.com/office/drawing/2014/main" val="10006"/>
                   </a:ext>
                 </a:extLst>
               </a:tr>
@@ -10832,7 +10822,7 @@
                 </a:tc>
                 <a:extLst>
                   <a:ext uri="{0D108BD9-81ED-4DB2-BD59-A6C34878D82A}">
-                    <a16:rowId xmlns:a16="http://schemas.microsoft.com/office/drawing/2014/main" xmlns="" val="10007"/>
+                    <a16:rowId xmlns="" xmlns:a16="http://schemas.microsoft.com/office/drawing/2014/main" val="10007"/>
                   </a:ext>
                 </a:extLst>
               </a:tr>
@@ -10972,7 +10962,7 @@
                 </a:tc>
                 <a:extLst>
                   <a:ext uri="{0D108BD9-81ED-4DB2-BD59-A6C34878D82A}">
-                    <a16:rowId xmlns:a16="http://schemas.microsoft.com/office/drawing/2014/main" xmlns="" val="10008"/>
+                    <a16:rowId xmlns="" xmlns:a16="http://schemas.microsoft.com/office/drawing/2014/main" val="10008"/>
                   </a:ext>
                 </a:extLst>
               </a:tr>
@@ -11038,7 +11028,7 @@
           <p:nvPr>
             <p:extLst>
               <p:ext uri="{D42A27DB-BD31-4B8C-83A1-F6EECF244321}">
-                <p14:modId xmlns:p14="http://schemas.microsoft.com/office/powerpoint/2010/main" val="1530963022"/>
+                <p14:modId xmlns:p14="http://schemas.microsoft.com/office/powerpoint/2010/main" val="643650303"/>
               </p:ext>
             </p:extLst>
           </p:nvPr>
@@ -11057,28 +11047,28 @@
                 <a:gridCol w="1072141">
                   <a:extLst>
                     <a:ext uri="{9D8B030D-6E8A-4147-A177-3AD203B41FA5}">
-                      <a16:colId xmlns:a16="http://schemas.microsoft.com/office/drawing/2014/main" xmlns="" val="20000"/>
+                      <a16:colId xmlns="" xmlns:a16="http://schemas.microsoft.com/office/drawing/2014/main" val="20000"/>
                     </a:ext>
                   </a:extLst>
                 </a:gridCol>
                 <a:gridCol w="933277">
                   <a:extLst>
                     <a:ext uri="{9D8B030D-6E8A-4147-A177-3AD203B41FA5}">
-                      <a16:colId xmlns:a16="http://schemas.microsoft.com/office/drawing/2014/main" xmlns="" val="20001"/>
+                      <a16:colId xmlns="" xmlns:a16="http://schemas.microsoft.com/office/drawing/2014/main" val="20001"/>
                     </a:ext>
                   </a:extLst>
                 </a:gridCol>
                 <a:gridCol w="1002709">
                   <a:extLst>
                     <a:ext uri="{9D8B030D-6E8A-4147-A177-3AD203B41FA5}">
-                      <a16:colId xmlns:a16="http://schemas.microsoft.com/office/drawing/2014/main" xmlns="" val="20002"/>
+                      <a16:colId xmlns="" xmlns:a16="http://schemas.microsoft.com/office/drawing/2014/main" val="20002"/>
                     </a:ext>
                   </a:extLst>
                 </a:gridCol>
                 <a:gridCol w="1002709">
                   <a:extLst>
                     <a:ext uri="{9D8B030D-6E8A-4147-A177-3AD203B41FA5}">
-                      <a16:colId xmlns:a16="http://schemas.microsoft.com/office/drawing/2014/main" xmlns="" val="20003"/>
+                      <a16:colId xmlns="" xmlns:a16="http://schemas.microsoft.com/office/drawing/2014/main" val="20003"/>
                     </a:ext>
                   </a:extLst>
                 </a:gridCol>
@@ -11226,7 +11216,7 @@
                 </a:tc>
                 <a:extLst>
                   <a:ext uri="{0D108BD9-81ED-4DB2-BD59-A6C34878D82A}">
-                    <a16:rowId xmlns:a16="http://schemas.microsoft.com/office/drawing/2014/main" xmlns="" val="10000"/>
+                    <a16:rowId xmlns="" xmlns:a16="http://schemas.microsoft.com/office/drawing/2014/main" val="10000"/>
                   </a:ext>
                 </a:extLst>
               </a:tr>
@@ -11276,20 +11266,20 @@
                         </a:spcAft>
                       </a:pPr>
                       <a:r>
-                        <a:rPr lang="en-US" sz="1100" i="1" dirty="0" smtClean="0">
+                        <a:rPr lang="en-US" sz="1100" i="1" baseline="0" dirty="0" smtClean="0">
                           <a:effectLst/>
                           <a:latin typeface="Times New Roman" panose="02020603050405020304" pitchFamily="18" charset="0"/>
                           <a:cs typeface="Times New Roman" panose="02020603050405020304" pitchFamily="18" charset="0"/>
                         </a:rPr>
-                        <a:t>m</a:t>
+                        <a:t>L</a:t>
                       </a:r>
                       <a:r>
-                        <a:rPr lang="ru-RU" sz="1100" i="0" baseline="-25000" dirty="0" smtClean="0">
+                        <a:rPr lang="ru-RU" sz="1100" i="0" baseline="-25000" dirty="0" err="1" smtClean="0">
                           <a:effectLst/>
                           <a:latin typeface="Times New Roman" panose="02020603050405020304" pitchFamily="18" charset="0"/>
                           <a:cs typeface="Times New Roman" panose="02020603050405020304" pitchFamily="18" charset="0"/>
                         </a:rPr>
-                        <a:t>Σ</a:t>
+                        <a:t>ст</a:t>
                       </a:r>
                       <a:endParaRPr lang="ru-RU" sz="1100" dirty="0">
                         <a:effectLst/>
@@ -11320,7 +11310,7 @@
                           <a:latin typeface="Times New Roman" panose="02020603050405020304" pitchFamily="18" charset="0"/>
                           <a:cs typeface="Times New Roman" panose="02020603050405020304" pitchFamily="18" charset="0"/>
                         </a:rPr>
-                        <a:t>мм</a:t>
+                        <a:t>м</a:t>
                       </a:r>
                       <a:endParaRPr lang="ru-RU" sz="1100" dirty="0">
                         <a:effectLst/>
@@ -11351,7 +11341,7 @@
                           <a:latin typeface="Times New Roman" panose="02020603050405020304" pitchFamily="18" charset="0"/>
                           <a:cs typeface="Times New Roman" panose="02020603050405020304" pitchFamily="18" charset="0"/>
                         </a:rPr>
-                        <a:t>7562</a:t>
+                        <a:t>7,562</a:t>
                       </a:r>
                       <a:endParaRPr lang="ru-RU" sz="1100" dirty="0">
                         <a:effectLst/>
@@ -11365,7 +11355,7 @@
                 </a:tc>
                 <a:extLst>
                   <a:ext uri="{0D108BD9-81ED-4DB2-BD59-A6C34878D82A}">
-                    <a16:rowId xmlns:a16="http://schemas.microsoft.com/office/drawing/2014/main" xmlns="" val="10001"/>
+                    <a16:rowId xmlns="" xmlns:a16="http://schemas.microsoft.com/office/drawing/2014/main" val="10001"/>
                   </a:ext>
                 </a:extLst>
               </a:tr>
@@ -11415,20 +11405,20 @@
                         </a:spcAft>
                       </a:pPr>
                       <a:r>
-                        <a:rPr lang="en-US" sz="1100" i="1" dirty="0">
+                        <a:rPr lang="en-US" sz="1100" i="1" baseline="0" dirty="0" smtClean="0">
                           <a:effectLst/>
                           <a:latin typeface="Times New Roman" panose="02020603050405020304" pitchFamily="18" charset="0"/>
                           <a:cs typeface="Times New Roman" panose="02020603050405020304" pitchFamily="18" charset="0"/>
                         </a:rPr>
-                        <a:t>v</a:t>
+                        <a:t>L</a:t>
                       </a:r>
                       <a:r>
-                        <a:rPr lang="ru-RU" sz="1100" baseline="-25000" dirty="0">
+                        <a:rPr lang="ru-RU" sz="1100" i="0" baseline="-25000" dirty="0" smtClean="0">
                           <a:effectLst/>
                           <a:latin typeface="Times New Roman" panose="02020603050405020304" pitchFamily="18" charset="0"/>
                           <a:cs typeface="Times New Roman" panose="02020603050405020304" pitchFamily="18" charset="0"/>
                         </a:rPr>
-                        <a:t>д</a:t>
+                        <a:t>км</a:t>
                       </a:r>
                       <a:endParaRPr lang="ru-RU" sz="1100" dirty="0">
                         <a:effectLst/>
@@ -11454,12 +11444,12 @@
                         </a:spcAft>
                       </a:pPr>
                       <a:r>
-                        <a:rPr lang="ru-RU" sz="1100" dirty="0">
+                        <a:rPr lang="ru-RU" sz="1100" dirty="0" smtClean="0">
                           <a:effectLst/>
                           <a:latin typeface="Times New Roman" panose="02020603050405020304" pitchFamily="18" charset="0"/>
                           <a:cs typeface="Times New Roman" panose="02020603050405020304" pitchFamily="18" charset="0"/>
                         </a:rPr>
-                        <a:t>м/с</a:t>
+                        <a:t>м</a:t>
                       </a:r>
                       <a:endParaRPr lang="ru-RU" sz="1100" dirty="0">
                         <a:effectLst/>
@@ -11485,12 +11475,12 @@
                         </a:spcAft>
                       </a:pPr>
                       <a:r>
-                        <a:rPr lang="ru-RU" sz="1100" dirty="0">
+                        <a:rPr lang="ru-RU" sz="1100" dirty="0" smtClean="0">
                           <a:effectLst/>
                           <a:latin typeface="Times New Roman" panose="02020603050405020304" pitchFamily="18" charset="0"/>
                           <a:cs typeface="Times New Roman" panose="02020603050405020304" pitchFamily="18" charset="0"/>
                         </a:rPr>
-                        <a:t>945</a:t>
+                        <a:t>1,015</a:t>
                       </a:r>
                       <a:endParaRPr lang="ru-RU" sz="1100" dirty="0">
                         <a:effectLst/>
@@ -11504,7 +11494,7 @@
                 </a:tc>
                 <a:extLst>
                   <a:ext uri="{0D108BD9-81ED-4DB2-BD59-A6C34878D82A}">
-                    <a16:rowId xmlns:a16="http://schemas.microsoft.com/office/drawing/2014/main" xmlns="" val="10002"/>
+                    <a16:rowId xmlns="" xmlns:a16="http://schemas.microsoft.com/office/drawing/2014/main" val="10002"/>
                   </a:ext>
                 </a:extLst>
               </a:tr>
@@ -11555,24 +11545,22 @@
                         </a:spcAft>
                       </a:pPr>
                       <a:r>
-                        <a:rPr lang="en-US" sz="1100" i="1" dirty="0" smtClean="0">
+                        <a:rPr lang="en-US" sz="1100" i="1" baseline="0" dirty="0" smtClean="0">
                           <a:effectLst/>
                           <a:latin typeface="Times New Roman" panose="02020603050405020304" pitchFamily="18" charset="0"/>
-                          <a:ea typeface="Times New Roman" panose="02020603050405020304" pitchFamily="18" charset="0"/>
                           <a:cs typeface="Times New Roman" panose="02020603050405020304" pitchFamily="18" charset="0"/>
                         </a:rPr>
-                        <a:t>l</a:t>
+                        <a:t>D</a:t>
                       </a:r>
                       <a:r>
-                        <a:rPr lang="el-GR" sz="1100" i="1" baseline="-25000" dirty="0" smtClean="0">
+                        <a:rPr lang="ru-RU" sz="1100" i="0" baseline="-25000" dirty="0" smtClean="0">
                           <a:effectLst/>
                           <a:latin typeface="Times New Roman" panose="02020603050405020304" pitchFamily="18" charset="0"/>
-                          <a:ea typeface="Times New Roman" panose="02020603050405020304" pitchFamily="18" charset="0"/>
                           <a:cs typeface="Times New Roman" panose="02020603050405020304" pitchFamily="18" charset="0"/>
                         </a:rPr>
-                        <a:t>Σ</a:t>
+                        <a:t>км</a:t>
                       </a:r>
-                      <a:endParaRPr lang="ru-RU" sz="1100" i="1" dirty="0">
+                      <a:endParaRPr lang="ru-RU" sz="1100" dirty="0">
                         <a:effectLst/>
                         <a:latin typeface="Times New Roman" panose="02020603050405020304" pitchFamily="18" charset="0"/>
                         <a:ea typeface="Times New Roman" panose="02020603050405020304" pitchFamily="18" charset="0"/>
@@ -11602,7 +11590,7 @@
                           <a:ea typeface="Times New Roman" panose="02020603050405020304" pitchFamily="18" charset="0"/>
                           <a:cs typeface="Times New Roman" panose="02020603050405020304" pitchFamily="18" charset="0"/>
                         </a:rPr>
-                        <a:t>мм</a:t>
+                        <a:t>м</a:t>
                       </a:r>
                       <a:endParaRPr lang="ru-RU" sz="1100" dirty="0">
                         <a:effectLst/>
@@ -11633,7 +11621,7 @@
                           <a:latin typeface="Times New Roman" panose="02020603050405020304" pitchFamily="18" charset="0"/>
                           <a:cs typeface="Times New Roman" panose="02020603050405020304" pitchFamily="18" charset="0"/>
                         </a:rPr>
-                        <a:t>885</a:t>
+                        <a:t>0,214</a:t>
                       </a:r>
                       <a:endParaRPr lang="ru-RU" sz="1100" dirty="0">
                         <a:effectLst/>
@@ -11647,7 +11635,7 @@
                 </a:tc>
                 <a:extLst>
                   <a:ext uri="{0D108BD9-81ED-4DB2-BD59-A6C34878D82A}">
-                    <a16:rowId xmlns:a16="http://schemas.microsoft.com/office/drawing/2014/main" xmlns="" val="10004"/>
+                    <a16:rowId xmlns="" xmlns:a16="http://schemas.microsoft.com/office/drawing/2014/main" val="10004"/>
                   </a:ext>
                 </a:extLst>
               </a:tr>
@@ -12622,28 +12610,28 @@
                 <a:gridCol w="1002709">
                   <a:extLst>
                     <a:ext uri="{9D8B030D-6E8A-4147-A177-3AD203B41FA5}">
-                      <a16:colId xmlns:a16="http://schemas.microsoft.com/office/drawing/2014/main" xmlns="" val="20000"/>
+                      <a16:colId xmlns="" xmlns:a16="http://schemas.microsoft.com/office/drawing/2014/main" val="20000"/>
                     </a:ext>
                   </a:extLst>
                 </a:gridCol>
                 <a:gridCol w="1002709">
                   <a:extLst>
                     <a:ext uri="{9D8B030D-6E8A-4147-A177-3AD203B41FA5}">
-                      <a16:colId xmlns:a16="http://schemas.microsoft.com/office/drawing/2014/main" xmlns="" val="20001"/>
+                      <a16:colId xmlns="" xmlns:a16="http://schemas.microsoft.com/office/drawing/2014/main" val="20001"/>
                     </a:ext>
                   </a:extLst>
                 </a:gridCol>
                 <a:gridCol w="1002709">
                   <a:extLst>
                     <a:ext uri="{9D8B030D-6E8A-4147-A177-3AD203B41FA5}">
-                      <a16:colId xmlns:a16="http://schemas.microsoft.com/office/drawing/2014/main" xmlns="" val="20002"/>
+                      <a16:colId xmlns="" xmlns:a16="http://schemas.microsoft.com/office/drawing/2014/main" val="20002"/>
                     </a:ext>
                   </a:extLst>
                 </a:gridCol>
                 <a:gridCol w="1002709">
                   <a:extLst>
                     <a:ext uri="{9D8B030D-6E8A-4147-A177-3AD203B41FA5}">
-                      <a16:colId xmlns:a16="http://schemas.microsoft.com/office/drawing/2014/main" xmlns="" val="20003"/>
+                      <a16:colId xmlns="" xmlns:a16="http://schemas.microsoft.com/office/drawing/2014/main" val="20003"/>
                     </a:ext>
                   </a:extLst>
                 </a:gridCol>
@@ -12791,7 +12779,7 @@
                 </a:tc>
                 <a:extLst>
                   <a:ext uri="{0D108BD9-81ED-4DB2-BD59-A6C34878D82A}">
-                    <a16:rowId xmlns:a16="http://schemas.microsoft.com/office/drawing/2014/main" xmlns="" val="10000"/>
+                    <a16:rowId xmlns="" xmlns:a16="http://schemas.microsoft.com/office/drawing/2014/main" val="10000"/>
                   </a:ext>
                 </a:extLst>
               </a:tr>
@@ -12930,7 +12918,7 @@
                 </a:tc>
                 <a:extLst>
                   <a:ext uri="{0D108BD9-81ED-4DB2-BD59-A6C34878D82A}">
-                    <a16:rowId xmlns:a16="http://schemas.microsoft.com/office/drawing/2014/main" xmlns="" val="10001"/>
+                    <a16:rowId xmlns="" xmlns:a16="http://schemas.microsoft.com/office/drawing/2014/main" val="10001"/>
                   </a:ext>
                 </a:extLst>
               </a:tr>
@@ -13069,7 +13057,7 @@
                 </a:tc>
                 <a:extLst>
                   <a:ext uri="{0D108BD9-81ED-4DB2-BD59-A6C34878D82A}">
-                    <a16:rowId xmlns:a16="http://schemas.microsoft.com/office/drawing/2014/main" xmlns="" val="10002"/>
+                    <a16:rowId xmlns="" xmlns:a16="http://schemas.microsoft.com/office/drawing/2014/main" val="10002"/>
                   </a:ext>
                 </a:extLst>
               </a:tr>
@@ -13213,7 +13201,7 @@
                 </a:tc>
                 <a:extLst>
                   <a:ext uri="{0D108BD9-81ED-4DB2-BD59-A6C34878D82A}">
-                    <a16:rowId xmlns:a16="http://schemas.microsoft.com/office/drawing/2014/main" xmlns="" val="10004"/>
+                    <a16:rowId xmlns="" xmlns:a16="http://schemas.microsoft.com/office/drawing/2014/main" val="10004"/>
                   </a:ext>
                 </a:extLst>
               </a:tr>
@@ -13298,28 +13286,28 @@
                 <a:gridCol w="1002709">
                   <a:extLst>
                     <a:ext uri="{9D8B030D-6E8A-4147-A177-3AD203B41FA5}">
-                      <a16:colId xmlns:a16="http://schemas.microsoft.com/office/drawing/2014/main" xmlns="" val="20000"/>
+                      <a16:colId xmlns="" xmlns:a16="http://schemas.microsoft.com/office/drawing/2014/main" val="20000"/>
                     </a:ext>
                   </a:extLst>
                 </a:gridCol>
                 <a:gridCol w="1002709">
                   <a:extLst>
                     <a:ext uri="{9D8B030D-6E8A-4147-A177-3AD203B41FA5}">
-                      <a16:colId xmlns:a16="http://schemas.microsoft.com/office/drawing/2014/main" xmlns="" val="20001"/>
+                      <a16:colId xmlns="" xmlns:a16="http://schemas.microsoft.com/office/drawing/2014/main" val="20001"/>
                     </a:ext>
                   </a:extLst>
                 </a:gridCol>
                 <a:gridCol w="1002709">
                   <a:extLst>
                     <a:ext uri="{9D8B030D-6E8A-4147-A177-3AD203B41FA5}">
-                      <a16:colId xmlns:a16="http://schemas.microsoft.com/office/drawing/2014/main" xmlns="" val="20002"/>
+                      <a16:colId xmlns="" xmlns:a16="http://schemas.microsoft.com/office/drawing/2014/main" val="20002"/>
                     </a:ext>
                   </a:extLst>
                 </a:gridCol>
                 <a:gridCol w="1002709">
                   <a:extLst>
                     <a:ext uri="{9D8B030D-6E8A-4147-A177-3AD203B41FA5}">
-                      <a16:colId xmlns:a16="http://schemas.microsoft.com/office/drawing/2014/main" xmlns="" val="20003"/>
+                      <a16:colId xmlns="" xmlns:a16="http://schemas.microsoft.com/office/drawing/2014/main" val="20003"/>
                     </a:ext>
                   </a:extLst>
                 </a:gridCol>
@@ -13467,7 +13455,7 @@
                 </a:tc>
                 <a:extLst>
                   <a:ext uri="{0D108BD9-81ED-4DB2-BD59-A6C34878D82A}">
-                    <a16:rowId xmlns:a16="http://schemas.microsoft.com/office/drawing/2014/main" xmlns="" val="10000"/>
+                    <a16:rowId xmlns="" xmlns:a16="http://schemas.microsoft.com/office/drawing/2014/main" val="10000"/>
                   </a:ext>
                 </a:extLst>
               </a:tr>
@@ -13606,7 +13594,7 @@
                 </a:tc>
                 <a:extLst>
                   <a:ext uri="{0D108BD9-81ED-4DB2-BD59-A6C34878D82A}">
-                    <a16:rowId xmlns:a16="http://schemas.microsoft.com/office/drawing/2014/main" xmlns="" val="10001"/>
+                    <a16:rowId xmlns="" xmlns:a16="http://schemas.microsoft.com/office/drawing/2014/main" val="10001"/>
                   </a:ext>
                 </a:extLst>
               </a:tr>
@@ -13745,7 +13733,7 @@
                 </a:tc>
                 <a:extLst>
                   <a:ext uri="{0D108BD9-81ED-4DB2-BD59-A6C34878D82A}">
-                    <a16:rowId xmlns:a16="http://schemas.microsoft.com/office/drawing/2014/main" xmlns="" val="10002"/>
+                    <a16:rowId xmlns="" xmlns:a16="http://schemas.microsoft.com/office/drawing/2014/main" val="10002"/>
                   </a:ext>
                 </a:extLst>
               </a:tr>
@@ -13888,7 +13876,7 @@
                 </a:tc>
                 <a:extLst>
                   <a:ext uri="{0D108BD9-81ED-4DB2-BD59-A6C34878D82A}">
-                    <a16:rowId xmlns:a16="http://schemas.microsoft.com/office/drawing/2014/main" xmlns="" val="10004"/>
+                    <a16:rowId xmlns="" xmlns:a16="http://schemas.microsoft.com/office/drawing/2014/main" val="10004"/>
                   </a:ext>
                 </a:extLst>
               </a:tr>
@@ -14884,7 +14872,7 @@
           <a:graphicData uri="http://schemas.openxmlformats.org/presentationml/2006/ole">
             <mc:AlternateContent xmlns:mc="http://schemas.openxmlformats.org/markup-compatibility/2006">
               <mc:Choice xmlns:v="urn:schemas-microsoft-com:vml" Requires="v">
-                <p:oleObj spid="_x0000_s42361" name="Уравнение" r:id="rId3" imgW="812520" imgH="482400" progId="Equation.3">
+                <p:oleObj spid="_x0000_s42365" name="Уравнение" r:id="rId3" imgW="812520" imgH="482400" progId="Equation.3">
                   <p:embed/>
                 </p:oleObj>
               </mc:Choice>
@@ -15064,7 +15052,7 @@
           <a:graphicData uri="http://schemas.openxmlformats.org/presentationml/2006/ole">
             <mc:AlternateContent xmlns:mc="http://schemas.openxmlformats.org/markup-compatibility/2006">
               <mc:Choice xmlns:v="urn:schemas-microsoft-com:vml" Requires="v">
-                <p:oleObj spid="_x0000_s42362" name="Уравнение" r:id="rId5" imgW="787320" imgH="507960" progId="Equation.3">
+                <p:oleObj spid="_x0000_s42366" name="Уравнение" r:id="rId5" imgW="787320" imgH="507960" progId="Equation.3">
                   <p:embed/>
                 </p:oleObj>
               </mc:Choice>
@@ -15121,7 +15109,7 @@
           <a:graphicData uri="http://schemas.openxmlformats.org/presentationml/2006/ole">
             <mc:AlternateContent xmlns:mc="http://schemas.openxmlformats.org/markup-compatibility/2006">
               <mc:Choice xmlns:v="urn:schemas-microsoft-com:vml" Requires="v">
-                <p:oleObj spid="_x0000_s42363" name="Уравнение" r:id="rId7" imgW="977760" imgH="520560" progId="Equation.3">
+                <p:oleObj spid="_x0000_s42367" name="Уравнение" r:id="rId7" imgW="977760" imgH="520560" progId="Equation.3">
                   <p:embed/>
                 </p:oleObj>
               </mc:Choice>
@@ -15308,7 +15296,7 @@
           <a:graphicData uri="http://schemas.openxmlformats.org/presentationml/2006/ole">
             <mc:AlternateContent xmlns:mc="http://schemas.openxmlformats.org/markup-compatibility/2006">
               <mc:Choice xmlns:v="urn:schemas-microsoft-com:vml" Requires="v">
-                <p:oleObj spid="_x0000_s42364" name="Уравнение" r:id="rId9" imgW="812520" imgH="203040" progId="Equation.3">
+                <p:oleObj spid="_x0000_s42368" name="Уравнение" r:id="rId9" imgW="812520" imgH="203040" progId="Equation.3">
                   <p:embed/>
                 </p:oleObj>
               </mc:Choice>
@@ -16303,15 +16291,7 @@
                 <a:ea typeface="Times New Roman" pitchFamily="18" charset="0"/>
                 <a:cs typeface="Times New Roman" pitchFamily="18" charset="0"/>
               </a:rPr>
-              <a:t>. </a:t>
-            </a:r>
-            <a:r>
-              <a:rPr lang="ru-RU" sz="1100" dirty="0" smtClean="0">
-                <a:latin typeface="Times New Roman" pitchFamily="18" charset="0"/>
-                <a:ea typeface="Times New Roman" pitchFamily="18" charset="0"/>
-                <a:cs typeface="Times New Roman" pitchFamily="18" charset="0"/>
-              </a:rPr>
-              <a:t>Изменение начальной скорости в зависимости от массы</a:t>
+              <a:t>. Изменение начальной скорости в зависимости от массы</a:t>
             </a:r>
             <a:endParaRPr lang="ru-RU" sz="1100" dirty="0"/>
           </a:p>
@@ -16345,28 +16325,28 @@
                 <a:gridCol w="875899">
                   <a:extLst>
                     <a:ext uri="{9D8B030D-6E8A-4147-A177-3AD203B41FA5}">
-                      <a16:colId xmlns:a16="http://schemas.microsoft.com/office/drawing/2014/main" xmlns="" val="20000"/>
+                      <a16:colId xmlns="" xmlns:a16="http://schemas.microsoft.com/office/drawing/2014/main" val="20000"/>
                     </a:ext>
                   </a:extLst>
                 </a:gridCol>
                 <a:gridCol w="875899">
                   <a:extLst>
                     <a:ext uri="{9D8B030D-6E8A-4147-A177-3AD203B41FA5}">
-                      <a16:colId xmlns:a16="http://schemas.microsoft.com/office/drawing/2014/main" xmlns="" val="20001"/>
+                      <a16:colId xmlns="" xmlns:a16="http://schemas.microsoft.com/office/drawing/2014/main" val="20001"/>
                     </a:ext>
                   </a:extLst>
                 </a:gridCol>
                 <a:gridCol w="875899">
                   <a:extLst>
                     <a:ext uri="{9D8B030D-6E8A-4147-A177-3AD203B41FA5}">
-                      <a16:colId xmlns:a16="http://schemas.microsoft.com/office/drawing/2014/main" xmlns="" val="20002"/>
+                      <a16:colId xmlns="" xmlns:a16="http://schemas.microsoft.com/office/drawing/2014/main" val="20002"/>
                     </a:ext>
                   </a:extLst>
                 </a:gridCol>
                 <a:gridCol w="875899">
                   <a:extLst>
                     <a:ext uri="{9D8B030D-6E8A-4147-A177-3AD203B41FA5}">
-                      <a16:colId xmlns:a16="http://schemas.microsoft.com/office/drawing/2014/main" xmlns="" val="20003"/>
+                      <a16:colId xmlns="" xmlns:a16="http://schemas.microsoft.com/office/drawing/2014/main" val="20003"/>
                     </a:ext>
                   </a:extLst>
                 </a:gridCol>
@@ -16664,7 +16644,7 @@
                 </a:tc>
                 <a:extLst>
                   <a:ext uri="{0D108BD9-81ED-4DB2-BD59-A6C34878D82A}">
-                    <a16:rowId xmlns:a16="http://schemas.microsoft.com/office/drawing/2014/main" xmlns="" val="10000"/>
+                    <a16:rowId xmlns="" xmlns:a16="http://schemas.microsoft.com/office/drawing/2014/main" val="10000"/>
                   </a:ext>
                 </a:extLst>
               </a:tr>
@@ -16948,7 +16928,7 @@
                 </a:tc>
                 <a:extLst>
                   <a:ext uri="{0D108BD9-81ED-4DB2-BD59-A6C34878D82A}">
-                    <a16:rowId xmlns:a16="http://schemas.microsoft.com/office/drawing/2014/main" xmlns="" val="10001"/>
+                    <a16:rowId xmlns="" xmlns:a16="http://schemas.microsoft.com/office/drawing/2014/main" val="10001"/>
                   </a:ext>
                 </a:extLst>
               </a:tr>
@@ -17239,7 +17219,7 @@
                 </a:tc>
                 <a:extLst>
                   <a:ext uri="{0D108BD9-81ED-4DB2-BD59-A6C34878D82A}">
-                    <a16:rowId xmlns:a16="http://schemas.microsoft.com/office/drawing/2014/main" xmlns="" val="63189236"/>
+                    <a16:rowId xmlns="" xmlns:a16="http://schemas.microsoft.com/office/drawing/2014/main" val="63189236"/>
                   </a:ext>
                 </a:extLst>
               </a:tr>
@@ -17290,15 +17270,7 @@
                 <a:ea typeface="Times New Roman" pitchFamily="18" charset="0"/>
                 <a:cs typeface="Times New Roman" pitchFamily="18" charset="0"/>
               </a:rPr>
-              <a:t>. </a:t>
-            </a:r>
-            <a:r>
-              <a:rPr lang="ru-RU" sz="1100" dirty="0" smtClean="0">
-                <a:latin typeface="Times New Roman" pitchFamily="18" charset="0"/>
-                <a:ea typeface="Times New Roman" pitchFamily="18" charset="0"/>
-                <a:cs typeface="Times New Roman" pitchFamily="18" charset="0"/>
-              </a:rPr>
-              <a:t>Зависимость дальности от массы топлива</a:t>
+              <a:t>. Зависимость дальности от массы топлива</a:t>
             </a:r>
             <a:endParaRPr lang="ru-RU" sz="1100" dirty="0"/>
           </a:p>
@@ -17356,28 +17328,28 @@
                 <a:gridCol w="875899">
                   <a:extLst>
                     <a:ext uri="{9D8B030D-6E8A-4147-A177-3AD203B41FA5}">
-                      <a16:colId xmlns:a16="http://schemas.microsoft.com/office/drawing/2014/main" xmlns="" val="20000"/>
+                      <a16:colId xmlns="" xmlns:a16="http://schemas.microsoft.com/office/drawing/2014/main" val="20000"/>
                     </a:ext>
                   </a:extLst>
                 </a:gridCol>
                 <a:gridCol w="875899">
                   <a:extLst>
                     <a:ext uri="{9D8B030D-6E8A-4147-A177-3AD203B41FA5}">
-                      <a16:colId xmlns:a16="http://schemas.microsoft.com/office/drawing/2014/main" xmlns="" val="20001"/>
+                      <a16:colId xmlns="" xmlns:a16="http://schemas.microsoft.com/office/drawing/2014/main" val="20001"/>
                     </a:ext>
                   </a:extLst>
                 </a:gridCol>
                 <a:gridCol w="875899">
                   <a:extLst>
                     <a:ext uri="{9D8B030D-6E8A-4147-A177-3AD203B41FA5}">
-                      <a16:colId xmlns:a16="http://schemas.microsoft.com/office/drawing/2014/main" xmlns="" val="20002"/>
+                      <a16:colId xmlns="" xmlns:a16="http://schemas.microsoft.com/office/drawing/2014/main" val="20002"/>
                     </a:ext>
                   </a:extLst>
                 </a:gridCol>
                 <a:gridCol w="875899">
                   <a:extLst>
                     <a:ext uri="{9D8B030D-6E8A-4147-A177-3AD203B41FA5}">
-                      <a16:colId xmlns:a16="http://schemas.microsoft.com/office/drawing/2014/main" xmlns="" val="20003"/>
+                      <a16:colId xmlns="" xmlns:a16="http://schemas.microsoft.com/office/drawing/2014/main" val="20003"/>
                     </a:ext>
                   </a:extLst>
                 </a:gridCol>
@@ -17686,7 +17658,7 @@
                 </a:tc>
                 <a:extLst>
                   <a:ext uri="{0D108BD9-81ED-4DB2-BD59-A6C34878D82A}">
-                    <a16:rowId xmlns:a16="http://schemas.microsoft.com/office/drawing/2014/main" xmlns="" val="10000"/>
+                    <a16:rowId xmlns="" xmlns:a16="http://schemas.microsoft.com/office/drawing/2014/main" val="10000"/>
                   </a:ext>
                 </a:extLst>
               </a:tr>
@@ -17971,7 +17943,7 @@
                 </a:tc>
                 <a:extLst>
                   <a:ext uri="{0D108BD9-81ED-4DB2-BD59-A6C34878D82A}">
-                    <a16:rowId xmlns:a16="http://schemas.microsoft.com/office/drawing/2014/main" xmlns="" val="10001"/>
+                    <a16:rowId xmlns="" xmlns:a16="http://schemas.microsoft.com/office/drawing/2014/main" val="10001"/>
                   </a:ext>
                 </a:extLst>
               </a:tr>
@@ -18300,7 +18272,7 @@
                 </a:tc>
                 <a:extLst>
                   <a:ext uri="{0D108BD9-81ED-4DB2-BD59-A6C34878D82A}">
-                    <a16:rowId xmlns:a16="http://schemas.microsoft.com/office/drawing/2014/main" xmlns="" val="10002"/>
+                    <a16:rowId xmlns="" xmlns:a16="http://schemas.microsoft.com/office/drawing/2014/main" val="10002"/>
                   </a:ext>
                 </a:extLst>
               </a:tr>
@@ -19100,35 +19072,35 @@
                 <a:gridCol w="766125">
                   <a:extLst>
                     <a:ext uri="{9D8B030D-6E8A-4147-A177-3AD203B41FA5}">
-                      <a16:colId xmlns:a16="http://schemas.microsoft.com/office/drawing/2014/main" xmlns="" val="20000"/>
+                      <a16:colId xmlns="" xmlns:a16="http://schemas.microsoft.com/office/drawing/2014/main" val="20000"/>
                     </a:ext>
                   </a:extLst>
                 </a:gridCol>
                 <a:gridCol w="766125">
                   <a:extLst>
                     <a:ext uri="{9D8B030D-6E8A-4147-A177-3AD203B41FA5}">
-                      <a16:colId xmlns:a16="http://schemas.microsoft.com/office/drawing/2014/main" xmlns="" val="20001"/>
+                      <a16:colId xmlns="" xmlns:a16="http://schemas.microsoft.com/office/drawing/2014/main" val="20001"/>
                     </a:ext>
                   </a:extLst>
                 </a:gridCol>
                 <a:gridCol w="766125">
                   <a:extLst>
                     <a:ext uri="{9D8B030D-6E8A-4147-A177-3AD203B41FA5}">
-                      <a16:colId xmlns:a16="http://schemas.microsoft.com/office/drawing/2014/main" xmlns="" val="20002"/>
+                      <a16:colId xmlns="" xmlns:a16="http://schemas.microsoft.com/office/drawing/2014/main" val="20002"/>
                     </a:ext>
                   </a:extLst>
                 </a:gridCol>
                 <a:gridCol w="766125">
                   <a:extLst>
                     <a:ext uri="{9D8B030D-6E8A-4147-A177-3AD203B41FA5}">
-                      <a16:colId xmlns:a16="http://schemas.microsoft.com/office/drawing/2014/main" xmlns="" val="20004"/>
+                      <a16:colId xmlns="" xmlns:a16="http://schemas.microsoft.com/office/drawing/2014/main" val="20004"/>
                     </a:ext>
                   </a:extLst>
                 </a:gridCol>
                 <a:gridCol w="766125">
                   <a:extLst>
                     <a:ext uri="{9D8B030D-6E8A-4147-A177-3AD203B41FA5}">
-                      <a16:colId xmlns:a16="http://schemas.microsoft.com/office/drawing/2014/main" xmlns="" val="20003"/>
+                      <a16:colId xmlns="" xmlns:a16="http://schemas.microsoft.com/office/drawing/2014/main" val="20003"/>
                     </a:ext>
                   </a:extLst>
                 </a:gridCol>
@@ -19268,7 +19240,7 @@
                 </a:tc>
                 <a:extLst>
                   <a:ext uri="{0D108BD9-81ED-4DB2-BD59-A6C34878D82A}">
-                    <a16:rowId xmlns:a16="http://schemas.microsoft.com/office/drawing/2014/main" xmlns="" val="3277355946"/>
+                    <a16:rowId xmlns="" xmlns:a16="http://schemas.microsoft.com/office/drawing/2014/main" val="3277355946"/>
                   </a:ext>
                 </a:extLst>
               </a:tr>
@@ -19407,7 +19379,7 @@
                 </a:tc>
                 <a:extLst>
                   <a:ext uri="{0D108BD9-81ED-4DB2-BD59-A6C34878D82A}">
-                    <a16:rowId xmlns:a16="http://schemas.microsoft.com/office/drawing/2014/main" xmlns="" val="10000"/>
+                    <a16:rowId xmlns="" xmlns:a16="http://schemas.microsoft.com/office/drawing/2014/main" val="10000"/>
                   </a:ext>
                 </a:extLst>
               </a:tr>
@@ -19534,7 +19506,7 @@
                 </a:tc>
                 <a:extLst>
                   <a:ext uri="{0D108BD9-81ED-4DB2-BD59-A6C34878D82A}">
-                    <a16:rowId xmlns:a16="http://schemas.microsoft.com/office/drawing/2014/main" xmlns="" val="10001"/>
+                    <a16:rowId xmlns="" xmlns:a16="http://schemas.microsoft.com/office/drawing/2014/main" val="10001"/>
                   </a:ext>
                 </a:extLst>
               </a:tr>
@@ -19619,35 +19591,35 @@
                 <a:gridCol w="875899">
                   <a:extLst>
                     <a:ext uri="{9D8B030D-6E8A-4147-A177-3AD203B41FA5}">
-                      <a16:colId xmlns:a16="http://schemas.microsoft.com/office/drawing/2014/main" xmlns="" val="20000"/>
+                      <a16:colId xmlns="" xmlns:a16="http://schemas.microsoft.com/office/drawing/2014/main" val="20000"/>
                     </a:ext>
                   </a:extLst>
                 </a:gridCol>
                 <a:gridCol w="752776">
                   <a:extLst>
                     <a:ext uri="{9D8B030D-6E8A-4147-A177-3AD203B41FA5}">
-                      <a16:colId xmlns:a16="http://schemas.microsoft.com/office/drawing/2014/main" xmlns="" val="20001"/>
+                      <a16:colId xmlns="" xmlns:a16="http://schemas.microsoft.com/office/drawing/2014/main" val="20001"/>
                     </a:ext>
                   </a:extLst>
                 </a:gridCol>
                 <a:gridCol w="861060">
                   <a:extLst>
                     <a:ext uri="{9D8B030D-6E8A-4147-A177-3AD203B41FA5}">
-                      <a16:colId xmlns:a16="http://schemas.microsoft.com/office/drawing/2014/main" xmlns="" val="20002"/>
+                      <a16:colId xmlns="" xmlns:a16="http://schemas.microsoft.com/office/drawing/2014/main" val="20002"/>
                     </a:ext>
                   </a:extLst>
                 </a:gridCol>
                 <a:gridCol w="899160">
                   <a:extLst>
                     <a:ext uri="{9D8B030D-6E8A-4147-A177-3AD203B41FA5}">
-                      <a16:colId xmlns:a16="http://schemas.microsoft.com/office/drawing/2014/main" xmlns="" val="20003"/>
+                      <a16:colId xmlns="" xmlns:a16="http://schemas.microsoft.com/office/drawing/2014/main" val="20003"/>
                     </a:ext>
                   </a:extLst>
                 </a:gridCol>
                 <a:gridCol w="990600">
                   <a:extLst>
                     <a:ext uri="{9D8B030D-6E8A-4147-A177-3AD203B41FA5}">
-                      <a16:colId xmlns:a16="http://schemas.microsoft.com/office/drawing/2014/main" xmlns="" val="20004"/>
+                      <a16:colId xmlns="" xmlns:a16="http://schemas.microsoft.com/office/drawing/2014/main" val="20004"/>
                     </a:ext>
                   </a:extLst>
                 </a:gridCol>
@@ -19895,7 +19867,7 @@
                 </a:tc>
                 <a:extLst>
                   <a:ext uri="{0D108BD9-81ED-4DB2-BD59-A6C34878D82A}">
-                    <a16:rowId xmlns:a16="http://schemas.microsoft.com/office/drawing/2014/main" xmlns="" val="2278183065"/>
+                    <a16:rowId xmlns="" xmlns:a16="http://schemas.microsoft.com/office/drawing/2014/main" val="2278183065"/>
                   </a:ext>
                 </a:extLst>
               </a:tr>
@@ -20042,7 +20014,7 @@
                 </a:tc>
                 <a:extLst>
                   <a:ext uri="{0D108BD9-81ED-4DB2-BD59-A6C34878D82A}">
-                    <a16:rowId xmlns:a16="http://schemas.microsoft.com/office/drawing/2014/main" xmlns="" val="10001"/>
+                    <a16:rowId xmlns="" xmlns:a16="http://schemas.microsoft.com/office/drawing/2014/main" val="10001"/>
                   </a:ext>
                 </a:extLst>
               </a:tr>
@@ -20072,7 +20044,7 @@
           <a:graphicData uri="http://schemas.openxmlformats.org/presentationml/2006/ole">
             <mc:AlternateContent xmlns:mc="http://schemas.openxmlformats.org/markup-compatibility/2006">
               <mc:Choice xmlns:v="urn:schemas-microsoft-com:vml" Requires="v">
-                <p:oleObj spid="_x0000_s52369" name="Формула" r:id="rId3" imgW="266400" imgH="228600" progId="Equation.3">
+                <p:oleObj spid="_x0000_s52372" name="Формула" r:id="rId3" imgW="266400" imgH="228600" progId="Equation.3">
                   <p:embed/>
                 </p:oleObj>
               </mc:Choice>
@@ -20134,7 +20106,7 @@
           <a:graphicData uri="http://schemas.openxmlformats.org/presentationml/2006/ole">
             <mc:AlternateContent xmlns:mc="http://schemas.openxmlformats.org/markup-compatibility/2006">
               <mc:Choice xmlns:v="urn:schemas-microsoft-com:vml" Requires="v">
-                <p:oleObj spid="_x0000_s52370" name="Формула" r:id="rId5" imgW="558720" imgH="228600" progId="Equation.3">
+                <p:oleObj spid="_x0000_s52373" name="Формула" r:id="rId5" imgW="558720" imgH="228600" progId="Equation.3">
                   <p:embed/>
                 </p:oleObj>
               </mc:Choice>
@@ -20196,7 +20168,7 @@
           <a:graphicData uri="http://schemas.openxmlformats.org/presentationml/2006/ole">
             <mc:AlternateContent xmlns:mc="http://schemas.openxmlformats.org/markup-compatibility/2006">
               <mc:Choice xmlns:v="urn:schemas-microsoft-com:vml" Requires="v">
-                <p:oleObj spid="_x0000_s52371" name="Формула" r:id="rId7" imgW="330057" imgH="203112" progId="">
+                <p:oleObj spid="_x0000_s52374" name="Формула" r:id="rId7" imgW="330057" imgH="203112" progId="">
                   <p:embed/>
                 </p:oleObj>
               </mc:Choice>
@@ -22809,49 +22781,49 @@
                 <a:gridCol w="885562">
                   <a:extLst>
                     <a:ext uri="{9D8B030D-6E8A-4147-A177-3AD203B41FA5}">
-                      <a16:colId xmlns:a16="http://schemas.microsoft.com/office/drawing/2014/main" xmlns="" val="20000"/>
+                      <a16:colId xmlns="" xmlns:a16="http://schemas.microsoft.com/office/drawing/2014/main" val="20000"/>
                     </a:ext>
                   </a:extLst>
                 </a:gridCol>
                 <a:gridCol w="1016848">
                   <a:extLst>
                     <a:ext uri="{9D8B030D-6E8A-4147-A177-3AD203B41FA5}">
-                      <a16:colId xmlns:a16="http://schemas.microsoft.com/office/drawing/2014/main" xmlns="" val="20001"/>
+                      <a16:colId xmlns="" xmlns:a16="http://schemas.microsoft.com/office/drawing/2014/main" val="20001"/>
                     </a:ext>
                   </a:extLst>
                 </a:gridCol>
                 <a:gridCol w="844766">
                   <a:extLst>
                     <a:ext uri="{9D8B030D-6E8A-4147-A177-3AD203B41FA5}">
-                      <a16:colId xmlns:a16="http://schemas.microsoft.com/office/drawing/2014/main" xmlns="" val="20002"/>
+                      <a16:colId xmlns="" xmlns:a16="http://schemas.microsoft.com/office/drawing/2014/main" val="20002"/>
                     </a:ext>
                   </a:extLst>
                 </a:gridCol>
                 <a:gridCol w="790012">
                   <a:extLst>
                     <a:ext uri="{9D8B030D-6E8A-4147-A177-3AD203B41FA5}">
-                      <a16:colId xmlns:a16="http://schemas.microsoft.com/office/drawing/2014/main" xmlns="" val="20003"/>
+                      <a16:colId xmlns="" xmlns:a16="http://schemas.microsoft.com/office/drawing/2014/main" val="20003"/>
                     </a:ext>
                   </a:extLst>
                 </a:gridCol>
                 <a:gridCol w="915163">
                   <a:extLst>
                     <a:ext uri="{9D8B030D-6E8A-4147-A177-3AD203B41FA5}">
-                      <a16:colId xmlns:a16="http://schemas.microsoft.com/office/drawing/2014/main" xmlns="" val="20004"/>
+                      <a16:colId xmlns="" xmlns:a16="http://schemas.microsoft.com/office/drawing/2014/main" val="20004"/>
                     </a:ext>
                   </a:extLst>
                 </a:gridCol>
                 <a:gridCol w="797834">
                   <a:extLst>
                     <a:ext uri="{9D8B030D-6E8A-4147-A177-3AD203B41FA5}">
-                      <a16:colId xmlns:a16="http://schemas.microsoft.com/office/drawing/2014/main" xmlns="" val="20006"/>
+                      <a16:colId xmlns="" xmlns:a16="http://schemas.microsoft.com/office/drawing/2014/main" val="20006"/>
                     </a:ext>
                   </a:extLst>
                 </a:gridCol>
                 <a:gridCol w="841243">
                   <a:extLst>
                     <a:ext uri="{9D8B030D-6E8A-4147-A177-3AD203B41FA5}">
-                      <a16:colId xmlns:a16="http://schemas.microsoft.com/office/drawing/2014/main" xmlns="" val="20005"/>
+                      <a16:colId xmlns="" xmlns:a16="http://schemas.microsoft.com/office/drawing/2014/main" val="20005"/>
                     </a:ext>
                   </a:extLst>
                 </a:gridCol>
@@ -23066,7 +23038,7 @@
                 </a:tc>
                 <a:extLst>
                   <a:ext uri="{0D108BD9-81ED-4DB2-BD59-A6C34878D82A}">
-                    <a16:rowId xmlns:a16="http://schemas.microsoft.com/office/drawing/2014/main" xmlns="" val="10000"/>
+                    <a16:rowId xmlns="" xmlns:a16="http://schemas.microsoft.com/office/drawing/2014/main" val="10000"/>
                   </a:ext>
                 </a:extLst>
               </a:tr>
@@ -23251,7 +23223,7 @@
                 </a:tc>
                 <a:extLst>
                   <a:ext uri="{0D108BD9-81ED-4DB2-BD59-A6C34878D82A}">
-                    <a16:rowId xmlns:a16="http://schemas.microsoft.com/office/drawing/2014/main" xmlns="" val="10001"/>
+                    <a16:rowId xmlns="" xmlns:a16="http://schemas.microsoft.com/office/drawing/2014/main" val="10001"/>
                   </a:ext>
                 </a:extLst>
               </a:tr>
@@ -23396,7 +23368,7 @@
                 </a:tc>
                 <a:extLst>
                   <a:ext uri="{0D108BD9-81ED-4DB2-BD59-A6C34878D82A}">
-                    <a16:rowId xmlns:a16="http://schemas.microsoft.com/office/drawing/2014/main" xmlns="" val="10002"/>
+                    <a16:rowId xmlns="" xmlns:a16="http://schemas.microsoft.com/office/drawing/2014/main" val="10002"/>
                   </a:ext>
                 </a:extLst>
               </a:tr>
@@ -23617,7 +23589,7 @@
                 </a:tc>
                 <a:extLst>
                   <a:ext uri="{0D108BD9-81ED-4DB2-BD59-A6C34878D82A}">
-                    <a16:rowId xmlns:a16="http://schemas.microsoft.com/office/drawing/2014/main" xmlns="" val="10004"/>
+                    <a16:rowId xmlns="" xmlns:a16="http://schemas.microsoft.com/office/drawing/2014/main" val="10004"/>
                   </a:ext>
                 </a:extLst>
               </a:tr>
@@ -23770,7 +23742,7 @@
                 </a:tc>
                 <a:extLst>
                   <a:ext uri="{0D108BD9-81ED-4DB2-BD59-A6C34878D82A}">
-                    <a16:rowId xmlns:a16="http://schemas.microsoft.com/office/drawing/2014/main" xmlns="" val="10005"/>
+                    <a16:rowId xmlns="" xmlns:a16="http://schemas.microsoft.com/office/drawing/2014/main" val="10005"/>
                   </a:ext>
                 </a:extLst>
               </a:tr>
@@ -23943,7 +23915,7 @@
                 </a:tc>
                 <a:extLst>
                   <a:ext uri="{0D108BD9-81ED-4DB2-BD59-A6C34878D82A}">
-                    <a16:rowId xmlns:a16="http://schemas.microsoft.com/office/drawing/2014/main" xmlns="" val="10007"/>
+                    <a16:rowId xmlns="" xmlns:a16="http://schemas.microsoft.com/office/drawing/2014/main" val="10007"/>
                   </a:ext>
                 </a:extLst>
               </a:tr>
@@ -24101,7 +24073,7 @@
                 </a:tc>
                 <a:extLst>
                   <a:ext uri="{0D108BD9-81ED-4DB2-BD59-A6C34878D82A}">
-                    <a16:rowId xmlns:a16="http://schemas.microsoft.com/office/drawing/2014/main" xmlns="" val="10008"/>
+                    <a16:rowId xmlns="" xmlns:a16="http://schemas.microsoft.com/office/drawing/2014/main" val="10008"/>
                   </a:ext>
                 </a:extLst>
               </a:tr>
@@ -27317,7 +27289,7 @@
           <a:graphicData uri="http://schemas.openxmlformats.org/presentationml/2006/ole">
             <mc:AlternateContent xmlns:mc="http://schemas.openxmlformats.org/markup-compatibility/2006">
               <mc:Choice xmlns:v="urn:schemas-microsoft-com:vml" Requires="v">
-                <p:oleObj spid="_x0000_s50538" name="Формула" r:id="rId3" imgW="317160" imgH="164880" progId="Equation.3">
+                <p:oleObj spid="_x0000_s50554" name="Формула" r:id="rId3" imgW="317160" imgH="164880" progId="Equation.3">
                   <p:embed/>
                 </p:oleObj>
               </mc:Choice>
@@ -27387,7 +27359,7 @@
           <a:graphicData uri="http://schemas.openxmlformats.org/presentationml/2006/ole">
             <mc:AlternateContent xmlns:mc="http://schemas.openxmlformats.org/markup-compatibility/2006">
               <mc:Choice xmlns:v="urn:schemas-microsoft-com:vml" Requires="v">
-                <p:oleObj spid="_x0000_s50539" name="Формула" r:id="rId5" imgW="1307880" imgH="241200" progId="Equation.3">
+                <p:oleObj spid="_x0000_s50555" name="Формула" r:id="rId5" imgW="1307880" imgH="241200" progId="Equation.3">
                   <p:embed/>
                 </p:oleObj>
               </mc:Choice>
@@ -27457,7 +27429,7 @@
           <a:graphicData uri="http://schemas.openxmlformats.org/presentationml/2006/ole">
             <mc:AlternateContent xmlns:mc="http://schemas.openxmlformats.org/markup-compatibility/2006">
               <mc:Choice xmlns:v="urn:schemas-microsoft-com:vml" Requires="v">
-                <p:oleObj spid="_x0000_s50540" name="Формула" r:id="rId7" imgW="596880" imgH="431640" progId="Equation.3">
+                <p:oleObj spid="_x0000_s50556" name="Формула" r:id="rId7" imgW="596880" imgH="431640" progId="Equation.3">
                   <p:embed/>
                 </p:oleObj>
               </mc:Choice>
@@ -27527,7 +27499,7 @@
           <a:graphicData uri="http://schemas.openxmlformats.org/presentationml/2006/ole">
             <mc:AlternateContent xmlns:mc="http://schemas.openxmlformats.org/markup-compatibility/2006">
               <mc:Choice xmlns:v="urn:schemas-microsoft-com:vml" Requires="v">
-                <p:oleObj spid="_x0000_s50541" name="Формула" r:id="rId9" imgW="1028520" imgH="431640" progId="Equation.3">
+                <p:oleObj spid="_x0000_s50557" name="Формула" r:id="rId9" imgW="1028520" imgH="431640" progId="Equation.3">
                   <p:embed/>
                 </p:oleObj>
               </mc:Choice>
@@ -27597,7 +27569,7 @@
           <a:graphicData uri="http://schemas.openxmlformats.org/presentationml/2006/ole">
             <mc:AlternateContent xmlns:mc="http://schemas.openxmlformats.org/markup-compatibility/2006">
               <mc:Choice xmlns:v="urn:schemas-microsoft-com:vml" Requires="v">
-                <p:oleObj spid="_x0000_s50542" name="Формула" r:id="rId11" imgW="1282680" imgH="228600" progId="Equation.3">
+                <p:oleObj spid="_x0000_s50558" name="Формула" r:id="rId11" imgW="1282680" imgH="228600" progId="Equation.3">
                   <p:embed/>
                 </p:oleObj>
               </mc:Choice>
@@ -27667,7 +27639,7 @@
           <a:graphicData uri="http://schemas.openxmlformats.org/presentationml/2006/ole">
             <mc:AlternateContent xmlns:mc="http://schemas.openxmlformats.org/markup-compatibility/2006">
               <mc:Choice xmlns:v="urn:schemas-microsoft-com:vml" Requires="v">
-                <p:oleObj spid="_x0000_s50543" name="Формула" r:id="rId13" imgW="1130040" imgH="431640" progId="Equation.3">
+                <p:oleObj spid="_x0000_s50559" name="Формула" r:id="rId13" imgW="1130040" imgH="431640" progId="Equation.3">
                   <p:embed/>
                 </p:oleObj>
               </mc:Choice>
@@ -27737,7 +27709,7 @@
           <a:graphicData uri="http://schemas.openxmlformats.org/presentationml/2006/ole">
             <mc:AlternateContent xmlns:mc="http://schemas.openxmlformats.org/markup-compatibility/2006">
               <mc:Choice xmlns:v="urn:schemas-microsoft-com:vml" Requires="v">
-                <p:oleObj spid="_x0000_s50544" name="Формула" r:id="rId15" imgW="1447560" imgH="495000" progId="Equation.3">
+                <p:oleObj spid="_x0000_s50560" name="Формула" r:id="rId15" imgW="1447560" imgH="495000" progId="Equation.3">
                   <p:embed/>
                 </p:oleObj>
               </mc:Choice>
@@ -27807,7 +27779,7 @@
           <a:graphicData uri="http://schemas.openxmlformats.org/presentationml/2006/ole">
             <mc:AlternateContent xmlns:mc="http://schemas.openxmlformats.org/markup-compatibility/2006">
               <mc:Choice xmlns:v="urn:schemas-microsoft-com:vml" Requires="v">
-                <p:oleObj spid="_x0000_s50545" name="Формула" r:id="rId17" imgW="749160" imgH="241200" progId="Equation.3">
+                <p:oleObj spid="_x0000_s50561" name="Формула" r:id="rId17" imgW="749160" imgH="241200" progId="Equation.3">
                   <p:embed/>
                 </p:oleObj>
               </mc:Choice>
@@ -27877,7 +27849,7 @@
           <a:graphicData uri="http://schemas.openxmlformats.org/presentationml/2006/ole">
             <mc:AlternateContent xmlns:mc="http://schemas.openxmlformats.org/markup-compatibility/2006">
               <mc:Choice xmlns:v="urn:schemas-microsoft-com:vml" Requires="v">
-                <p:oleObj spid="_x0000_s50546" name="Формула" r:id="rId19" imgW="1206360" imgH="241200" progId="Equation.3">
+                <p:oleObj spid="_x0000_s50562" name="Формула" r:id="rId19" imgW="1206360" imgH="241200" progId="Equation.3">
                   <p:embed/>
                 </p:oleObj>
               </mc:Choice>
@@ -27947,7 +27919,7 @@
           <a:graphicData uri="http://schemas.openxmlformats.org/presentationml/2006/ole">
             <mc:AlternateContent xmlns:mc="http://schemas.openxmlformats.org/markup-compatibility/2006">
               <mc:Choice xmlns:v="urn:schemas-microsoft-com:vml" Requires="v">
-                <p:oleObj spid="_x0000_s50547" name="Формула" r:id="rId21" imgW="634680" imgH="393480" progId="Equation.3">
+                <p:oleObj spid="_x0000_s50563" name="Формула" r:id="rId21" imgW="634680" imgH="393480" progId="Equation.3">
                   <p:embed/>
                 </p:oleObj>
               </mc:Choice>
@@ -28017,7 +27989,7 @@
           <a:graphicData uri="http://schemas.openxmlformats.org/presentationml/2006/ole">
             <mc:AlternateContent xmlns:mc="http://schemas.openxmlformats.org/markup-compatibility/2006">
               <mc:Choice xmlns:v="urn:schemas-microsoft-com:vml" Requires="v">
-                <p:oleObj spid="_x0000_s50548" name="Уравнение" r:id="rId23" imgW="4356000" imgH="482400" progId="Equation.3">
+                <p:oleObj spid="_x0000_s50564" name="Уравнение" r:id="rId23" imgW="4356000" imgH="482400" progId="Equation.3">
                   <p:embed/>
                 </p:oleObj>
               </mc:Choice>
@@ -28087,7 +28059,7 @@
           <a:graphicData uri="http://schemas.openxmlformats.org/presentationml/2006/ole">
             <mc:AlternateContent xmlns:mc="http://schemas.openxmlformats.org/markup-compatibility/2006">
               <mc:Choice xmlns:v="urn:schemas-microsoft-com:vml" Requires="v">
-                <p:oleObj spid="_x0000_s50549" name="Формула" r:id="rId25" imgW="2946240" imgH="431640" progId="Equation.3">
+                <p:oleObj spid="_x0000_s50565" name="Формула" r:id="rId25" imgW="2946240" imgH="431640" progId="Equation.3">
                   <p:embed/>
                 </p:oleObj>
               </mc:Choice>
@@ -29242,7 +29214,7 @@
           <a:graphicData uri="http://schemas.openxmlformats.org/presentationml/2006/ole">
             <mc:AlternateContent xmlns:mc="http://schemas.openxmlformats.org/markup-compatibility/2006">
               <mc:Choice xmlns:v="urn:schemas-microsoft-com:vml" Requires="v">
-                <p:oleObj spid="_x0000_s50550" name="Picture" r:id="rId27" imgW="5861465" imgH="2543447" progId="Word.Picture.8">
+                <p:oleObj spid="_x0000_s50566" name="Picture" r:id="rId27" imgW="5861465" imgH="2543447" progId="Word.Picture.8">
                   <p:embed/>
                 </p:oleObj>
               </mc:Choice>
@@ -29474,7 +29446,7 @@
           <a:graphicData uri="http://schemas.openxmlformats.org/presentationml/2006/ole">
             <mc:AlternateContent xmlns:mc="http://schemas.openxmlformats.org/markup-compatibility/2006">
               <mc:Choice xmlns:v="urn:schemas-microsoft-com:vml" Requires="v">
-                <p:oleObj spid="_x0000_s50551" name="Уравнение" r:id="rId29" imgW="3593880" imgH="965160" progId="Equation.3">
+                <p:oleObj spid="_x0000_s50567" name="Уравнение" r:id="rId29" imgW="3593880" imgH="965160" progId="Equation.3">
                   <p:embed/>
                 </p:oleObj>
               </mc:Choice>
@@ -29544,7 +29516,7 @@
           <a:graphicData uri="http://schemas.openxmlformats.org/presentationml/2006/ole">
             <mc:AlternateContent xmlns:mc="http://schemas.openxmlformats.org/markup-compatibility/2006">
               <mc:Choice xmlns:v="urn:schemas-microsoft-com:vml" Requires="v">
-                <p:oleObj spid="_x0000_s50552" name="Уравнение" r:id="rId31" imgW="1739880" imgH="241200" progId="Equation.3">
+                <p:oleObj spid="_x0000_s50568" name="Уравнение" r:id="rId31" imgW="1739880" imgH="241200" progId="Equation.3">
                   <p:embed/>
                 </p:oleObj>
               </mc:Choice>
@@ -29614,7 +29586,7 @@
           <a:graphicData uri="http://schemas.openxmlformats.org/presentationml/2006/ole">
             <mc:AlternateContent xmlns:mc="http://schemas.openxmlformats.org/markup-compatibility/2006">
               <mc:Choice xmlns:v="urn:schemas-microsoft-com:vml" Requires="v">
-                <p:oleObj spid="_x0000_s50553" name="Уравнение" r:id="rId33" imgW="1130040" imgH="393480" progId="Equation.3">
+                <p:oleObj spid="_x0000_s50569" name="Уравнение" r:id="rId33" imgW="1130040" imgH="393480" progId="Equation.3">
                   <p:embed/>
                 </p:oleObj>
               </mc:Choice>
@@ -31526,7 +31498,7 @@
           <a:graphicData uri="http://schemas.openxmlformats.org/presentationml/2006/ole">
             <mc:AlternateContent xmlns:mc="http://schemas.openxmlformats.org/markup-compatibility/2006">
               <mc:Choice xmlns:v="urn:schemas-microsoft-com:vml" Requires="v">
-                <p:oleObj spid="_x0000_s51460" name="Формула" r:id="rId3" imgW="545760" imgH="241200" progId="Equation.3">
+                <p:oleObj spid="_x0000_s51470" name="Формула" r:id="rId3" imgW="545760" imgH="241200" progId="Equation.3">
                   <p:embed/>
                 </p:oleObj>
               </mc:Choice>
@@ -31821,7 +31793,7 @@
           <a:graphicData uri="http://schemas.openxmlformats.org/presentationml/2006/ole">
             <mc:AlternateContent xmlns:mc="http://schemas.openxmlformats.org/markup-compatibility/2006">
               <mc:Choice xmlns:v="urn:schemas-microsoft-com:vml" Requires="v">
-                <p:oleObj spid="_x0000_s51461" name="Формула" r:id="rId5" imgW="1485720" imgH="609480" progId="Equation.3">
+                <p:oleObj spid="_x0000_s51471" name="Формула" r:id="rId5" imgW="1485720" imgH="609480" progId="Equation.3">
                   <p:embed/>
                 </p:oleObj>
               </mc:Choice>
@@ -31891,7 +31863,7 @@
           <a:graphicData uri="http://schemas.openxmlformats.org/presentationml/2006/ole">
             <mc:AlternateContent xmlns:mc="http://schemas.openxmlformats.org/markup-compatibility/2006">
               <mc:Choice xmlns:v="urn:schemas-microsoft-com:vml" Requires="v">
-                <p:oleObj spid="_x0000_s51462" name="Документ" r:id="rId7" imgW="5046662" imgH="2540557" progId="Word.Document.12">
+                <p:oleObj spid="_x0000_s51472" name="Документ" r:id="rId7" imgW="5046662" imgH="2540557" progId="Word.Document.12">
                   <p:embed/>
                 </p:oleObj>
               </mc:Choice>
@@ -32015,7 +31987,7 @@
           <a:graphicData uri="http://schemas.openxmlformats.org/presentationml/2006/ole">
             <mc:AlternateContent xmlns:mc="http://schemas.openxmlformats.org/markup-compatibility/2006">
               <mc:Choice xmlns:v="urn:schemas-microsoft-com:vml" Requires="v">
-                <p:oleObj spid="_x0000_s51463" name="Формула" r:id="rId9" imgW="1307880" imgH="482400" progId="Equation.3">
+                <p:oleObj spid="_x0000_s51473" name="Формула" r:id="rId9" imgW="1307880" imgH="482400" progId="Equation.3">
                   <p:embed/>
                 </p:oleObj>
               </mc:Choice>
@@ -32189,7 +32161,7 @@
           <a:graphicData uri="http://schemas.openxmlformats.org/presentationml/2006/ole">
             <mc:AlternateContent xmlns:mc="http://schemas.openxmlformats.org/markup-compatibility/2006">
               <mc:Choice xmlns:v="urn:schemas-microsoft-com:vml" Requires="v">
-                <p:oleObj spid="_x0000_s51464" name="Формула" r:id="rId11" imgW="1726920" imgH="266400" progId="Equation.3">
+                <p:oleObj spid="_x0000_s51474" name="Формула" r:id="rId11" imgW="1726920" imgH="266400" progId="Equation.3">
                   <p:embed/>
                 </p:oleObj>
               </mc:Choice>
@@ -32259,7 +32231,7 @@
           <a:graphicData uri="http://schemas.openxmlformats.org/presentationml/2006/ole">
             <mc:AlternateContent xmlns:mc="http://schemas.openxmlformats.org/markup-compatibility/2006">
               <mc:Choice xmlns:v="urn:schemas-microsoft-com:vml" Requires="v">
-                <p:oleObj spid="_x0000_s51465" name="Формула" r:id="rId13" imgW="2044440" imgH="520560" progId="Equation.3">
+                <p:oleObj spid="_x0000_s51475" name="Формула" r:id="rId13" imgW="2044440" imgH="520560" progId="Equation.3">
                   <p:embed/>
                 </p:oleObj>
               </mc:Choice>
@@ -32329,7 +32301,7 @@
           <a:graphicData uri="http://schemas.openxmlformats.org/presentationml/2006/ole">
             <mc:AlternateContent xmlns:mc="http://schemas.openxmlformats.org/markup-compatibility/2006">
               <mc:Choice xmlns:v="urn:schemas-microsoft-com:vml" Requires="v">
-                <p:oleObj spid="_x0000_s51466" name="Формула" r:id="rId15" imgW="1041120" imgH="444240" progId="Equation.3">
+                <p:oleObj spid="_x0000_s51476" name="Формула" r:id="rId15" imgW="1041120" imgH="444240" progId="Equation.3">
                   <p:embed/>
                 </p:oleObj>
               </mc:Choice>
@@ -32399,7 +32371,7 @@
           <a:graphicData uri="http://schemas.openxmlformats.org/presentationml/2006/ole">
             <mc:AlternateContent xmlns:mc="http://schemas.openxmlformats.org/markup-compatibility/2006">
               <mc:Choice xmlns:v="urn:schemas-microsoft-com:vml" Requires="v">
-                <p:oleObj spid="_x0000_s51467" name="Формула" r:id="rId17" imgW="2501640" imgH="533160" progId="Equation.3">
+                <p:oleObj spid="_x0000_s51477" name="Формула" r:id="rId17" imgW="2501640" imgH="533160" progId="Equation.3">
                   <p:embed/>
                 </p:oleObj>
               </mc:Choice>
@@ -33320,7 +33292,7 @@
           <a:graphicData uri="http://schemas.openxmlformats.org/presentationml/2006/ole">
             <mc:AlternateContent xmlns:mc="http://schemas.openxmlformats.org/markup-compatibility/2006">
               <mc:Choice xmlns:v="urn:schemas-microsoft-com:vml" Requires="v">
-                <p:oleObj spid="_x0000_s51468" name="Формула" r:id="rId19" imgW="698400" imgH="241200" progId="Equation.3">
+                <p:oleObj spid="_x0000_s51478" name="Формула" r:id="rId19" imgW="698400" imgH="241200" progId="Equation.3">
                   <p:embed/>
                 </p:oleObj>
               </mc:Choice>
@@ -33390,7 +33362,7 @@
           <a:graphicData uri="http://schemas.openxmlformats.org/presentationml/2006/ole">
             <mc:AlternateContent xmlns:mc="http://schemas.openxmlformats.org/markup-compatibility/2006">
               <mc:Choice xmlns:v="urn:schemas-microsoft-com:vml" Requires="v">
-                <p:oleObj spid="_x0000_s51469" name="Формула" r:id="rId21" imgW="825480" imgH="330120" progId="Equation.3">
+                <p:oleObj spid="_x0000_s51479" name="Формула" r:id="rId21" imgW="825480" imgH="330120" progId="Equation.3">
                   <p:embed/>
                 </p:oleObj>
               </mc:Choice>
@@ -34486,7 +34458,7 @@
           <a:graphicData uri="http://schemas.openxmlformats.org/presentationml/2006/ole">
             <mc:AlternateContent xmlns:mc="http://schemas.openxmlformats.org/markup-compatibility/2006">
               <mc:Choice xmlns:v="urn:schemas-microsoft-com:vml" Requires="v">
-                <p:oleObj spid="_x0000_s45769" name="Формула" r:id="rId3" imgW="1409400" imgH="215640" progId="Equation.3">
+                <p:oleObj spid="_x0000_s45771" name="Формула" r:id="rId3" imgW="1409400" imgH="215640" progId="Equation.3">
                   <p:embed/>
                 </p:oleObj>
               </mc:Choice>
@@ -34543,7 +34515,7 @@
           <a:graphicData uri="http://schemas.openxmlformats.org/presentationml/2006/ole">
             <mc:AlternateContent xmlns:mc="http://schemas.openxmlformats.org/markup-compatibility/2006">
               <mc:Choice xmlns:v="urn:schemas-microsoft-com:vml" Requires="v">
-                <p:oleObj spid="_x0000_s45770" name="Уравнение" r:id="rId5" imgW="1079280" imgH="241200" progId="Equation.3">
+                <p:oleObj spid="_x0000_s45772" name="Уравнение" r:id="rId5" imgW="1079280" imgH="241200" progId="Equation.3">
                   <p:embed/>
                 </p:oleObj>
               </mc:Choice>
@@ -35067,14 +35039,14 @@
                     <a:gridCol w="2307912">
                       <a:extLst>
                         <a:ext uri="{9D8B030D-6E8A-4147-A177-3AD203B41FA5}">
-                          <a16:colId xmlns:a16="http://schemas.microsoft.com/office/drawing/2014/main" xmlns="" val="20000"/>
+                          <a16:colId xmlns="" xmlns:a16="http://schemas.microsoft.com/office/drawing/2014/main" val="20000"/>
                         </a:ext>
                       </a:extLst>
                     </a:gridCol>
                     <a:gridCol w="1391700">
                       <a:extLst>
                         <a:ext uri="{9D8B030D-6E8A-4147-A177-3AD203B41FA5}">
-                          <a16:colId xmlns:a16="http://schemas.microsoft.com/office/drawing/2014/main" xmlns="" val="20001"/>
+                          <a16:colId xmlns="" xmlns:a16="http://schemas.microsoft.com/office/drawing/2014/main" val="20001"/>
                         </a:ext>
                       </a:extLst>
                     </a:gridCol>
@@ -35124,7 +35096,7 @@
                     </a:tc>
                     <a:extLst>
                       <a:ext uri="{0D108BD9-81ED-4DB2-BD59-A6C34878D82A}">
-                        <a16:rowId xmlns:a16="http://schemas.microsoft.com/office/drawing/2014/main" xmlns="" val="10000"/>
+                        <a16:rowId xmlns="" xmlns:a16="http://schemas.microsoft.com/office/drawing/2014/main" val="10000"/>
                       </a:ext>
                     </a:extLst>
                   </a:tr>
@@ -35199,7 +35171,7 @@
                     </a:tc>
                     <a:extLst>
                       <a:ext uri="{0D108BD9-81ED-4DB2-BD59-A6C34878D82A}">
-                        <a16:rowId xmlns:a16="http://schemas.microsoft.com/office/drawing/2014/main" xmlns="" val="10001"/>
+                        <a16:rowId xmlns="" xmlns:a16="http://schemas.microsoft.com/office/drawing/2014/main" val="10001"/>
                       </a:ext>
                     </a:extLst>
                   </a:tr>
@@ -35284,7 +35256,7 @@
                     </a:tc>
                     <a:extLst>
                       <a:ext uri="{0D108BD9-81ED-4DB2-BD59-A6C34878D82A}">
-                        <a16:rowId xmlns:a16="http://schemas.microsoft.com/office/drawing/2014/main" xmlns="" val="10002"/>
+                        <a16:rowId xmlns="" xmlns:a16="http://schemas.microsoft.com/office/drawing/2014/main" val="10002"/>
                       </a:ext>
                     </a:extLst>
                   </a:tr>
@@ -35385,7 +35357,7 @@
                     </a:tc>
                     <a:extLst>
                       <a:ext uri="{0D108BD9-81ED-4DB2-BD59-A6C34878D82A}">
-                        <a16:rowId xmlns:a16="http://schemas.microsoft.com/office/drawing/2014/main" xmlns="" val="10003"/>
+                        <a16:rowId xmlns="" xmlns:a16="http://schemas.microsoft.com/office/drawing/2014/main" val="10003"/>
                       </a:ext>
                     </a:extLst>
                   </a:tr>
@@ -35443,7 +35415,7 @@
                     </a:tc>
                     <a:extLst>
                       <a:ext uri="{0D108BD9-81ED-4DB2-BD59-A6C34878D82A}">
-                        <a16:rowId xmlns:a16="http://schemas.microsoft.com/office/drawing/2014/main" xmlns="" val="10004"/>
+                        <a16:rowId xmlns="" xmlns:a16="http://schemas.microsoft.com/office/drawing/2014/main" val="10004"/>
                       </a:ext>
                     </a:extLst>
                   </a:tr>
@@ -35557,7 +35529,7 @@
                     </a:tc>
                     <a:extLst>
                       <a:ext uri="{0D108BD9-81ED-4DB2-BD59-A6C34878D82A}">
-                        <a16:rowId xmlns:a16="http://schemas.microsoft.com/office/drawing/2014/main" xmlns="" val="10005"/>
+                        <a16:rowId xmlns="" xmlns:a16="http://schemas.microsoft.com/office/drawing/2014/main" val="10005"/>
                       </a:ext>
                     </a:extLst>
                   </a:tr>
@@ -35613,7 +35585,7 @@
                     </a:tc>
                     <a:extLst>
                       <a:ext uri="{0D108BD9-81ED-4DB2-BD59-A6C34878D82A}">
-                        <a16:rowId xmlns:a16="http://schemas.microsoft.com/office/drawing/2014/main" xmlns="" val="10006"/>
+                        <a16:rowId xmlns="" xmlns:a16="http://schemas.microsoft.com/office/drawing/2014/main" val="10006"/>
                       </a:ext>
                     </a:extLst>
                   </a:tr>
@@ -36696,7 +36668,7 @@
           <a:graphicData uri="http://schemas.openxmlformats.org/presentationml/2006/ole">
             <mc:AlternateContent xmlns:mc="http://schemas.openxmlformats.org/markup-compatibility/2006">
               <mc:Choice xmlns:v="urn:schemas-microsoft-com:vml" Requires="v">
-                <p:oleObj spid="_x0000_s49062" name="Формула" r:id="rId3" imgW="2095200" imgH="228600" progId="Equation.3">
+                <p:oleObj spid="_x0000_s49080" name="Формула" r:id="rId3" imgW="2095200" imgH="228600" progId="Equation.3">
                   <p:embed/>
                 </p:oleObj>
               </mc:Choice>
@@ -36766,7 +36738,7 @@
           <a:graphicData uri="http://schemas.openxmlformats.org/presentationml/2006/ole">
             <mc:AlternateContent xmlns:mc="http://schemas.openxmlformats.org/markup-compatibility/2006">
               <mc:Choice xmlns:v="urn:schemas-microsoft-com:vml" Requires="v">
-                <p:oleObj spid="_x0000_s49063" name="Формула" r:id="rId5" imgW="736560" imgH="228600" progId="Equation.3">
+                <p:oleObj spid="_x0000_s49081" name="Формула" r:id="rId5" imgW="736560" imgH="228600" progId="Equation.3">
                   <p:embed/>
                 </p:oleObj>
               </mc:Choice>
@@ -37273,7 +37245,7 @@
           <a:graphicData uri="http://schemas.openxmlformats.org/presentationml/2006/ole">
             <mc:AlternateContent xmlns:mc="http://schemas.openxmlformats.org/markup-compatibility/2006">
               <mc:Choice xmlns:v="urn:schemas-microsoft-com:vml" Requires="v">
-                <p:oleObj spid="_x0000_s49064" name="Формула" r:id="rId7" imgW="1143000" imgH="228600" progId="Equation.3">
+                <p:oleObj spid="_x0000_s49082" name="Формула" r:id="rId7" imgW="1143000" imgH="228600" progId="Equation.3">
                   <p:embed/>
                 </p:oleObj>
               </mc:Choice>
@@ -37343,7 +37315,7 @@
           <a:graphicData uri="http://schemas.openxmlformats.org/presentationml/2006/ole">
             <mc:AlternateContent xmlns:mc="http://schemas.openxmlformats.org/markup-compatibility/2006">
               <mc:Choice xmlns:v="urn:schemas-microsoft-com:vml" Requires="v">
-                <p:oleObj spid="_x0000_s49065" name="Формула" r:id="rId9" imgW="812520" imgH="228600" progId="Equation.3">
+                <p:oleObj spid="_x0000_s49083" name="Формула" r:id="rId9" imgW="812520" imgH="228600" progId="Equation.3">
                   <p:embed/>
                 </p:oleObj>
               </mc:Choice>
@@ -37413,7 +37385,7 @@
           <a:graphicData uri="http://schemas.openxmlformats.org/presentationml/2006/ole">
             <mc:AlternateContent xmlns:mc="http://schemas.openxmlformats.org/markup-compatibility/2006">
               <mc:Choice xmlns:v="urn:schemas-microsoft-com:vml" Requires="v">
-                <p:oleObj spid="_x0000_s49066" name="Формула" r:id="rId11" imgW="253800" imgH="228600" progId="Equation.3">
+                <p:oleObj spid="_x0000_s49084" name="Формула" r:id="rId11" imgW="253800" imgH="228600" progId="Equation.3">
                   <p:embed/>
                 </p:oleObj>
               </mc:Choice>
@@ -37536,7 +37508,7 @@
           <a:graphicData uri="http://schemas.openxmlformats.org/presentationml/2006/ole">
             <mc:AlternateContent xmlns:mc="http://schemas.openxmlformats.org/markup-compatibility/2006">
               <mc:Choice xmlns:v="urn:schemas-microsoft-com:vml" Requires="v">
-                <p:oleObj spid="_x0000_s49067" name="Формула" r:id="rId13" imgW="241200" imgH="228600" progId="Equation.3">
+                <p:oleObj spid="_x0000_s49085" name="Формула" r:id="rId13" imgW="241200" imgH="228600" progId="Equation.3">
                   <p:embed/>
                 </p:oleObj>
               </mc:Choice>
@@ -37606,7 +37578,7 @@
           <a:graphicData uri="http://schemas.openxmlformats.org/presentationml/2006/ole">
             <mc:AlternateContent xmlns:mc="http://schemas.openxmlformats.org/markup-compatibility/2006">
               <mc:Choice xmlns:v="urn:schemas-microsoft-com:vml" Requires="v">
-                <p:oleObj spid="_x0000_s49068" name="Формула" r:id="rId15" imgW="1447560" imgH="482400" progId="Equation.3">
+                <p:oleObj spid="_x0000_s49086" name="Формула" r:id="rId15" imgW="1447560" imgH="482400" progId="Equation.3">
                   <p:embed/>
                 </p:oleObj>
               </mc:Choice>
@@ -37832,7 +37804,7 @@
           <a:graphicData uri="http://schemas.openxmlformats.org/presentationml/2006/ole">
             <mc:AlternateContent xmlns:mc="http://schemas.openxmlformats.org/markup-compatibility/2006">
               <mc:Choice xmlns:v="urn:schemas-microsoft-com:vml" Requires="v">
-                <p:oleObj spid="_x0000_s49069" name="Уравнение" r:id="rId17" imgW="1422360" imgH="241200" progId="Equation.3">
+                <p:oleObj spid="_x0000_s49087" name="Уравнение" r:id="rId17" imgW="1422360" imgH="241200" progId="Equation.3">
                   <p:embed/>
                 </p:oleObj>
               </mc:Choice>
@@ -37902,7 +37874,7 @@
           <a:graphicData uri="http://schemas.openxmlformats.org/presentationml/2006/ole">
             <mc:AlternateContent xmlns:mc="http://schemas.openxmlformats.org/markup-compatibility/2006">
               <mc:Choice xmlns:v="urn:schemas-microsoft-com:vml" Requires="v">
-                <p:oleObj spid="_x0000_s49070" name="Формула" r:id="rId19" imgW="1168200" imgH="266400" progId="Equation.3">
+                <p:oleObj spid="_x0000_s49088" name="Формула" r:id="rId19" imgW="1168200" imgH="266400" progId="Equation.3">
                   <p:embed/>
                 </p:oleObj>
               </mc:Choice>
@@ -37972,7 +37944,7 @@
           <a:graphicData uri="http://schemas.openxmlformats.org/presentationml/2006/ole">
             <mc:AlternateContent xmlns:mc="http://schemas.openxmlformats.org/markup-compatibility/2006">
               <mc:Choice xmlns:v="urn:schemas-microsoft-com:vml" Requires="v">
-                <p:oleObj spid="_x0000_s49071" name="Уравнение" r:id="rId21" imgW="330120" imgH="241200" progId="Equation.3">
+                <p:oleObj spid="_x0000_s49089" name="Уравнение" r:id="rId21" imgW="330120" imgH="241200" progId="Equation.3">
                   <p:embed/>
                 </p:oleObj>
               </mc:Choice>
@@ -38042,7 +38014,7 @@
           <a:graphicData uri="http://schemas.openxmlformats.org/presentationml/2006/ole">
             <mc:AlternateContent xmlns:mc="http://schemas.openxmlformats.org/markup-compatibility/2006">
               <mc:Choice xmlns:v="urn:schemas-microsoft-com:vml" Requires="v">
-                <p:oleObj spid="_x0000_s49072" name="Формула" r:id="rId23" imgW="850680" imgH="241200" progId="Equation.3">
+                <p:oleObj spid="_x0000_s49090" name="Формула" r:id="rId23" imgW="850680" imgH="241200" progId="Equation.3">
                   <p:embed/>
                 </p:oleObj>
               </mc:Choice>
@@ -38260,7 +38232,7 @@
           <a:graphicData uri="http://schemas.openxmlformats.org/presentationml/2006/ole">
             <mc:AlternateContent xmlns:mc="http://schemas.openxmlformats.org/markup-compatibility/2006">
               <mc:Choice xmlns:v="urn:schemas-microsoft-com:vml" Requires="v">
-                <p:oleObj spid="_x0000_s49073" name="Формула" r:id="rId25" imgW="3454200" imgH="253800" progId="Equation.3">
+                <p:oleObj spid="_x0000_s49091" name="Формула" r:id="rId25" imgW="3454200" imgH="253800" progId="Equation.3">
                   <p:embed/>
                 </p:oleObj>
               </mc:Choice>
@@ -38533,7 +38505,7 @@
           <a:graphicData uri="http://schemas.openxmlformats.org/presentationml/2006/ole">
             <mc:AlternateContent xmlns:mc="http://schemas.openxmlformats.org/markup-compatibility/2006">
               <mc:Choice xmlns:v="urn:schemas-microsoft-com:vml" Requires="v">
-                <p:oleObj spid="_x0000_s49074" name="Уравнение" r:id="rId28" imgW="1307880" imgH="431640" progId="Equation.3">
+                <p:oleObj spid="_x0000_s49092" name="Уравнение" r:id="rId28" imgW="1307880" imgH="431640" progId="Equation.3">
                   <p:embed/>
                 </p:oleObj>
               </mc:Choice>
@@ -38651,7 +38623,7 @@
           <a:graphicData uri="http://schemas.openxmlformats.org/presentationml/2006/ole">
             <mc:AlternateContent xmlns:mc="http://schemas.openxmlformats.org/markup-compatibility/2006">
               <mc:Choice xmlns:v="urn:schemas-microsoft-com:vml" Requires="v">
-                <p:oleObj spid="_x0000_s49075" name="Формула" r:id="rId30" imgW="1955520" imgH="393480" progId="Equation.3">
+                <p:oleObj spid="_x0000_s49093" name="Формула" r:id="rId30" imgW="1955520" imgH="393480" progId="Equation.3">
                   <p:embed/>
                 </p:oleObj>
               </mc:Choice>
@@ -38721,7 +38693,7 @@
           <a:graphicData uri="http://schemas.openxmlformats.org/presentationml/2006/ole">
             <mc:AlternateContent xmlns:mc="http://schemas.openxmlformats.org/markup-compatibility/2006">
               <mc:Choice xmlns:v="urn:schemas-microsoft-com:vml" Requires="v">
-                <p:oleObj spid="_x0000_s49076" name="Формула" r:id="rId32" imgW="2844720" imgH="393480" progId="Equation.3">
+                <p:oleObj spid="_x0000_s49094" name="Формула" r:id="rId32" imgW="2844720" imgH="393480" progId="Equation.3">
                   <p:embed/>
                 </p:oleObj>
               </mc:Choice>
@@ -38791,7 +38763,7 @@
           <a:graphicData uri="http://schemas.openxmlformats.org/presentationml/2006/ole">
             <mc:AlternateContent xmlns:mc="http://schemas.openxmlformats.org/markup-compatibility/2006">
               <mc:Choice xmlns:v="urn:schemas-microsoft-com:vml" Requires="v">
-                <p:oleObj spid="_x0000_s49077" name="Уравнение" r:id="rId34" imgW="1460160" imgH="393480" progId="Equation.3">
+                <p:oleObj spid="_x0000_s49095" name="Уравнение" r:id="rId34" imgW="1460160" imgH="393480" progId="Equation.3">
                   <p:embed/>
                 </p:oleObj>
               </mc:Choice>
@@ -38861,7 +38833,7 @@
           <a:graphicData uri="http://schemas.openxmlformats.org/presentationml/2006/ole">
             <mc:AlternateContent xmlns:mc="http://schemas.openxmlformats.org/markup-compatibility/2006">
               <mc:Choice xmlns:v="urn:schemas-microsoft-com:vml" Requires="v">
-                <p:oleObj spid="_x0000_s49078" name="Формула" r:id="rId36" imgW="1346040" imgH="393480" progId="Equation.3">
+                <p:oleObj spid="_x0000_s49096" name="Формула" r:id="rId36" imgW="1346040" imgH="393480" progId="Equation.3">
                   <p:embed/>
                 </p:oleObj>
               </mc:Choice>
@@ -38931,7 +38903,7 @@
           <a:graphicData uri="http://schemas.openxmlformats.org/presentationml/2006/ole">
             <mc:AlternateContent xmlns:mc="http://schemas.openxmlformats.org/markup-compatibility/2006">
               <mc:Choice xmlns:v="urn:schemas-microsoft-com:vml" Requires="v">
-                <p:oleObj spid="_x0000_s49079" name="Формула" r:id="rId38" imgW="647640" imgH="228600" progId="Equation.3">
+                <p:oleObj spid="_x0000_s49097" name="Формула" r:id="rId38" imgW="647640" imgH="228600" progId="Equation.3">
                   <p:embed/>
                 </p:oleObj>
               </mc:Choice>
@@ -39871,7 +39843,7 @@
           <a:graphicData uri="http://schemas.openxmlformats.org/presentationml/2006/ole">
             <mc:AlternateContent xmlns:mc="http://schemas.openxmlformats.org/markup-compatibility/2006">
               <mc:Choice xmlns:v="urn:schemas-microsoft-com:vml" Requires="v">
-                <p:oleObj spid="_x0000_s49672" name="Формула" r:id="rId3" imgW="1422360" imgH="393480" progId="Equation.3">
+                <p:oleObj spid="_x0000_s49687" name="Формула" r:id="rId3" imgW="1422360" imgH="393480" progId="Equation.3">
                   <p:embed/>
                 </p:oleObj>
               </mc:Choice>
@@ -39941,7 +39913,7 @@
           <a:graphicData uri="http://schemas.openxmlformats.org/presentationml/2006/ole">
             <mc:AlternateContent xmlns:mc="http://schemas.openxmlformats.org/markup-compatibility/2006">
               <mc:Choice xmlns:v="urn:schemas-microsoft-com:vml" Requires="v">
-                <p:oleObj spid="_x0000_s49673" name="Формула" r:id="rId5" imgW="1015920" imgH="393480" progId="Equation.3">
+                <p:oleObj spid="_x0000_s49688" name="Формула" r:id="rId5" imgW="1015920" imgH="393480" progId="Equation.3">
                   <p:embed/>
                 </p:oleObj>
               </mc:Choice>
@@ -40011,7 +39983,7 @@
           <a:graphicData uri="http://schemas.openxmlformats.org/presentationml/2006/ole">
             <mc:AlternateContent xmlns:mc="http://schemas.openxmlformats.org/markup-compatibility/2006">
               <mc:Choice xmlns:v="urn:schemas-microsoft-com:vml" Requires="v">
-                <p:oleObj spid="_x0000_s49674" name="Формула" r:id="rId7" imgW="1384200" imgH="393480" progId="Equation.3">
+                <p:oleObj spid="_x0000_s49689" name="Формула" r:id="rId7" imgW="1384200" imgH="393480" progId="Equation.3">
                   <p:embed/>
                 </p:oleObj>
               </mc:Choice>
@@ -40144,7 +40116,7 @@
           <a:graphicData uri="http://schemas.openxmlformats.org/presentationml/2006/ole">
             <mc:AlternateContent xmlns:mc="http://schemas.openxmlformats.org/markup-compatibility/2006">
               <mc:Choice xmlns:v="urn:schemas-microsoft-com:vml" Requires="v">
-                <p:oleObj spid="_x0000_s49675" name="Формула" r:id="rId9" imgW="1866600" imgH="469800" progId="Equation.3">
+                <p:oleObj spid="_x0000_s49690" name="Формула" r:id="rId9" imgW="1866600" imgH="469800" progId="Equation.3">
                   <p:embed/>
                 </p:oleObj>
               </mc:Choice>
@@ -40269,7 +40241,7 @@
           <a:graphicData uri="http://schemas.openxmlformats.org/presentationml/2006/ole">
             <mc:AlternateContent xmlns:mc="http://schemas.openxmlformats.org/markup-compatibility/2006">
               <mc:Choice xmlns:v="urn:schemas-microsoft-com:vml" Requires="v">
-                <p:oleObj spid="_x0000_s49676" name="Формула" r:id="rId11" imgW="1574640" imgH="457200" progId="Equation.3">
+                <p:oleObj spid="_x0000_s49691" name="Формула" r:id="rId11" imgW="1574640" imgH="457200" progId="Equation.3">
                   <p:embed/>
                 </p:oleObj>
               </mc:Choice>
@@ -40402,7 +40374,7 @@
           <a:graphicData uri="http://schemas.openxmlformats.org/presentationml/2006/ole">
             <mc:AlternateContent xmlns:mc="http://schemas.openxmlformats.org/markup-compatibility/2006">
               <mc:Choice xmlns:v="urn:schemas-microsoft-com:vml" Requires="v">
-                <p:oleObj spid="_x0000_s49677" name="Формула" r:id="rId13" imgW="1282680" imgH="495000" progId="Equation.3">
+                <p:oleObj spid="_x0000_s49692" name="Формула" r:id="rId13" imgW="1282680" imgH="495000" progId="Equation.3">
                   <p:embed/>
                 </p:oleObj>
               </mc:Choice>
@@ -40472,7 +40444,7 @@
           <a:graphicData uri="http://schemas.openxmlformats.org/presentationml/2006/ole">
             <mc:AlternateContent xmlns:mc="http://schemas.openxmlformats.org/markup-compatibility/2006">
               <mc:Choice xmlns:v="urn:schemas-microsoft-com:vml" Requires="v">
-                <p:oleObj spid="_x0000_s49678" name="Формула" r:id="rId15" imgW="1485720" imgH="457200" progId="Equation.3">
+                <p:oleObj spid="_x0000_s49693" name="Формула" r:id="rId15" imgW="1485720" imgH="457200" progId="Equation.3">
                   <p:embed/>
                 </p:oleObj>
               </mc:Choice>
@@ -41422,7 +41394,7 @@
           <a:graphicData uri="http://schemas.openxmlformats.org/presentationml/2006/ole">
             <mc:AlternateContent xmlns:mc="http://schemas.openxmlformats.org/markup-compatibility/2006">
               <mc:Choice xmlns:v="urn:schemas-microsoft-com:vml" Requires="v">
-                <p:oleObj spid="_x0000_s49679" name="Формула" r:id="rId17" imgW="863280" imgH="266400" progId="Equation.3">
+                <p:oleObj spid="_x0000_s49694" name="Формула" r:id="rId17" imgW="863280" imgH="266400" progId="Equation.3">
                   <p:embed/>
                 </p:oleObj>
               </mc:Choice>
@@ -41698,7 +41670,7 @@
           <a:graphicData uri="http://schemas.openxmlformats.org/presentationml/2006/ole">
             <mc:AlternateContent xmlns:mc="http://schemas.openxmlformats.org/markup-compatibility/2006">
               <mc:Choice xmlns:v="urn:schemas-microsoft-com:vml" Requires="v">
-                <p:oleObj spid="_x0000_s49680" name="Документ" r:id="rId19" imgW="4500076" imgH="2437089" progId="Word.Document.12">
+                <p:oleObj spid="_x0000_s49695" name="Документ" r:id="rId19" imgW="4500076" imgH="2437089" progId="Word.Document.12">
                   <p:embed/>
                 </p:oleObj>
               </mc:Choice>
@@ -41814,7 +41786,7 @@
           <a:graphicData uri="http://schemas.openxmlformats.org/presentationml/2006/ole">
             <mc:AlternateContent xmlns:mc="http://schemas.openxmlformats.org/markup-compatibility/2006">
               <mc:Choice xmlns:v="urn:schemas-microsoft-com:vml" Requires="v">
-                <p:oleObj spid="_x0000_s49681" name="Уравнение" r:id="rId21" imgW="1879560" imgH="228600" progId="Equation.3">
+                <p:oleObj spid="_x0000_s49696" name="Уравнение" r:id="rId21" imgW="1879560" imgH="228600" progId="Equation.3">
                   <p:embed/>
                 </p:oleObj>
               </mc:Choice>
@@ -41884,7 +41856,7 @@
           <a:graphicData uri="http://schemas.openxmlformats.org/presentationml/2006/ole">
             <mc:AlternateContent xmlns:mc="http://schemas.openxmlformats.org/markup-compatibility/2006">
               <mc:Choice xmlns:v="urn:schemas-microsoft-com:vml" Requires="v">
-                <p:oleObj spid="_x0000_s49682" name="Формула" r:id="rId23" imgW="2019240" imgH="228600" progId="Equation.3">
+                <p:oleObj spid="_x0000_s49697" name="Формула" r:id="rId23" imgW="2019240" imgH="228600" progId="Equation.3">
                   <p:embed/>
                 </p:oleObj>
               </mc:Choice>
@@ -41954,7 +41926,7 @@
           <a:graphicData uri="http://schemas.openxmlformats.org/presentationml/2006/ole">
             <mc:AlternateContent xmlns:mc="http://schemas.openxmlformats.org/markup-compatibility/2006">
               <mc:Choice xmlns:v="urn:schemas-microsoft-com:vml" Requires="v">
-                <p:oleObj spid="_x0000_s49683" name="Формула" r:id="rId25" imgW="812520" imgH="393480" progId="Equation.3">
+                <p:oleObj spid="_x0000_s49698" name="Формула" r:id="rId25" imgW="812520" imgH="393480" progId="Equation.3">
                   <p:embed/>
                 </p:oleObj>
               </mc:Choice>
@@ -42173,7 +42145,7 @@
           <a:graphicData uri="http://schemas.openxmlformats.org/presentationml/2006/ole">
             <mc:AlternateContent xmlns:mc="http://schemas.openxmlformats.org/markup-compatibility/2006">
               <mc:Choice xmlns:v="urn:schemas-microsoft-com:vml" Requires="v">
-                <p:oleObj spid="_x0000_s49684" name="Уравнение" r:id="rId27" imgW="685800" imgH="431640" progId="Equation.3">
+                <p:oleObj spid="_x0000_s49699" name="Уравнение" r:id="rId27" imgW="685800" imgH="431640" progId="Equation.3">
                   <p:embed/>
                 </p:oleObj>
               </mc:Choice>
@@ -42378,7 +42350,7 @@
           <a:graphicData uri="http://schemas.openxmlformats.org/presentationml/2006/ole">
             <mc:AlternateContent xmlns:mc="http://schemas.openxmlformats.org/markup-compatibility/2006">
               <mc:Choice xmlns:v="urn:schemas-microsoft-com:vml" Requires="v">
-                <p:oleObj spid="_x0000_s49685" name="Уравнение" r:id="rId29" imgW="164880" imgH="228600" progId="Equation.3">
+                <p:oleObj spid="_x0000_s49700" name="Уравнение" r:id="rId29" imgW="164880" imgH="228600" progId="Equation.3">
                   <p:embed/>
                 </p:oleObj>
               </mc:Choice>
@@ -42562,7 +42534,7 @@
           <a:graphicData uri="http://schemas.openxmlformats.org/presentationml/2006/ole">
             <mc:AlternateContent xmlns:mc="http://schemas.openxmlformats.org/markup-compatibility/2006">
               <mc:Choice xmlns:v="urn:schemas-microsoft-com:vml" Requires="v">
-                <p:oleObj spid="_x0000_s49686" name="Формула" r:id="rId31" imgW="393480" imgH="228600" progId="Equation.3">
+                <p:oleObj spid="_x0000_s49701" name="Формула" r:id="rId31" imgW="393480" imgH="228600" progId="Equation.3">
                   <p:embed/>
                 </p:oleObj>
               </mc:Choice>
